--- a/doc/ChronoSchool.pptx
+++ b/doc/ChronoSchool.pptx
@@ -5,7 +5,7 @@
     <p:sldMasterId id="2147483648" r:id="rId4"/>
   </p:sldMasterIdLst>
   <p:notesMasterIdLst>
-    <p:notesMasterId r:id="rId18"/>
+    <p:notesMasterId r:id="rId16"/>
   </p:notesMasterIdLst>
   <p:sldIdLst>
     <p:sldId id="256" r:id="rId5"/>
@@ -14,13 +14,11 @@
     <p:sldId id="258" r:id="rId8"/>
     <p:sldId id="263" r:id="rId9"/>
     <p:sldId id="264" r:id="rId10"/>
-    <p:sldId id="265" r:id="rId11"/>
-    <p:sldId id="266" r:id="rId12"/>
-    <p:sldId id="267" r:id="rId13"/>
-    <p:sldId id="268" r:id="rId14"/>
-    <p:sldId id="269" r:id="rId15"/>
-    <p:sldId id="270" r:id="rId16"/>
-    <p:sldId id="261" r:id="rId17"/>
+    <p:sldId id="267" r:id="rId11"/>
+    <p:sldId id="268" r:id="rId12"/>
+    <p:sldId id="265" r:id="rId13"/>
+    <p:sldId id="266" r:id="rId14"/>
+    <p:sldId id="261" r:id="rId15"/>
   </p:sldIdLst>
   <p:sldSz cx="12192000" cy="6858000"/>
   <p:notesSz cx="9144000" cy="6858000"/>
@@ -3633,7 +3631,7 @@
                 </a:solidFill>
                 <a:latin typeface="+mn-lt"/>
               </a:rPr>
-              <a:t>Teste Integrado – Métodos </a:t>
+              <a:t>Teste Unitário – Exemplo</a:t>
             </a:r>
             <a:endParaRPr lang="pt-BR" sz="2800" b="1" dirty="0">
               <a:solidFill>
@@ -3662,2033 +3660,6 @@
             <a:fld id="{8FF781A6-F80B-4B0C-B3D7-F58C07AF8613}" type="slidenum">
               <a:rPr lang="pt-BR" sz="2400" smtClean="0"/>
               <a:t>10</a:t>
-            </a:fld>
-            <a:endParaRPr lang="pt-BR" sz="2400" dirty="0"/>
-          </a:p>
-        </p:txBody>
-      </p:sp>
-      <p:sp>
-        <p:nvSpPr>
-          <p:cNvPr id="6" name="CaixaDeTexto 5"/>
-          <p:cNvSpPr txBox="1"/>
-          <p:nvPr/>
-        </p:nvSpPr>
-        <p:spPr>
-          <a:xfrm>
-            <a:off x="660203" y="1576015"/>
-            <a:ext cx="11531797" cy="4962897"/>
-          </a:xfrm>
-          <a:prstGeom prst="rect">
-            <a:avLst/>
-          </a:prstGeom>
-          <a:noFill/>
-        </p:spPr>
-        <p:txBody>
-          <a:bodyPr wrap="square" rtlCol="0">
-            <a:spAutoFit/>
-          </a:bodyPr>
-          <a:lstStyle/>
-          <a:p>
-            <a:pPr marL="342900" indent="-342900" algn="just">
-              <a:buFont typeface="Arial" panose="020B0604020202020204" pitchFamily="34" charset="0"/>
-              <a:buChar char="•"/>
-            </a:pPr>
-            <a:r>
-              <a:rPr lang="pt-BR" sz="2400" dirty="0" smtClean="0"/>
-              <a:t>Método Big </a:t>
-            </a:r>
-            <a:r>
-              <a:rPr lang="pt-BR" sz="2400" dirty="0" err="1" smtClean="0"/>
-              <a:t>Bang</a:t>
-            </a:r>
-            <a:r>
-              <a:rPr lang="pt-BR" sz="2400" dirty="0" smtClean="0"/>
-              <a:t>:</a:t>
-            </a:r>
-          </a:p>
-          <a:p>
-            <a:pPr marL="914400" lvl="1" indent="-457200" algn="just">
-              <a:buSzPct val="70000"/>
-              <a:buFont typeface="Wingdings" panose="05000000000000000000" pitchFamily="2" charset="2"/>
-              <a:buChar char="§"/>
-            </a:pPr>
-            <a:r>
-              <a:rPr lang="pt-BR" sz="2400" dirty="0" smtClean="0"/>
-              <a:t>O sistema inteiro é testado de uma vez só;</a:t>
-            </a:r>
-          </a:p>
-          <a:p>
-            <a:pPr marL="914400" lvl="1" indent="-457200" algn="just">
-              <a:buSzPct val="70000"/>
-              <a:buFont typeface="Wingdings" panose="05000000000000000000" pitchFamily="2" charset="2"/>
-              <a:buChar char="§"/>
-            </a:pPr>
-            <a:r>
-              <a:rPr lang="pt-BR" sz="2400" dirty="0" smtClean="0"/>
-              <a:t>Usado quando o software é recebido já completo;</a:t>
-            </a:r>
-          </a:p>
-          <a:p>
-            <a:pPr marL="914400" lvl="1" indent="-457200" algn="just">
-              <a:spcAft>
-                <a:spcPts val="500"/>
-              </a:spcAft>
-              <a:buSzPct val="70000"/>
-              <a:buFont typeface="Wingdings" panose="05000000000000000000" pitchFamily="2" charset="2"/>
-              <a:buChar char="§"/>
-            </a:pPr>
-            <a:r>
-              <a:rPr lang="pt-BR" sz="2400" dirty="0" smtClean="0"/>
-              <a:t>Diferente do Teste de Sistema, este só observa a interação entra unidades;</a:t>
-            </a:r>
-          </a:p>
-          <a:p>
-            <a:pPr marL="342900" indent="-342900" algn="just">
-              <a:buFont typeface="Arial" panose="020B0604020202020204" pitchFamily="34" charset="0"/>
-              <a:buChar char="•"/>
-            </a:pPr>
-            <a:r>
-              <a:rPr lang="pt-BR" sz="2400" dirty="0" smtClean="0"/>
-              <a:t>Método Top Down:</a:t>
-            </a:r>
-          </a:p>
-          <a:p>
-            <a:pPr marL="800100" lvl="1" indent="-342900" algn="just">
-              <a:buSzPct val="70000"/>
-              <a:buFont typeface="Wingdings" panose="05000000000000000000" pitchFamily="2" charset="2"/>
-              <a:buChar char="§"/>
-            </a:pPr>
-            <a:r>
-              <a:rPr lang="pt-BR" sz="2400" dirty="0" smtClean="0"/>
-              <a:t>As unidades mais complexas são testadas primeiro;</a:t>
-            </a:r>
-          </a:p>
-          <a:p>
-            <a:pPr marL="800100" lvl="1" indent="-342900" algn="just">
-              <a:spcAft>
-                <a:spcPts val="500"/>
-              </a:spcAft>
-              <a:buSzPct val="70000"/>
-              <a:buFont typeface="Wingdings" panose="05000000000000000000" pitchFamily="2" charset="2"/>
-              <a:buChar char="§"/>
-            </a:pPr>
-            <a:r>
-              <a:rPr lang="pt-BR" sz="2400" dirty="0"/>
-              <a:t>Caso necessário deverá ser simulado as funções de unidades mais </a:t>
-            </a:r>
-            <a:r>
-              <a:rPr lang="pt-BR" sz="2400" dirty="0" smtClean="0"/>
-              <a:t>simples;</a:t>
-            </a:r>
-            <a:endParaRPr lang="pt-BR" sz="2400" dirty="0"/>
-          </a:p>
-          <a:p>
-            <a:pPr marL="342900" indent="-342900" algn="just">
-              <a:buFont typeface="Arial" panose="020B0604020202020204" pitchFamily="34" charset="0"/>
-              <a:buChar char="•"/>
-            </a:pPr>
-            <a:r>
-              <a:rPr lang="pt-BR" sz="2400" dirty="0" smtClean="0"/>
-              <a:t>Método </a:t>
-            </a:r>
-            <a:r>
-              <a:rPr lang="pt-BR" sz="2400" dirty="0" err="1" smtClean="0"/>
-              <a:t>Bottom</a:t>
-            </a:r>
-            <a:r>
-              <a:rPr lang="pt-BR" sz="2400" dirty="0" smtClean="0"/>
-              <a:t> </a:t>
-            </a:r>
-            <a:r>
-              <a:rPr lang="pt-BR" sz="2400" dirty="0" err="1" smtClean="0"/>
-              <a:t>Up</a:t>
-            </a:r>
-            <a:r>
-              <a:rPr lang="pt-BR" sz="2400" dirty="0" smtClean="0"/>
-              <a:t>:</a:t>
-            </a:r>
-          </a:p>
-          <a:p>
-            <a:pPr marL="800100" lvl="1" indent="-342900" algn="just">
-              <a:buSzPct val="70000"/>
-              <a:buFont typeface="Wingdings" panose="05000000000000000000" pitchFamily="2" charset="2"/>
-              <a:buChar char="§"/>
-            </a:pPr>
-            <a:r>
-              <a:rPr lang="pt-BR" sz="2400" dirty="0" smtClean="0"/>
-              <a:t>As unidades mais simples são testadas primeiro;</a:t>
-            </a:r>
-          </a:p>
-          <a:p>
-            <a:pPr marL="800100" lvl="1" indent="-342900" algn="just">
-              <a:spcAft>
-                <a:spcPts val="500"/>
-              </a:spcAft>
-              <a:buSzPct val="70000"/>
-              <a:buFont typeface="Wingdings" panose="05000000000000000000" pitchFamily="2" charset="2"/>
-              <a:buChar char="§"/>
-            </a:pPr>
-            <a:r>
-              <a:rPr lang="pt-BR" sz="2400" dirty="0" smtClean="0"/>
-              <a:t>Caso necessário deverá ser simulado as funções de unidades mais complexas;</a:t>
-            </a:r>
-          </a:p>
-          <a:p>
-            <a:pPr marL="342900" indent="-342900" algn="just">
-              <a:buFont typeface="Arial" panose="020B0604020202020204" pitchFamily="34" charset="0"/>
-              <a:buChar char="•"/>
-            </a:pPr>
-            <a:r>
-              <a:rPr lang="pt-BR" sz="2400" dirty="0" smtClean="0"/>
-              <a:t>Método Hibrido</a:t>
-            </a:r>
-            <a:endParaRPr lang="pt-BR" sz="2000" dirty="0" smtClean="0"/>
-          </a:p>
-          <a:p>
-            <a:pPr marL="800100" lvl="1" indent="-342900" algn="just">
-              <a:buFont typeface="Arial" panose="020B0604020202020204" pitchFamily="34" charset="0"/>
-              <a:buChar char="•"/>
-            </a:pPr>
-            <a:endParaRPr lang="pt-BR" sz="2000" dirty="0" smtClean="0"/>
-          </a:p>
-          <a:p>
-            <a:pPr marL="800100" lvl="1" indent="-342900" algn="just">
-              <a:buFont typeface="Arial" panose="020B0604020202020204" pitchFamily="34" charset="0"/>
-              <a:buChar char="•"/>
-            </a:pPr>
-            <a:endParaRPr lang="pt-BR" sz="2000" dirty="0"/>
-          </a:p>
-        </p:txBody>
-      </p:sp>
-    </p:spTree>
-    <p:extLst>
-      <p:ext uri="{BB962C8B-B14F-4D97-AF65-F5344CB8AC3E}">
-        <p14:creationId xmlns:p14="http://schemas.microsoft.com/office/powerpoint/2010/main" val="3226545058"/>
-      </p:ext>
-    </p:extLst>
-  </p:cSld>
-  <p:clrMapOvr>
-    <a:masterClrMapping/>
-  </p:clrMapOvr>
-  <p:timing>
-    <p:tnLst>
-      <p:par>
-        <p:cTn id="1" dur="indefinite" restart="never" nodeType="tmRoot"/>
-      </p:par>
-    </p:tnLst>
-  </p:timing>
-</p:sld>
-</file>
-
-<file path=ppt/slides/slide11.xml><?xml version="1.0" encoding="utf-8"?>
-<p:sld xmlns:a="http://schemas.openxmlformats.org/drawingml/2006/main" xmlns:r="http://schemas.openxmlformats.org/officeDocument/2006/relationships" xmlns:p="http://schemas.openxmlformats.org/presentationml/2006/main">
-  <p:cSld>
-    <p:bg>
-      <p:bgPr>
-        <a:blipFill dpi="0" rotWithShape="1">
-          <a:blip r:embed="rId2">
-            <a:lum/>
-          </a:blip>
-          <a:srcRect/>
-          <a:stretch>
-            <a:fillRect/>
-          </a:stretch>
-        </a:blipFill>
-        <a:effectLst/>
-      </p:bgPr>
-    </p:bg>
-    <p:spTree>
-      <p:nvGrpSpPr>
-        <p:cNvPr id="1" name=""/>
-        <p:cNvGrpSpPr/>
-        <p:nvPr/>
-      </p:nvGrpSpPr>
-      <p:grpSpPr>
-        <a:xfrm>
-          <a:off x="0" y="0"/>
-          <a:ext cx="0" cy="0"/>
-          <a:chOff x="0" y="0"/>
-          <a:chExt cx="0" cy="0"/>
-        </a:xfrm>
-      </p:grpSpPr>
-      <p:sp>
-        <p:nvSpPr>
-          <p:cNvPr id="3" name="Título 1"/>
-          <p:cNvSpPr txBox="1">
-            <a:spLocks/>
-          </p:cNvSpPr>
-          <p:nvPr/>
-        </p:nvSpPr>
-        <p:spPr>
-          <a:xfrm>
-            <a:off x="933450" y="438149"/>
-            <a:ext cx="8143875" cy="723901"/>
-          </a:xfrm>
-          <a:prstGeom prst="rect">
-            <a:avLst/>
-          </a:prstGeom>
-        </p:spPr>
-        <p:txBody>
-          <a:bodyPr vert="horz" lIns="91440" tIns="45720" rIns="91440" bIns="45720" rtlCol="0" anchor="t">
-            <a:normAutofit/>
-          </a:bodyPr>
-          <a:lstStyle>
-            <a:lvl1pPr algn="ctr" defTabSz="914400" rtl="0" eaLnBrk="1" latinLnBrk="0" hangingPunct="1">
-              <a:lnSpc>
-                <a:spcPct val="90000"/>
-              </a:lnSpc>
-              <a:spcBef>
-                <a:spcPct val="0"/>
-              </a:spcBef>
-              <a:buNone/>
-              <a:defRPr sz="6000" kern="1200">
-                <a:solidFill>
-                  <a:schemeClr val="tx1"/>
-                </a:solidFill>
-                <a:latin typeface="+mj-lt"/>
-                <a:ea typeface="+mj-ea"/>
-                <a:cs typeface="+mj-cs"/>
-              </a:defRPr>
-            </a:lvl1pPr>
-          </a:lstStyle>
-          <a:p>
-            <a:pPr algn="l"/>
-            <a:r>
-              <a:rPr lang="pt-BR" sz="2800" b="1" dirty="0" smtClean="0">
-                <a:solidFill>
-                  <a:schemeClr val="bg1"/>
-                </a:solidFill>
-                <a:latin typeface="+mn-lt"/>
-              </a:rPr>
-              <a:t>Verificação/Validação - Diagrama</a:t>
-            </a:r>
-            <a:endParaRPr lang="pt-BR" sz="2800" b="1" dirty="0">
-              <a:solidFill>
-                <a:schemeClr val="bg1"/>
-              </a:solidFill>
-              <a:latin typeface="+mn-lt"/>
-            </a:endParaRPr>
-          </a:p>
-        </p:txBody>
-      </p:sp>
-      <p:sp>
-        <p:nvSpPr>
-          <p:cNvPr id="4" name="Espaço Reservado para Número de Slide 3"/>
-          <p:cNvSpPr>
-            <a:spLocks noGrp="1"/>
-          </p:cNvSpPr>
-          <p:nvPr>
-            <p:ph type="sldNum" sz="quarter" idx="12"/>
-          </p:nvPr>
-        </p:nvSpPr>
-        <p:spPr/>
-        <p:txBody>
-          <a:bodyPr/>
-          <a:lstStyle/>
-          <a:p>
-            <a:fld id="{8FF781A6-F80B-4B0C-B3D7-F58C07AF8613}" type="slidenum">
-              <a:rPr lang="pt-BR" sz="2400" smtClean="0"/>
-              <a:t>11</a:t>
-            </a:fld>
-            <a:endParaRPr lang="pt-BR" sz="2400" dirty="0"/>
-          </a:p>
-        </p:txBody>
-      </p:sp>
-      <p:pic>
-        <p:nvPicPr>
-          <p:cNvPr id="5" name="Imagem 4"/>
-          <p:cNvPicPr>
-            <a:picLocks noChangeAspect="1"/>
-          </p:cNvPicPr>
-          <p:nvPr/>
-        </p:nvPicPr>
-        <p:blipFill>
-          <a:blip r:embed="rId3">
-            <a:extLst>
-              <a:ext uri="{28A0092B-C50C-407E-A947-70E740481C1C}">
-                <a14:useLocalDpi xmlns:a14="http://schemas.microsoft.com/office/drawing/2010/main" val="0"/>
-              </a:ext>
-            </a:extLst>
-          </a:blip>
-          <a:stretch>
-            <a:fillRect/>
-          </a:stretch>
-        </p:blipFill>
-        <p:spPr>
-          <a:xfrm>
-            <a:off x="1488929" y="1686781"/>
-            <a:ext cx="9300133" cy="3687229"/>
-          </a:xfrm>
-          <a:prstGeom prst="rect">
-            <a:avLst/>
-          </a:prstGeom>
-        </p:spPr>
-      </p:pic>
-      <p:sp>
-        <p:nvSpPr>
-          <p:cNvPr id="7" name="CaixaDeTexto 6"/>
-          <p:cNvSpPr txBox="1"/>
-          <p:nvPr/>
-        </p:nvSpPr>
-        <p:spPr>
-          <a:xfrm>
-            <a:off x="1488929" y="5349623"/>
-            <a:ext cx="7392256" cy="400110"/>
-          </a:xfrm>
-          <a:prstGeom prst="rect">
-            <a:avLst/>
-          </a:prstGeom>
-          <a:noFill/>
-        </p:spPr>
-        <p:txBody>
-          <a:bodyPr wrap="square" rtlCol="0">
-            <a:spAutoFit/>
-          </a:bodyPr>
-          <a:lstStyle/>
-          <a:p>
-            <a:r>
-              <a:rPr lang="pt-BR" sz="2000" i="1" dirty="0" smtClean="0"/>
-              <a:t>Imagem 5 - Diagrama de validação e Verificação</a:t>
-            </a:r>
-            <a:endParaRPr lang="pt-BR" sz="2000" i="1" dirty="0"/>
-          </a:p>
-        </p:txBody>
-      </p:sp>
-    </p:spTree>
-    <p:extLst>
-      <p:ext uri="{BB962C8B-B14F-4D97-AF65-F5344CB8AC3E}">
-        <p14:creationId xmlns:p14="http://schemas.microsoft.com/office/powerpoint/2010/main" val="145292674"/>
-      </p:ext>
-    </p:extLst>
-  </p:cSld>
-  <p:clrMapOvr>
-    <a:masterClrMapping/>
-  </p:clrMapOvr>
-  <p:timing>
-    <p:tnLst>
-      <p:par>
-        <p:cTn id="1" dur="indefinite" restart="never" nodeType="tmRoot"/>
-      </p:par>
-    </p:tnLst>
-  </p:timing>
-</p:sld>
-</file>
-
-<file path=ppt/slides/slide12.xml><?xml version="1.0" encoding="utf-8"?>
-<p:sld xmlns:a="http://schemas.openxmlformats.org/drawingml/2006/main" xmlns:r="http://schemas.openxmlformats.org/officeDocument/2006/relationships" xmlns:p="http://schemas.openxmlformats.org/presentationml/2006/main">
-  <p:cSld>
-    <p:bg>
-      <p:bgPr>
-        <a:blipFill dpi="0" rotWithShape="1">
-          <a:blip r:embed="rId2">
-            <a:lum/>
-          </a:blip>
-          <a:srcRect/>
-          <a:stretch>
-            <a:fillRect/>
-          </a:stretch>
-        </a:blipFill>
-        <a:effectLst/>
-      </p:bgPr>
-    </p:bg>
-    <p:spTree>
-      <p:nvGrpSpPr>
-        <p:cNvPr id="1" name=""/>
-        <p:cNvGrpSpPr/>
-        <p:nvPr/>
-      </p:nvGrpSpPr>
-      <p:grpSpPr>
-        <a:xfrm>
-          <a:off x="0" y="0"/>
-          <a:ext cx="0" cy="0"/>
-          <a:chOff x="0" y="0"/>
-          <a:chExt cx="0" cy="0"/>
-        </a:xfrm>
-      </p:grpSpPr>
-      <p:sp>
-        <p:nvSpPr>
-          <p:cNvPr id="3" name="Título 1"/>
-          <p:cNvSpPr txBox="1">
-            <a:spLocks/>
-          </p:cNvSpPr>
-          <p:nvPr/>
-        </p:nvSpPr>
-        <p:spPr>
-          <a:xfrm>
-            <a:off x="933450" y="438149"/>
-            <a:ext cx="8143875" cy="723901"/>
-          </a:xfrm>
-          <a:prstGeom prst="rect">
-            <a:avLst/>
-          </a:prstGeom>
-        </p:spPr>
-        <p:txBody>
-          <a:bodyPr vert="horz" lIns="91440" tIns="45720" rIns="91440" bIns="45720" rtlCol="0" anchor="t">
-            <a:normAutofit/>
-          </a:bodyPr>
-          <a:lstStyle>
-            <a:lvl1pPr algn="ctr" defTabSz="914400" rtl="0" eaLnBrk="1" latinLnBrk="0" hangingPunct="1">
-              <a:lnSpc>
-                <a:spcPct val="90000"/>
-              </a:lnSpc>
-              <a:spcBef>
-                <a:spcPct val="0"/>
-              </a:spcBef>
-              <a:buNone/>
-              <a:defRPr sz="6000" kern="1200">
-                <a:solidFill>
-                  <a:schemeClr val="tx1"/>
-                </a:solidFill>
-                <a:latin typeface="+mj-lt"/>
-                <a:ea typeface="+mj-ea"/>
-                <a:cs typeface="+mj-cs"/>
-              </a:defRPr>
-            </a:lvl1pPr>
-          </a:lstStyle>
-          <a:p>
-            <a:pPr algn="l"/>
-            <a:r>
-              <a:rPr lang="pt-BR" sz="2800" b="1" dirty="0" smtClean="0">
-                <a:solidFill>
-                  <a:schemeClr val="bg1"/>
-                </a:solidFill>
-                <a:latin typeface="+mn-lt"/>
-              </a:rPr>
-              <a:t>Referências</a:t>
-            </a:r>
-            <a:endParaRPr lang="pt-BR" sz="2800" b="1" dirty="0">
-              <a:solidFill>
-                <a:schemeClr val="bg1"/>
-              </a:solidFill>
-              <a:latin typeface="+mn-lt"/>
-            </a:endParaRPr>
-          </a:p>
-        </p:txBody>
-      </p:sp>
-      <p:sp>
-        <p:nvSpPr>
-          <p:cNvPr id="4" name="Espaço Reservado para Número de Slide 3"/>
-          <p:cNvSpPr>
-            <a:spLocks noGrp="1"/>
-          </p:cNvSpPr>
-          <p:nvPr>
-            <p:ph type="sldNum" sz="quarter" idx="12"/>
-          </p:nvPr>
-        </p:nvSpPr>
-        <p:spPr/>
-        <p:txBody>
-          <a:bodyPr/>
-          <a:lstStyle/>
-          <a:p>
-            <a:fld id="{8FF781A6-F80B-4B0C-B3D7-F58C07AF8613}" type="slidenum">
-              <a:rPr lang="pt-BR" sz="2400" smtClean="0"/>
-              <a:t>12</a:t>
-            </a:fld>
-            <a:endParaRPr lang="pt-BR" sz="2400" dirty="0"/>
-          </a:p>
-        </p:txBody>
-      </p:sp>
-      <p:sp>
-        <p:nvSpPr>
-          <p:cNvPr id="7" name="CaixaDeTexto 6"/>
-          <p:cNvSpPr txBox="1"/>
-          <p:nvPr/>
-        </p:nvSpPr>
-        <p:spPr>
-          <a:xfrm>
-            <a:off x="1228299" y="1828800"/>
-            <a:ext cx="7652886" cy="1631216"/>
-          </a:xfrm>
-          <a:prstGeom prst="rect">
-            <a:avLst/>
-          </a:prstGeom>
-          <a:noFill/>
-        </p:spPr>
-        <p:txBody>
-          <a:bodyPr wrap="square" rtlCol="0">
-            <a:spAutoFit/>
-          </a:bodyPr>
-          <a:lstStyle/>
-          <a:p>
-            <a:pPr marL="342900" indent="-342900">
-              <a:buFont typeface="Arial" panose="020B0604020202020204" pitchFamily="34" charset="0"/>
-              <a:buChar char="•"/>
-            </a:pPr>
-            <a:r>
-              <a:rPr lang="pt-BR" sz="2000" dirty="0" smtClean="0"/>
-              <a:t>Imagem 1 à 3 - </a:t>
-            </a:r>
-            <a:r>
-              <a:rPr lang="pt-BR" sz="2000" b="1" dirty="0" smtClean="0"/>
-              <a:t>IEEE 829 – 2008</a:t>
-            </a:r>
-            <a:endParaRPr lang="pt-BR" sz="2000" dirty="0" smtClean="0"/>
-          </a:p>
-          <a:p>
-            <a:pPr marL="342900" indent="-342900">
-              <a:buFont typeface="Arial" panose="020B0604020202020204" pitchFamily="34" charset="0"/>
-              <a:buChar char="•"/>
-            </a:pPr>
-            <a:endParaRPr lang="pt-BR" sz="2000" b="1" dirty="0" smtClean="0"/>
-          </a:p>
-          <a:p>
-            <a:pPr marL="342900" indent="-342900">
-              <a:buFont typeface="Arial" panose="020B0604020202020204" pitchFamily="34" charset="0"/>
-              <a:buChar char="•"/>
-            </a:pPr>
-            <a:r>
-              <a:rPr lang="pt-BR" sz="2000" dirty="0"/>
-              <a:t>Imagem 5</a:t>
-            </a:r>
-            <a:r>
-              <a:rPr lang="pt-BR" sz="2000" dirty="0" smtClean="0"/>
-              <a:t> </a:t>
-            </a:r>
-            <a:r>
-              <a:rPr lang="pt-BR" sz="2000" dirty="0"/>
-              <a:t>- Diagrama de validação e Verificação copiado do website: </a:t>
-            </a:r>
-            <a:r>
-              <a:rPr lang="pt-BR" sz="2000" b="1" dirty="0"/>
-              <a:t>https://www.devmedia.com.br/teste-de-integracao-na-pratica/31877</a:t>
-            </a:r>
-          </a:p>
-        </p:txBody>
-      </p:sp>
-    </p:spTree>
-    <p:extLst>
-      <p:ext uri="{BB962C8B-B14F-4D97-AF65-F5344CB8AC3E}">
-        <p14:creationId xmlns:p14="http://schemas.microsoft.com/office/powerpoint/2010/main" val="583372387"/>
-      </p:ext>
-    </p:extLst>
-  </p:cSld>
-  <p:clrMapOvr>
-    <a:masterClrMapping/>
-  </p:clrMapOvr>
-  <p:timing>
-    <p:tnLst>
-      <p:par>
-        <p:cTn id="1" dur="indefinite" restart="never" nodeType="tmRoot"/>
-      </p:par>
-    </p:tnLst>
-  </p:timing>
-</p:sld>
-</file>
-
-<file path=ppt/slides/slide13.xml><?xml version="1.0" encoding="utf-8"?>
-<p:sld xmlns:a="http://schemas.openxmlformats.org/drawingml/2006/main" xmlns:r="http://schemas.openxmlformats.org/officeDocument/2006/relationships" xmlns:p="http://schemas.openxmlformats.org/presentationml/2006/main">
-  <p:cSld>
-    <p:bg>
-      <p:bgPr>
-        <a:blipFill dpi="0" rotWithShape="1">
-          <a:blip r:embed="rId2">
-            <a:lum/>
-          </a:blip>
-          <a:srcRect/>
-          <a:stretch>
-            <a:fillRect/>
-          </a:stretch>
-        </a:blipFill>
-        <a:effectLst/>
-      </p:bgPr>
-    </p:bg>
-    <p:spTree>
-      <p:nvGrpSpPr>
-        <p:cNvPr id="1" name=""/>
-        <p:cNvGrpSpPr/>
-        <p:nvPr/>
-      </p:nvGrpSpPr>
-      <p:grpSpPr>
-        <a:xfrm>
-          <a:off x="0" y="0"/>
-          <a:ext cx="0" cy="0"/>
-          <a:chOff x="0" y="0"/>
-          <a:chExt cx="0" cy="0"/>
-        </a:xfrm>
-      </p:grpSpPr>
-      <p:sp>
-        <p:nvSpPr>
-          <p:cNvPr id="2" name="Espaço Reservado para Número de Slide 1"/>
-          <p:cNvSpPr>
-            <a:spLocks noGrp="1"/>
-          </p:cNvSpPr>
-          <p:nvPr>
-            <p:ph type="sldNum" sz="quarter" idx="12"/>
-          </p:nvPr>
-        </p:nvSpPr>
-        <p:spPr/>
-        <p:txBody>
-          <a:bodyPr/>
-          <a:lstStyle/>
-          <a:p>
-            <a:fld id="{8FF781A6-F80B-4B0C-B3D7-F58C07AF8613}" type="slidenum">
-              <a:rPr lang="pt-BR" smtClean="0"/>
-              <a:t>13</a:t>
-            </a:fld>
-            <a:endParaRPr lang="pt-BR"/>
-          </a:p>
-        </p:txBody>
-      </p:sp>
-    </p:spTree>
-    <p:extLst>
-      <p:ext uri="{BB962C8B-B14F-4D97-AF65-F5344CB8AC3E}">
-        <p14:creationId xmlns:p14="http://schemas.microsoft.com/office/powerpoint/2010/main" val="1345653466"/>
-      </p:ext>
-    </p:extLst>
-  </p:cSld>
-  <p:clrMapOvr>
-    <a:masterClrMapping/>
-  </p:clrMapOvr>
-  <p:timing>
-    <p:tnLst>
-      <p:par>
-        <p:cTn id="1" dur="indefinite" restart="never" nodeType="tmRoot"/>
-      </p:par>
-    </p:tnLst>
-  </p:timing>
-</p:sld>
-</file>
-
-<file path=ppt/slides/slide2.xml><?xml version="1.0" encoding="utf-8"?>
-<p:sld xmlns:a="http://schemas.openxmlformats.org/drawingml/2006/main" xmlns:r="http://schemas.openxmlformats.org/officeDocument/2006/relationships" xmlns:p="http://schemas.openxmlformats.org/presentationml/2006/main">
-  <p:cSld>
-    <p:bg>
-      <p:bgPr>
-        <a:blipFill dpi="0" rotWithShape="1">
-          <a:blip r:embed="rId2">
-            <a:lum/>
-          </a:blip>
-          <a:srcRect/>
-          <a:stretch>
-            <a:fillRect/>
-          </a:stretch>
-        </a:blipFill>
-        <a:effectLst/>
-      </p:bgPr>
-    </p:bg>
-    <p:spTree>
-      <p:nvGrpSpPr>
-        <p:cNvPr id="1" name=""/>
-        <p:cNvGrpSpPr/>
-        <p:nvPr/>
-      </p:nvGrpSpPr>
-      <p:grpSpPr>
-        <a:xfrm>
-          <a:off x="0" y="0"/>
-          <a:ext cx="0" cy="0"/>
-          <a:chOff x="0" y="0"/>
-          <a:chExt cx="0" cy="0"/>
-        </a:xfrm>
-      </p:grpSpPr>
-      <p:sp>
-        <p:nvSpPr>
-          <p:cNvPr id="3" name="Título 1"/>
-          <p:cNvSpPr txBox="1">
-            <a:spLocks/>
-          </p:cNvSpPr>
-          <p:nvPr/>
-        </p:nvSpPr>
-        <p:spPr>
-          <a:xfrm>
-            <a:off x="933450" y="438149"/>
-            <a:ext cx="8143875" cy="723901"/>
-          </a:xfrm>
-          <a:prstGeom prst="rect">
-            <a:avLst/>
-          </a:prstGeom>
-        </p:spPr>
-        <p:txBody>
-          <a:bodyPr vert="horz" lIns="91440" tIns="45720" rIns="91440" bIns="45720" rtlCol="0" anchor="t">
-            <a:normAutofit/>
-          </a:bodyPr>
-          <a:lstStyle>
-            <a:lvl1pPr algn="ctr" defTabSz="914400" rtl="0" eaLnBrk="1" latinLnBrk="0" hangingPunct="1">
-              <a:lnSpc>
-                <a:spcPct val="90000"/>
-              </a:lnSpc>
-              <a:spcBef>
-                <a:spcPct val="0"/>
-              </a:spcBef>
-              <a:buNone/>
-              <a:defRPr sz="6000" kern="1200">
-                <a:solidFill>
-                  <a:schemeClr val="tx1"/>
-                </a:solidFill>
-                <a:latin typeface="+mj-lt"/>
-                <a:ea typeface="+mj-ea"/>
-                <a:cs typeface="+mj-cs"/>
-              </a:defRPr>
-            </a:lvl1pPr>
-          </a:lstStyle>
-          <a:p>
-            <a:pPr algn="l"/>
-            <a:r>
-              <a:rPr lang="pt-BR" sz="2800" b="1" dirty="0">
-                <a:solidFill>
-                  <a:schemeClr val="bg1"/>
-                </a:solidFill>
-                <a:latin typeface="+mn-lt"/>
-              </a:rPr>
-              <a:t>Conteúdo da Apresentação</a:t>
-            </a:r>
-          </a:p>
-        </p:txBody>
-      </p:sp>
-      <p:sp>
-        <p:nvSpPr>
-          <p:cNvPr id="4" name="Espaço Reservado para Número de Slide 3"/>
-          <p:cNvSpPr>
-            <a:spLocks noGrp="1"/>
-          </p:cNvSpPr>
-          <p:nvPr>
-            <p:ph type="sldNum" sz="quarter" idx="12"/>
-          </p:nvPr>
-        </p:nvSpPr>
-        <p:spPr/>
-        <p:txBody>
-          <a:bodyPr/>
-          <a:lstStyle/>
-          <a:p>
-            <a:fld id="{8FF781A6-F80B-4B0C-B3D7-F58C07AF8613}" type="slidenum">
-              <a:rPr lang="pt-BR" sz="2400" smtClean="0"/>
-              <a:t>2</a:t>
-            </a:fld>
-            <a:endParaRPr lang="pt-BR" sz="2400" dirty="0"/>
-          </a:p>
-        </p:txBody>
-      </p:sp>
-      <p:sp>
-        <p:nvSpPr>
-          <p:cNvPr id="5" name="CaixaDeTexto 4"/>
-          <p:cNvSpPr txBox="1"/>
-          <p:nvPr/>
-        </p:nvSpPr>
-        <p:spPr>
-          <a:xfrm>
-            <a:off x="933450" y="1735569"/>
-            <a:ext cx="10420350" cy="3688189"/>
-          </a:xfrm>
-          <a:prstGeom prst="rect">
-            <a:avLst/>
-          </a:prstGeom>
-          <a:noFill/>
-        </p:spPr>
-        <p:txBody>
-          <a:bodyPr wrap="square" rtlCol="0">
-            <a:spAutoFit/>
-          </a:bodyPr>
-          <a:lstStyle/>
-          <a:p>
-            <a:pPr marL="342900" indent="-342900">
-              <a:spcAft>
-                <a:spcPts val="1000"/>
-              </a:spcAft>
-              <a:buFont typeface="Arial" panose="020B0604020202020204" pitchFamily="34" charset="0"/>
-              <a:buChar char="•"/>
-            </a:pPr>
-            <a:r>
-              <a:rPr lang="pt-BR" sz="2400" dirty="0" smtClean="0"/>
-              <a:t>Introdução</a:t>
-            </a:r>
-          </a:p>
-          <a:p>
-            <a:pPr marL="342900" indent="-342900">
-              <a:spcAft>
-                <a:spcPts val="1000"/>
-              </a:spcAft>
-              <a:buFont typeface="Arial" panose="020B0604020202020204" pitchFamily="34" charset="0"/>
-              <a:buChar char="•"/>
-            </a:pPr>
-            <a:endParaRPr lang="pt-BR" sz="2400" dirty="0" smtClean="0"/>
-          </a:p>
-          <a:p>
-            <a:pPr marL="342900" indent="-342900">
-              <a:spcAft>
-                <a:spcPts val="1000"/>
-              </a:spcAft>
-              <a:buFont typeface="Arial" panose="020B0604020202020204" pitchFamily="34" charset="0"/>
-              <a:buChar char="•"/>
-            </a:pPr>
-            <a:r>
-              <a:rPr lang="pt-BR" sz="2400" dirty="0" smtClean="0"/>
-              <a:t>Problematização</a:t>
-            </a:r>
-          </a:p>
-          <a:p>
-            <a:pPr marL="342900" indent="-342900">
-              <a:spcAft>
-                <a:spcPts val="1000"/>
-              </a:spcAft>
-              <a:buFont typeface="Arial" panose="020B0604020202020204" pitchFamily="34" charset="0"/>
-              <a:buChar char="•"/>
-            </a:pPr>
-            <a:endParaRPr lang="pt-BR" sz="2400" dirty="0" smtClean="0"/>
-          </a:p>
-          <a:p>
-            <a:pPr marL="342900" indent="-342900">
-              <a:spcAft>
-                <a:spcPts val="1000"/>
-              </a:spcAft>
-              <a:buFont typeface="Arial" panose="020B0604020202020204" pitchFamily="34" charset="0"/>
-              <a:buChar char="•"/>
-            </a:pPr>
-            <a:r>
-              <a:rPr lang="pt-BR" sz="2400" dirty="0" smtClean="0"/>
-              <a:t>O ChronoSchool</a:t>
-            </a:r>
-            <a:endParaRPr lang="pt-BR" sz="2400" dirty="0" smtClean="0"/>
-          </a:p>
-          <a:p>
-            <a:pPr marL="800100" lvl="1" indent="-342900">
-              <a:buFont typeface="Arial" panose="020B0604020202020204" pitchFamily="34" charset="0"/>
-              <a:buChar char="•"/>
-            </a:pPr>
-            <a:r>
-              <a:rPr lang="pt-BR" sz="2400" dirty="0" smtClean="0"/>
-              <a:t>Objetivos do Projeto</a:t>
-            </a:r>
-          </a:p>
-          <a:p>
-            <a:pPr marL="342900" indent="-342900">
-              <a:buFont typeface="Arial" panose="020B0604020202020204" pitchFamily="34" charset="0"/>
-              <a:buChar char="•"/>
-            </a:pPr>
-            <a:endParaRPr lang="pt-BR" sz="2400" dirty="0"/>
-          </a:p>
-          <a:p>
-            <a:pPr marL="342900" indent="-342900">
-              <a:buFont typeface="Arial" panose="020B0604020202020204" pitchFamily="34" charset="0"/>
-              <a:buChar char="•"/>
-            </a:pPr>
-            <a:r>
-              <a:rPr lang="pt-BR" sz="2400" dirty="0" smtClean="0"/>
-              <a:t>Projeções futuras</a:t>
-            </a:r>
-          </a:p>
-        </p:txBody>
-      </p:sp>
-    </p:spTree>
-    <p:extLst>
-      <p:ext uri="{BB962C8B-B14F-4D97-AF65-F5344CB8AC3E}">
-        <p14:creationId xmlns:p14="http://schemas.microsoft.com/office/powerpoint/2010/main" val="3022400208"/>
-      </p:ext>
-    </p:extLst>
-  </p:cSld>
-  <p:clrMapOvr>
-    <a:masterClrMapping/>
-  </p:clrMapOvr>
-  <p:timing>
-    <p:tnLst>
-      <p:par>
-        <p:cTn id="1" dur="indefinite" restart="never" nodeType="tmRoot"/>
-      </p:par>
-    </p:tnLst>
-  </p:timing>
-</p:sld>
-</file>
-
-<file path=ppt/slides/slide3.xml><?xml version="1.0" encoding="utf-8"?>
-<p:sld xmlns:a="http://schemas.openxmlformats.org/drawingml/2006/main" xmlns:r="http://schemas.openxmlformats.org/officeDocument/2006/relationships" xmlns:p="http://schemas.openxmlformats.org/presentationml/2006/main">
-  <p:cSld>
-    <p:bg>
-      <p:bgPr>
-        <a:blipFill dpi="0" rotWithShape="1">
-          <a:blip r:embed="rId2">
-            <a:lum/>
-          </a:blip>
-          <a:srcRect/>
-          <a:stretch>
-            <a:fillRect/>
-          </a:stretch>
-        </a:blipFill>
-        <a:effectLst/>
-      </p:bgPr>
-    </p:bg>
-    <p:spTree>
-      <p:nvGrpSpPr>
-        <p:cNvPr id="1" name=""/>
-        <p:cNvGrpSpPr/>
-        <p:nvPr/>
-      </p:nvGrpSpPr>
-      <p:grpSpPr>
-        <a:xfrm>
-          <a:off x="0" y="0"/>
-          <a:ext cx="0" cy="0"/>
-          <a:chOff x="0" y="0"/>
-          <a:chExt cx="0" cy="0"/>
-        </a:xfrm>
-      </p:grpSpPr>
-      <p:sp>
-        <p:nvSpPr>
-          <p:cNvPr id="2" name="CaixaDeTexto 1"/>
-          <p:cNvSpPr txBox="1"/>
-          <p:nvPr/>
-        </p:nvSpPr>
-        <p:spPr>
-          <a:xfrm>
-            <a:off x="933450" y="1497042"/>
-            <a:ext cx="10420350" cy="4524315"/>
-          </a:xfrm>
-          <a:prstGeom prst="rect">
-            <a:avLst/>
-          </a:prstGeom>
-          <a:noFill/>
-        </p:spPr>
-        <p:txBody>
-          <a:bodyPr wrap="square" rtlCol="0">
-            <a:spAutoFit/>
-          </a:bodyPr>
-          <a:lstStyle/>
-          <a:p>
-            <a:pPr marL="342900" indent="-342900">
-              <a:lnSpc>
-                <a:spcPct val="150000"/>
-              </a:lnSpc>
-              <a:buFont typeface="Arial" panose="020B0604020202020204" pitchFamily="34" charset="0"/>
-              <a:buChar char="•"/>
-            </a:pPr>
-            <a:r>
-              <a:rPr lang="pt-BR" sz="2400" dirty="0" smtClean="0"/>
-              <a:t>Dificuldade em organizar e relacionar horários</a:t>
-            </a:r>
-            <a:br>
-              <a:rPr lang="pt-BR" sz="2400" dirty="0" smtClean="0"/>
-            </a:br>
-            <a:endParaRPr lang="pt-BR" sz="2400" dirty="0" smtClean="0"/>
-          </a:p>
-          <a:p>
-            <a:pPr marL="342900" indent="-342900">
-              <a:lnSpc>
-                <a:spcPct val="150000"/>
-              </a:lnSpc>
-              <a:buFont typeface="Arial" panose="020B0604020202020204" pitchFamily="34" charset="0"/>
-              <a:buChar char="•"/>
-            </a:pPr>
-            <a:r>
-              <a:rPr lang="pt-BR" sz="2400" dirty="0" smtClean="0"/>
-              <a:t>Trabalho manual</a:t>
-            </a:r>
-            <a:br>
-              <a:rPr lang="pt-BR" sz="2400" dirty="0" smtClean="0"/>
-            </a:br>
-            <a:endParaRPr lang="pt-BR" sz="2400" dirty="0"/>
-          </a:p>
-          <a:p>
-            <a:pPr marL="800100" lvl="1" indent="-342900">
-              <a:lnSpc>
-                <a:spcPct val="150000"/>
-              </a:lnSpc>
-              <a:buFont typeface="Arial" panose="020B0604020202020204" pitchFamily="34" charset="0"/>
-              <a:buChar char="•"/>
-            </a:pPr>
-            <a:r>
-              <a:rPr lang="pt-BR" sz="2400" dirty="0" smtClean="0"/>
-              <a:t>Gestão de cronogramas</a:t>
-            </a:r>
-            <a:br>
-              <a:rPr lang="pt-BR" sz="2400" dirty="0" smtClean="0"/>
-            </a:br>
-            <a:endParaRPr lang="pt-BR" sz="2400" dirty="0" smtClean="0"/>
-          </a:p>
-          <a:p>
-            <a:pPr marL="342900" indent="-342900">
-              <a:lnSpc>
-                <a:spcPct val="150000"/>
-              </a:lnSpc>
-              <a:buFont typeface="Arial" panose="020B0604020202020204" pitchFamily="34" charset="0"/>
-              <a:buChar char="•"/>
-            </a:pPr>
-            <a:r>
-              <a:rPr lang="pt-BR" sz="2400" dirty="0" smtClean="0"/>
-              <a:t>Perda de tempo e controle sobre os cronogramas</a:t>
-            </a:r>
-          </a:p>
-          <a:p>
-            <a:pPr marL="342900" indent="-342900">
-              <a:lnSpc>
-                <a:spcPct val="150000"/>
-              </a:lnSpc>
-              <a:buFont typeface="Arial" panose="020B0604020202020204" pitchFamily="34" charset="0"/>
-              <a:buChar char="•"/>
-            </a:pPr>
-            <a:endParaRPr lang="pt-BR" sz="2400" dirty="0"/>
-          </a:p>
-        </p:txBody>
-      </p:sp>
-      <p:sp>
-        <p:nvSpPr>
-          <p:cNvPr id="3" name="Título 1"/>
-          <p:cNvSpPr txBox="1">
-            <a:spLocks/>
-          </p:cNvSpPr>
-          <p:nvPr/>
-        </p:nvSpPr>
-        <p:spPr>
-          <a:xfrm>
-            <a:off x="933450" y="438149"/>
-            <a:ext cx="8143875" cy="723901"/>
-          </a:xfrm>
-          <a:prstGeom prst="rect">
-            <a:avLst/>
-          </a:prstGeom>
-        </p:spPr>
-        <p:txBody>
-          <a:bodyPr vert="horz" lIns="91440" tIns="45720" rIns="91440" bIns="45720" rtlCol="0" anchor="t">
-            <a:normAutofit/>
-          </a:bodyPr>
-          <a:lstStyle>
-            <a:lvl1pPr algn="ctr" defTabSz="914400" rtl="0" eaLnBrk="1" latinLnBrk="0" hangingPunct="1">
-              <a:lnSpc>
-                <a:spcPct val="90000"/>
-              </a:lnSpc>
-              <a:spcBef>
-                <a:spcPct val="0"/>
-              </a:spcBef>
-              <a:buNone/>
-              <a:defRPr sz="6000" kern="1200">
-                <a:solidFill>
-                  <a:schemeClr val="tx1"/>
-                </a:solidFill>
-                <a:latin typeface="+mj-lt"/>
-                <a:ea typeface="+mj-ea"/>
-                <a:cs typeface="+mj-cs"/>
-              </a:defRPr>
-            </a:lvl1pPr>
-          </a:lstStyle>
-          <a:p>
-            <a:pPr algn="l"/>
-            <a:r>
-              <a:rPr lang="pt-BR" sz="2800" b="1" dirty="0" smtClean="0">
-                <a:solidFill>
-                  <a:schemeClr val="bg1"/>
-                </a:solidFill>
-                <a:latin typeface="+mn-lt"/>
-              </a:rPr>
-              <a:t>Problematização</a:t>
-            </a:r>
-            <a:endParaRPr lang="pt-BR" sz="2800" b="1" dirty="0">
-              <a:solidFill>
-                <a:schemeClr val="bg1"/>
-              </a:solidFill>
-              <a:latin typeface="+mn-lt"/>
-            </a:endParaRPr>
-          </a:p>
-        </p:txBody>
-      </p:sp>
-      <p:sp>
-        <p:nvSpPr>
-          <p:cNvPr id="4" name="Espaço Reservado para Número de Slide 3"/>
-          <p:cNvSpPr>
-            <a:spLocks noGrp="1"/>
-          </p:cNvSpPr>
-          <p:nvPr>
-            <p:ph type="sldNum" sz="quarter" idx="12"/>
-          </p:nvPr>
-        </p:nvSpPr>
-        <p:spPr/>
-        <p:txBody>
-          <a:bodyPr/>
-          <a:lstStyle/>
-          <a:p>
-            <a:fld id="{8FF781A6-F80B-4B0C-B3D7-F58C07AF8613}" type="slidenum">
-              <a:rPr lang="pt-BR" sz="2400" smtClean="0"/>
-              <a:t>3</a:t>
-            </a:fld>
-            <a:endParaRPr lang="pt-BR" sz="2400" dirty="0"/>
-          </a:p>
-        </p:txBody>
-      </p:sp>
-    </p:spTree>
-    <p:extLst>
-      <p:ext uri="{BB962C8B-B14F-4D97-AF65-F5344CB8AC3E}">
-        <p14:creationId xmlns:p14="http://schemas.microsoft.com/office/powerpoint/2010/main" val="1294116911"/>
-      </p:ext>
-    </p:extLst>
-  </p:cSld>
-  <p:clrMapOvr>
-    <a:masterClrMapping/>
-  </p:clrMapOvr>
-  <p:timing>
-    <p:tnLst>
-      <p:par>
-        <p:cTn id="1" dur="indefinite" restart="never" nodeType="tmRoot"/>
-      </p:par>
-    </p:tnLst>
-  </p:timing>
-</p:sld>
-</file>
-
-<file path=ppt/slides/slide4.xml><?xml version="1.0" encoding="utf-8"?>
-<p:sld xmlns:a="http://schemas.openxmlformats.org/drawingml/2006/main" xmlns:r="http://schemas.openxmlformats.org/officeDocument/2006/relationships" xmlns:p="http://schemas.openxmlformats.org/presentationml/2006/main">
-  <p:cSld>
-    <p:bg>
-      <p:bgPr>
-        <a:blipFill dpi="0" rotWithShape="1">
-          <a:blip r:embed="rId2">
-            <a:lum/>
-          </a:blip>
-          <a:srcRect/>
-          <a:stretch>
-            <a:fillRect/>
-          </a:stretch>
-        </a:blipFill>
-        <a:effectLst/>
-      </p:bgPr>
-    </p:bg>
-    <p:spTree>
-      <p:nvGrpSpPr>
-        <p:cNvPr id="1" name=""/>
-        <p:cNvGrpSpPr/>
-        <p:nvPr/>
-      </p:nvGrpSpPr>
-      <p:grpSpPr>
-        <a:xfrm>
-          <a:off x="0" y="0"/>
-          <a:ext cx="0" cy="0"/>
-          <a:chOff x="0" y="0"/>
-          <a:chExt cx="0" cy="0"/>
-        </a:xfrm>
-      </p:grpSpPr>
-      <p:sp>
-        <p:nvSpPr>
-          <p:cNvPr id="5" name="Título 1"/>
-          <p:cNvSpPr txBox="1">
-            <a:spLocks/>
-          </p:cNvSpPr>
-          <p:nvPr/>
-        </p:nvSpPr>
-        <p:spPr>
-          <a:xfrm>
-            <a:off x="933450" y="438149"/>
-            <a:ext cx="8143875" cy="723901"/>
-          </a:xfrm>
-          <a:prstGeom prst="rect">
-            <a:avLst/>
-          </a:prstGeom>
-        </p:spPr>
-        <p:txBody>
-          <a:bodyPr vert="horz" lIns="91440" tIns="45720" rIns="91440" bIns="45720" rtlCol="0" anchor="t">
-            <a:normAutofit/>
-          </a:bodyPr>
-          <a:lstStyle>
-            <a:lvl1pPr algn="ctr" defTabSz="914400" rtl="0" eaLnBrk="1" latinLnBrk="0" hangingPunct="1">
-              <a:lnSpc>
-                <a:spcPct val="90000"/>
-              </a:lnSpc>
-              <a:spcBef>
-                <a:spcPct val="0"/>
-              </a:spcBef>
-              <a:buNone/>
-              <a:defRPr sz="6000" kern="1200">
-                <a:solidFill>
-                  <a:schemeClr val="tx1"/>
-                </a:solidFill>
-                <a:latin typeface="+mj-lt"/>
-                <a:ea typeface="+mj-ea"/>
-                <a:cs typeface="+mj-cs"/>
-              </a:defRPr>
-            </a:lvl1pPr>
-          </a:lstStyle>
-          <a:p>
-            <a:pPr algn="l"/>
-            <a:r>
-              <a:rPr lang="pt-BR" sz="2800" b="1" dirty="0" smtClean="0">
-                <a:solidFill>
-                  <a:schemeClr val="bg1"/>
-                </a:solidFill>
-                <a:latin typeface="+mn-lt"/>
-              </a:rPr>
-              <a:t>O ChronoSchool</a:t>
-            </a:r>
-            <a:endParaRPr lang="pt-BR" sz="2800" b="1" dirty="0">
-              <a:solidFill>
-                <a:schemeClr val="bg1"/>
-              </a:solidFill>
-              <a:latin typeface="+mn-lt"/>
-            </a:endParaRPr>
-          </a:p>
-        </p:txBody>
-      </p:sp>
-      <p:sp>
-        <p:nvSpPr>
-          <p:cNvPr id="3" name="Espaço Reservado para Número de Slide 2"/>
-          <p:cNvSpPr>
-            <a:spLocks noGrp="1"/>
-          </p:cNvSpPr>
-          <p:nvPr>
-            <p:ph type="sldNum" sz="quarter" idx="12"/>
-          </p:nvPr>
-        </p:nvSpPr>
-        <p:spPr/>
-        <p:txBody>
-          <a:bodyPr/>
-          <a:lstStyle/>
-          <a:p>
-            <a:fld id="{8FF781A6-F80B-4B0C-B3D7-F58C07AF8613}" type="slidenum">
-              <a:rPr lang="pt-BR" sz="2400" smtClean="0"/>
-              <a:t>4</a:t>
-            </a:fld>
-            <a:endParaRPr lang="pt-BR" sz="2400" dirty="0"/>
-          </a:p>
-        </p:txBody>
-      </p:sp>
-      <p:sp>
-        <p:nvSpPr>
-          <p:cNvPr id="6" name="CaixaDeTexto 5"/>
-          <p:cNvSpPr txBox="1"/>
-          <p:nvPr/>
-        </p:nvSpPr>
-        <p:spPr>
-          <a:xfrm>
-            <a:off x="933450" y="1674463"/>
-            <a:ext cx="10420350" cy="4524315"/>
-          </a:xfrm>
-          <a:prstGeom prst="rect">
-            <a:avLst/>
-          </a:prstGeom>
-          <a:noFill/>
-        </p:spPr>
-        <p:txBody>
-          <a:bodyPr wrap="square" rtlCol="0">
-            <a:spAutoFit/>
-          </a:bodyPr>
-          <a:lstStyle/>
-          <a:p>
-            <a:pPr marL="342900" indent="-342900">
-              <a:lnSpc>
-                <a:spcPct val="150000"/>
-              </a:lnSpc>
-              <a:buFont typeface="Arial" panose="020B0604020202020204" pitchFamily="34" charset="0"/>
-              <a:buChar char="•"/>
-            </a:pPr>
-            <a:r>
-              <a:rPr lang="pt-BR" sz="2400" dirty="0" smtClean="0"/>
-              <a:t>Ferramenta simples</a:t>
-            </a:r>
-          </a:p>
-          <a:p>
-            <a:pPr marL="342900" indent="-342900">
-              <a:lnSpc>
-                <a:spcPct val="150000"/>
-              </a:lnSpc>
-              <a:buFont typeface="Arial" panose="020B0604020202020204" pitchFamily="34" charset="0"/>
-              <a:buChar char="•"/>
-            </a:pPr>
-            <a:endParaRPr lang="pt-BR" sz="2400" dirty="0" smtClean="0"/>
-          </a:p>
-          <a:p>
-            <a:pPr marL="342900" indent="-342900">
-              <a:lnSpc>
-                <a:spcPct val="150000"/>
-              </a:lnSpc>
-              <a:buFont typeface="Arial" panose="020B0604020202020204" pitchFamily="34" charset="0"/>
-              <a:buChar char="•"/>
-            </a:pPr>
-            <a:r>
-              <a:rPr lang="pt-BR" sz="2400" dirty="0" smtClean="0"/>
-              <a:t>Auxilia na criação e atualização de cronogramas</a:t>
-            </a:r>
-          </a:p>
-          <a:p>
-            <a:pPr marL="342900" indent="-342900">
-              <a:lnSpc>
-                <a:spcPct val="150000"/>
-              </a:lnSpc>
-              <a:buFont typeface="Arial" panose="020B0604020202020204" pitchFamily="34" charset="0"/>
-              <a:buChar char="•"/>
-            </a:pPr>
-            <a:endParaRPr lang="pt-BR" sz="2400" dirty="0"/>
-          </a:p>
-          <a:p>
-            <a:pPr marL="342900" indent="-342900">
-              <a:lnSpc>
-                <a:spcPct val="150000"/>
-              </a:lnSpc>
-              <a:buFont typeface="Arial" panose="020B0604020202020204" pitchFamily="34" charset="0"/>
-              <a:buChar char="•"/>
-            </a:pPr>
-            <a:r>
-              <a:rPr lang="pt-BR" sz="2400" dirty="0" smtClean="0"/>
-              <a:t>Atuação do sistema</a:t>
-            </a:r>
-          </a:p>
-          <a:p>
-            <a:pPr marL="342900" indent="-342900">
-              <a:lnSpc>
-                <a:spcPct val="150000"/>
-              </a:lnSpc>
-              <a:buFont typeface="Arial" panose="020B0604020202020204" pitchFamily="34" charset="0"/>
-              <a:buChar char="•"/>
-            </a:pPr>
-            <a:endParaRPr lang="pt-BR" sz="2400" dirty="0"/>
-          </a:p>
-          <a:p>
-            <a:pPr marL="342900" indent="-342900">
-              <a:lnSpc>
-                <a:spcPct val="150000"/>
-              </a:lnSpc>
-              <a:buFont typeface="Arial" panose="020B0604020202020204" pitchFamily="34" charset="0"/>
-              <a:buChar char="•"/>
-            </a:pPr>
-            <a:r>
-              <a:rPr lang="pt-BR" sz="2400" dirty="0" smtClean="0"/>
-              <a:t>Imagens:</a:t>
-            </a:r>
-          </a:p>
-          <a:p>
-            <a:pPr marL="342900" indent="-342900">
-              <a:lnSpc>
-                <a:spcPct val="150000"/>
-              </a:lnSpc>
-              <a:buFont typeface="Arial" panose="020B0604020202020204" pitchFamily="34" charset="0"/>
-              <a:buChar char="•"/>
-            </a:pPr>
-            <a:endParaRPr lang="pt-BR" sz="2400" dirty="0"/>
-          </a:p>
-        </p:txBody>
-      </p:sp>
-    </p:spTree>
-    <p:extLst>
-      <p:ext uri="{BB962C8B-B14F-4D97-AF65-F5344CB8AC3E}">
-        <p14:creationId xmlns:p14="http://schemas.microsoft.com/office/powerpoint/2010/main" val="3178741376"/>
-      </p:ext>
-    </p:extLst>
-  </p:cSld>
-  <p:clrMapOvr>
-    <a:masterClrMapping/>
-  </p:clrMapOvr>
-  <p:timing>
-    <p:tnLst>
-      <p:par>
-        <p:cTn id="1" dur="indefinite" restart="never" nodeType="tmRoot"/>
-      </p:par>
-    </p:tnLst>
-  </p:timing>
-</p:sld>
-</file>
-
-<file path=ppt/slides/slide5.xml><?xml version="1.0" encoding="utf-8"?>
-<p:sld xmlns:a="http://schemas.openxmlformats.org/drawingml/2006/main" xmlns:r="http://schemas.openxmlformats.org/officeDocument/2006/relationships" xmlns:p="http://schemas.openxmlformats.org/presentationml/2006/main">
-  <p:cSld>
-    <p:bg>
-      <p:bgPr>
-        <a:blipFill dpi="0" rotWithShape="1">
-          <a:blip r:embed="rId2">
-            <a:lum/>
-          </a:blip>
-          <a:srcRect/>
-          <a:stretch>
-            <a:fillRect/>
-          </a:stretch>
-        </a:blipFill>
-        <a:effectLst/>
-      </p:bgPr>
-    </p:bg>
-    <p:spTree>
-      <p:nvGrpSpPr>
-        <p:cNvPr id="1" name=""/>
-        <p:cNvGrpSpPr/>
-        <p:nvPr/>
-      </p:nvGrpSpPr>
-      <p:grpSpPr>
-        <a:xfrm>
-          <a:off x="0" y="0"/>
-          <a:ext cx="0" cy="0"/>
-          <a:chOff x="0" y="0"/>
-          <a:chExt cx="0" cy="0"/>
-        </a:xfrm>
-      </p:grpSpPr>
-      <p:sp>
-        <p:nvSpPr>
-          <p:cNvPr id="5" name="Título 1"/>
-          <p:cNvSpPr txBox="1">
-            <a:spLocks/>
-          </p:cNvSpPr>
-          <p:nvPr/>
-        </p:nvSpPr>
-        <p:spPr>
-          <a:xfrm>
-            <a:off x="933450" y="438149"/>
-            <a:ext cx="8143875" cy="723901"/>
-          </a:xfrm>
-          <a:prstGeom prst="rect">
-            <a:avLst/>
-          </a:prstGeom>
-        </p:spPr>
-        <p:txBody>
-          <a:bodyPr vert="horz" lIns="91440" tIns="45720" rIns="91440" bIns="45720" rtlCol="0" anchor="t">
-            <a:normAutofit/>
-          </a:bodyPr>
-          <a:lstStyle>
-            <a:lvl1pPr algn="ctr" defTabSz="914400" rtl="0" eaLnBrk="1" latinLnBrk="0" hangingPunct="1">
-              <a:lnSpc>
-                <a:spcPct val="90000"/>
-              </a:lnSpc>
-              <a:spcBef>
-                <a:spcPct val="0"/>
-              </a:spcBef>
-              <a:buNone/>
-              <a:defRPr sz="6000" kern="1200">
-                <a:solidFill>
-                  <a:schemeClr val="tx1"/>
-                </a:solidFill>
-                <a:latin typeface="+mj-lt"/>
-                <a:ea typeface="+mj-ea"/>
-                <a:cs typeface="+mj-cs"/>
-              </a:defRPr>
-            </a:lvl1pPr>
-          </a:lstStyle>
-          <a:p>
-            <a:pPr algn="l"/>
-            <a:r>
-              <a:rPr lang="pt-BR" sz="2800" b="1" dirty="0" smtClean="0">
-                <a:solidFill>
-                  <a:schemeClr val="bg1"/>
-                </a:solidFill>
-                <a:latin typeface="+mn-lt"/>
-              </a:rPr>
-              <a:t>IEEE 829– Uso do padrão </a:t>
-            </a:r>
-            <a:endParaRPr lang="pt-BR" sz="2800" b="1" dirty="0">
-              <a:solidFill>
-                <a:schemeClr val="bg1"/>
-              </a:solidFill>
-              <a:latin typeface="+mn-lt"/>
-            </a:endParaRPr>
-          </a:p>
-        </p:txBody>
-      </p:sp>
-      <p:sp>
-        <p:nvSpPr>
-          <p:cNvPr id="3" name="Espaço Reservado para Número de Slide 2"/>
-          <p:cNvSpPr>
-            <a:spLocks noGrp="1"/>
-          </p:cNvSpPr>
-          <p:nvPr>
-            <p:ph type="sldNum" sz="quarter" idx="12"/>
-          </p:nvPr>
-        </p:nvSpPr>
-        <p:spPr/>
-        <p:txBody>
-          <a:bodyPr/>
-          <a:lstStyle/>
-          <a:p>
-            <a:fld id="{8FF781A6-F80B-4B0C-B3D7-F58C07AF8613}" type="slidenum">
-              <a:rPr lang="pt-BR" sz="2400" smtClean="0"/>
-              <a:t>5</a:t>
-            </a:fld>
-            <a:endParaRPr lang="pt-BR" sz="2400" dirty="0"/>
-          </a:p>
-        </p:txBody>
-      </p:sp>
-    </p:spTree>
-    <p:extLst>
-      <p:ext uri="{BB962C8B-B14F-4D97-AF65-F5344CB8AC3E}">
-        <p14:creationId xmlns:p14="http://schemas.microsoft.com/office/powerpoint/2010/main" val="2241284451"/>
-      </p:ext>
-    </p:extLst>
-  </p:cSld>
-  <p:clrMapOvr>
-    <a:masterClrMapping/>
-  </p:clrMapOvr>
-  <p:timing>
-    <p:tnLst>
-      <p:par>
-        <p:cTn id="1" dur="indefinite" restart="never" nodeType="tmRoot"/>
-      </p:par>
-    </p:tnLst>
-  </p:timing>
-</p:sld>
-</file>
-
-<file path=ppt/slides/slide6.xml><?xml version="1.0" encoding="utf-8"?>
-<p:sld xmlns:a="http://schemas.openxmlformats.org/drawingml/2006/main" xmlns:r="http://schemas.openxmlformats.org/officeDocument/2006/relationships" xmlns:p="http://schemas.openxmlformats.org/presentationml/2006/main">
-  <p:cSld>
-    <p:bg>
-      <p:bgPr>
-        <a:blipFill dpi="0" rotWithShape="1">
-          <a:blip r:embed="rId2">
-            <a:lum/>
-          </a:blip>
-          <a:srcRect/>
-          <a:stretch>
-            <a:fillRect/>
-          </a:stretch>
-        </a:blipFill>
-        <a:effectLst/>
-      </p:bgPr>
-    </p:bg>
-    <p:spTree>
-      <p:nvGrpSpPr>
-        <p:cNvPr id="1" name=""/>
-        <p:cNvGrpSpPr/>
-        <p:nvPr/>
-      </p:nvGrpSpPr>
-      <p:grpSpPr>
-        <a:xfrm>
-          <a:off x="0" y="0"/>
-          <a:ext cx="0" cy="0"/>
-          <a:chOff x="0" y="0"/>
-          <a:chExt cx="0" cy="0"/>
-        </a:xfrm>
-      </p:grpSpPr>
-      <p:sp>
-        <p:nvSpPr>
-          <p:cNvPr id="5" name="Título 1"/>
-          <p:cNvSpPr txBox="1">
-            <a:spLocks/>
-          </p:cNvSpPr>
-          <p:nvPr/>
-        </p:nvSpPr>
-        <p:spPr>
-          <a:xfrm>
-            <a:off x="933450" y="438149"/>
-            <a:ext cx="8143875" cy="723901"/>
-          </a:xfrm>
-          <a:prstGeom prst="rect">
-            <a:avLst/>
-          </a:prstGeom>
-        </p:spPr>
-        <p:txBody>
-          <a:bodyPr vert="horz" lIns="91440" tIns="45720" rIns="91440" bIns="45720" rtlCol="0" anchor="t">
-            <a:normAutofit/>
-          </a:bodyPr>
-          <a:lstStyle>
-            <a:lvl1pPr algn="ctr" defTabSz="914400" rtl="0" eaLnBrk="1" latinLnBrk="0" hangingPunct="1">
-              <a:lnSpc>
-                <a:spcPct val="90000"/>
-              </a:lnSpc>
-              <a:spcBef>
-                <a:spcPct val="0"/>
-              </a:spcBef>
-              <a:buNone/>
-              <a:defRPr sz="6000" kern="1200">
-                <a:solidFill>
-                  <a:schemeClr val="tx1"/>
-                </a:solidFill>
-                <a:latin typeface="+mj-lt"/>
-                <a:ea typeface="+mj-ea"/>
-                <a:cs typeface="+mj-cs"/>
-              </a:defRPr>
-            </a:lvl1pPr>
-          </a:lstStyle>
-          <a:p>
-            <a:pPr algn="l"/>
-            <a:r>
-              <a:rPr lang="pt-BR" sz="2800" b="1" dirty="0" smtClean="0">
-                <a:solidFill>
-                  <a:schemeClr val="bg1"/>
-                </a:solidFill>
-                <a:latin typeface="+mn-lt"/>
-              </a:rPr>
-              <a:t>IEEE 829– Uso do padrão </a:t>
-            </a:r>
-            <a:endParaRPr lang="pt-BR" sz="2800" b="1" dirty="0">
-              <a:solidFill>
-                <a:schemeClr val="bg1"/>
-              </a:solidFill>
-              <a:latin typeface="+mn-lt"/>
-            </a:endParaRPr>
-          </a:p>
-        </p:txBody>
-      </p:sp>
-      <p:sp>
-        <p:nvSpPr>
-          <p:cNvPr id="3" name="Espaço Reservado para Número de Slide 2"/>
-          <p:cNvSpPr>
-            <a:spLocks noGrp="1"/>
-          </p:cNvSpPr>
-          <p:nvPr>
-            <p:ph type="sldNum" sz="quarter" idx="12"/>
-          </p:nvPr>
-        </p:nvSpPr>
-        <p:spPr/>
-        <p:txBody>
-          <a:bodyPr/>
-          <a:lstStyle/>
-          <a:p>
-            <a:r>
-              <a:rPr lang="pt-BR" sz="2400" dirty="0" smtClean="0"/>
-              <a:t>6</a:t>
-            </a:r>
-            <a:endParaRPr lang="pt-BR" sz="2400" dirty="0"/>
-          </a:p>
-        </p:txBody>
-      </p:sp>
-    </p:spTree>
-    <p:extLst>
-      <p:ext uri="{BB962C8B-B14F-4D97-AF65-F5344CB8AC3E}">
-        <p14:creationId xmlns:p14="http://schemas.microsoft.com/office/powerpoint/2010/main" val="3317656757"/>
-      </p:ext>
-    </p:extLst>
-  </p:cSld>
-  <p:clrMapOvr>
-    <a:masterClrMapping/>
-  </p:clrMapOvr>
-  <p:timing>
-    <p:tnLst>
-      <p:par>
-        <p:cTn id="1" dur="indefinite" restart="never" nodeType="tmRoot"/>
-      </p:par>
-    </p:tnLst>
-  </p:timing>
-</p:sld>
-</file>
-
-<file path=ppt/slides/slide7.xml><?xml version="1.0" encoding="utf-8"?>
-<p:sld xmlns:a="http://schemas.openxmlformats.org/drawingml/2006/main" xmlns:r="http://schemas.openxmlformats.org/officeDocument/2006/relationships" xmlns:p="http://schemas.openxmlformats.org/presentationml/2006/main">
-  <p:cSld>
-    <p:bg>
-      <p:bgPr>
-        <a:blipFill dpi="0" rotWithShape="1">
-          <a:blip r:embed="rId2">
-            <a:lum/>
-          </a:blip>
-          <a:srcRect/>
-          <a:stretch>
-            <a:fillRect/>
-          </a:stretch>
-        </a:blipFill>
-        <a:effectLst/>
-      </p:bgPr>
-    </p:bg>
-    <p:spTree>
-      <p:nvGrpSpPr>
-        <p:cNvPr id="1" name=""/>
-        <p:cNvGrpSpPr/>
-        <p:nvPr/>
-      </p:nvGrpSpPr>
-      <p:grpSpPr>
-        <a:xfrm>
-          <a:off x="0" y="0"/>
-          <a:ext cx="0" cy="0"/>
-          <a:chOff x="0" y="0"/>
-          <a:chExt cx="0" cy="0"/>
-        </a:xfrm>
-      </p:grpSpPr>
-      <p:sp>
-        <p:nvSpPr>
-          <p:cNvPr id="2" name="CaixaDeTexto 1"/>
-          <p:cNvSpPr txBox="1"/>
-          <p:nvPr/>
-        </p:nvSpPr>
-        <p:spPr>
-          <a:xfrm>
-            <a:off x="933450" y="1485385"/>
-            <a:ext cx="10420350" cy="4060086"/>
-          </a:xfrm>
-          <a:prstGeom prst="rect">
-            <a:avLst/>
-          </a:prstGeom>
-          <a:noFill/>
-        </p:spPr>
-        <p:txBody>
-          <a:bodyPr wrap="square" rtlCol="0">
-            <a:spAutoFit/>
-          </a:bodyPr>
-          <a:lstStyle/>
-          <a:p>
-            <a:pPr marL="342900" indent="-342900" algn="just">
-              <a:spcAft>
-                <a:spcPts val="500"/>
-              </a:spcAft>
-              <a:buFont typeface="Arial" panose="020B0604020202020204" pitchFamily="34" charset="0"/>
-              <a:buChar char="•"/>
-            </a:pPr>
-            <a:r>
-              <a:rPr lang="pt-BR" sz="2400" dirty="0"/>
-              <a:t>Serve para testar a menor unidade dentro de um projeto de software;</a:t>
-            </a:r>
-          </a:p>
-          <a:p>
-            <a:pPr marL="800100" lvl="1" indent="-342900" algn="just">
-              <a:spcAft>
-                <a:spcPts val="1000"/>
-              </a:spcAft>
-              <a:buFont typeface="Wingdings" panose="05000000000000000000" pitchFamily="2" charset="2"/>
-              <a:buChar char="§"/>
-            </a:pPr>
-            <a:r>
-              <a:rPr lang="pt-BR" sz="2300" dirty="0"/>
-              <a:t>Unidades podem ser módulos, funcionalidades, métodos, classes, objetos;</a:t>
-            </a:r>
-          </a:p>
-          <a:p>
-            <a:pPr marL="342900" indent="-342900" algn="just">
-              <a:spcAft>
-                <a:spcPts val="1000"/>
-              </a:spcAft>
-              <a:buFont typeface="Arial" panose="020B0604020202020204" pitchFamily="34" charset="0"/>
-              <a:buChar char="•"/>
-            </a:pPr>
-            <a:r>
-              <a:rPr lang="pt-BR" sz="2400" dirty="0"/>
-              <a:t>Tem o objetivo de validar se cada unidade está funcionando de acordo com sua especificação, como:</a:t>
-            </a:r>
-          </a:p>
-          <a:p>
-            <a:pPr marL="800100" lvl="1" indent="-342900" algn="just">
-              <a:spcAft>
-                <a:spcPts val="1000"/>
-              </a:spcAft>
-              <a:buFont typeface="Wingdings" panose="05000000000000000000" pitchFamily="2" charset="2"/>
-              <a:buChar char="§"/>
-            </a:pPr>
-            <a:r>
-              <a:rPr lang="pt-BR" sz="2300" dirty="0"/>
-              <a:t>Descrição correta de funcionalidades;</a:t>
-            </a:r>
-          </a:p>
-          <a:p>
-            <a:pPr marL="800100" lvl="1" indent="-342900" algn="just">
-              <a:spcAft>
-                <a:spcPts val="1000"/>
-              </a:spcAft>
-              <a:buFont typeface="Wingdings" panose="05000000000000000000" pitchFamily="2" charset="2"/>
-              <a:buChar char="§"/>
-            </a:pPr>
-            <a:r>
-              <a:rPr lang="pt-BR" sz="2300" dirty="0"/>
-              <a:t>Validação da lógica dos algoritmos;</a:t>
-            </a:r>
-          </a:p>
-          <a:p>
-            <a:pPr marL="800100" lvl="1" indent="-342900" algn="just">
-              <a:spcAft>
-                <a:spcPts val="1000"/>
-              </a:spcAft>
-              <a:buFont typeface="Wingdings" panose="05000000000000000000" pitchFamily="2" charset="2"/>
-              <a:buChar char="§"/>
-            </a:pPr>
-            <a:r>
-              <a:rPr lang="pt-BR" sz="2300" dirty="0"/>
-              <a:t>Validação da integridade dos dados;</a:t>
-            </a:r>
-          </a:p>
-          <a:p>
-            <a:pPr marL="342900" indent="-342900" algn="just">
-              <a:buFont typeface="Arial" panose="020B0604020202020204" pitchFamily="34" charset="0"/>
-              <a:buChar char="•"/>
-            </a:pPr>
-            <a:r>
-              <a:rPr lang="pt-BR" sz="2400" dirty="0"/>
-              <a:t>Os testes são fáceis de projetar e de executar, facilitando na análise e correção dos resultados;</a:t>
-            </a:r>
-          </a:p>
-        </p:txBody>
-      </p:sp>
-      <p:sp>
-        <p:nvSpPr>
-          <p:cNvPr id="3" name="Título 1"/>
-          <p:cNvSpPr txBox="1">
-            <a:spLocks/>
-          </p:cNvSpPr>
-          <p:nvPr/>
-        </p:nvSpPr>
-        <p:spPr>
-          <a:xfrm>
-            <a:off x="933450" y="438149"/>
-            <a:ext cx="8143875" cy="723901"/>
-          </a:xfrm>
-          <a:prstGeom prst="rect">
-            <a:avLst/>
-          </a:prstGeom>
-        </p:spPr>
-        <p:txBody>
-          <a:bodyPr vert="horz" lIns="91440" tIns="45720" rIns="91440" bIns="45720" rtlCol="0" anchor="t">
-            <a:normAutofit/>
-          </a:bodyPr>
-          <a:lstStyle>
-            <a:lvl1pPr algn="ctr" defTabSz="914400" rtl="0" eaLnBrk="1" latinLnBrk="0" hangingPunct="1">
-              <a:lnSpc>
-                <a:spcPct val="90000"/>
-              </a:lnSpc>
-              <a:spcBef>
-                <a:spcPct val="0"/>
-              </a:spcBef>
-              <a:buNone/>
-              <a:defRPr sz="6000" kern="1200">
-                <a:solidFill>
-                  <a:schemeClr val="tx1"/>
-                </a:solidFill>
-                <a:latin typeface="+mj-lt"/>
-                <a:ea typeface="+mj-ea"/>
-                <a:cs typeface="+mj-cs"/>
-              </a:defRPr>
-            </a:lvl1pPr>
-          </a:lstStyle>
-          <a:p>
-            <a:pPr algn="l"/>
-            <a:r>
-              <a:rPr lang="pt-BR" sz="2800" b="1" dirty="0" smtClean="0">
-                <a:solidFill>
-                  <a:schemeClr val="bg1"/>
-                </a:solidFill>
-                <a:latin typeface="+mn-lt"/>
-              </a:rPr>
-              <a:t>Teste Unitário – Objetivos </a:t>
-            </a:r>
-            <a:endParaRPr lang="pt-BR" sz="2800" b="1" dirty="0">
-              <a:solidFill>
-                <a:schemeClr val="bg1"/>
-              </a:solidFill>
-              <a:latin typeface="+mn-lt"/>
-            </a:endParaRPr>
-          </a:p>
-        </p:txBody>
-      </p:sp>
-      <p:sp>
-        <p:nvSpPr>
-          <p:cNvPr id="4" name="Espaço Reservado para Número de Slide 3"/>
-          <p:cNvSpPr>
-            <a:spLocks noGrp="1"/>
-          </p:cNvSpPr>
-          <p:nvPr>
-            <p:ph type="sldNum" sz="quarter" idx="12"/>
-          </p:nvPr>
-        </p:nvSpPr>
-        <p:spPr/>
-        <p:txBody>
-          <a:bodyPr/>
-          <a:lstStyle/>
-          <a:p>
-            <a:fld id="{8FF781A6-F80B-4B0C-B3D7-F58C07AF8613}" type="slidenum">
-              <a:rPr lang="pt-BR" sz="2400" smtClean="0"/>
-              <a:t>7</a:t>
-            </a:fld>
-            <a:endParaRPr lang="pt-BR" sz="2400" dirty="0"/>
-          </a:p>
-        </p:txBody>
-      </p:sp>
-    </p:spTree>
-    <p:extLst>
-      <p:ext uri="{BB962C8B-B14F-4D97-AF65-F5344CB8AC3E}">
-        <p14:creationId xmlns:p14="http://schemas.microsoft.com/office/powerpoint/2010/main" val="2847209366"/>
-      </p:ext>
-    </p:extLst>
-  </p:cSld>
-  <p:clrMapOvr>
-    <a:masterClrMapping/>
-  </p:clrMapOvr>
-  <p:timing>
-    <p:tnLst>
-      <p:par>
-        <p:cTn id="1" dur="indefinite" restart="never" nodeType="tmRoot"/>
-      </p:par>
-    </p:tnLst>
-  </p:timing>
-</p:sld>
-</file>
-
-<file path=ppt/slides/slide8.xml><?xml version="1.0" encoding="utf-8"?>
-<p:sld xmlns:a="http://schemas.openxmlformats.org/drawingml/2006/main" xmlns:r="http://schemas.openxmlformats.org/officeDocument/2006/relationships" xmlns:p="http://schemas.openxmlformats.org/presentationml/2006/main">
-  <p:cSld>
-    <p:bg>
-      <p:bgPr>
-        <a:blipFill dpi="0" rotWithShape="1">
-          <a:blip r:embed="rId2">
-            <a:lum/>
-          </a:blip>
-          <a:srcRect/>
-          <a:stretch>
-            <a:fillRect/>
-          </a:stretch>
-        </a:blipFill>
-        <a:effectLst/>
-      </p:bgPr>
-    </p:bg>
-    <p:spTree>
-      <p:nvGrpSpPr>
-        <p:cNvPr id="1" name=""/>
-        <p:cNvGrpSpPr/>
-        <p:nvPr/>
-      </p:nvGrpSpPr>
-      <p:grpSpPr>
-        <a:xfrm>
-          <a:off x="0" y="0"/>
-          <a:ext cx="0" cy="0"/>
-          <a:chOff x="0" y="0"/>
-          <a:chExt cx="0" cy="0"/>
-        </a:xfrm>
-      </p:grpSpPr>
-      <p:sp>
-        <p:nvSpPr>
-          <p:cNvPr id="3" name="Título 1"/>
-          <p:cNvSpPr txBox="1">
-            <a:spLocks/>
-          </p:cNvSpPr>
-          <p:nvPr/>
-        </p:nvSpPr>
-        <p:spPr>
-          <a:xfrm>
-            <a:off x="933450" y="438149"/>
-            <a:ext cx="8143875" cy="723901"/>
-          </a:xfrm>
-          <a:prstGeom prst="rect">
-            <a:avLst/>
-          </a:prstGeom>
-        </p:spPr>
-        <p:txBody>
-          <a:bodyPr vert="horz" lIns="91440" tIns="45720" rIns="91440" bIns="45720" rtlCol="0" anchor="t">
-            <a:normAutofit/>
-          </a:bodyPr>
-          <a:lstStyle>
-            <a:lvl1pPr algn="ctr" defTabSz="914400" rtl="0" eaLnBrk="1" latinLnBrk="0" hangingPunct="1">
-              <a:lnSpc>
-                <a:spcPct val="90000"/>
-              </a:lnSpc>
-              <a:spcBef>
-                <a:spcPct val="0"/>
-              </a:spcBef>
-              <a:buNone/>
-              <a:defRPr sz="6000" kern="1200">
-                <a:solidFill>
-                  <a:schemeClr val="tx1"/>
-                </a:solidFill>
-                <a:latin typeface="+mj-lt"/>
-                <a:ea typeface="+mj-ea"/>
-                <a:cs typeface="+mj-cs"/>
-              </a:defRPr>
-            </a:lvl1pPr>
-          </a:lstStyle>
-          <a:p>
-            <a:pPr algn="l"/>
-            <a:r>
-              <a:rPr lang="pt-BR" sz="2800" b="1" dirty="0" smtClean="0">
-                <a:solidFill>
-                  <a:schemeClr val="bg1"/>
-                </a:solidFill>
-                <a:latin typeface="+mn-lt"/>
-              </a:rPr>
-              <a:t>Teste Unitário – Exemplo</a:t>
-            </a:r>
-            <a:endParaRPr lang="pt-BR" sz="2800" b="1" dirty="0">
-              <a:solidFill>
-                <a:schemeClr val="bg1"/>
-              </a:solidFill>
-              <a:latin typeface="+mn-lt"/>
-            </a:endParaRPr>
-          </a:p>
-        </p:txBody>
-      </p:sp>
-      <p:sp>
-        <p:nvSpPr>
-          <p:cNvPr id="4" name="Espaço Reservado para Número de Slide 3"/>
-          <p:cNvSpPr>
-            <a:spLocks noGrp="1"/>
-          </p:cNvSpPr>
-          <p:nvPr>
-            <p:ph type="sldNum" sz="quarter" idx="12"/>
-          </p:nvPr>
-        </p:nvSpPr>
-        <p:spPr/>
-        <p:txBody>
-          <a:bodyPr/>
-          <a:lstStyle/>
-          <a:p>
-            <a:fld id="{8FF781A6-F80B-4B0C-B3D7-F58C07AF8613}" type="slidenum">
-              <a:rPr lang="pt-BR" sz="2400" smtClean="0"/>
-              <a:t>8</a:t>
             </a:fld>
             <a:endParaRPr lang="pt-BR" sz="2400" dirty="0"/>
           </a:p>
@@ -6212,6 +4183,1560 @@
 </p:sld>
 </file>
 
+<file path=ppt/slides/slide11.xml><?xml version="1.0" encoding="utf-8"?>
+<p:sld xmlns:a="http://schemas.openxmlformats.org/drawingml/2006/main" xmlns:r="http://schemas.openxmlformats.org/officeDocument/2006/relationships" xmlns:p="http://schemas.openxmlformats.org/presentationml/2006/main">
+  <p:cSld>
+    <p:bg>
+      <p:bgPr>
+        <a:blipFill dpi="0" rotWithShape="1">
+          <a:blip r:embed="rId2">
+            <a:lum/>
+          </a:blip>
+          <a:srcRect/>
+          <a:stretch>
+            <a:fillRect/>
+          </a:stretch>
+        </a:blipFill>
+        <a:effectLst/>
+      </p:bgPr>
+    </p:bg>
+    <p:spTree>
+      <p:nvGrpSpPr>
+        <p:cNvPr id="1" name=""/>
+        <p:cNvGrpSpPr/>
+        <p:nvPr/>
+      </p:nvGrpSpPr>
+      <p:grpSpPr>
+        <a:xfrm>
+          <a:off x="0" y="0"/>
+          <a:ext cx="0" cy="0"/>
+          <a:chOff x="0" y="0"/>
+          <a:chExt cx="0" cy="0"/>
+        </a:xfrm>
+      </p:grpSpPr>
+      <p:sp>
+        <p:nvSpPr>
+          <p:cNvPr id="2" name="Espaço Reservado para Número de Slide 1"/>
+          <p:cNvSpPr>
+            <a:spLocks noGrp="1"/>
+          </p:cNvSpPr>
+          <p:nvPr>
+            <p:ph type="sldNum" sz="quarter" idx="12"/>
+          </p:nvPr>
+        </p:nvSpPr>
+        <p:spPr/>
+        <p:txBody>
+          <a:bodyPr/>
+          <a:lstStyle/>
+          <a:p>
+            <a:fld id="{8FF781A6-F80B-4B0C-B3D7-F58C07AF8613}" type="slidenum">
+              <a:rPr lang="pt-BR" smtClean="0"/>
+              <a:t>11</a:t>
+            </a:fld>
+            <a:endParaRPr lang="pt-BR"/>
+          </a:p>
+        </p:txBody>
+      </p:sp>
+    </p:spTree>
+    <p:extLst>
+      <p:ext uri="{BB962C8B-B14F-4D97-AF65-F5344CB8AC3E}">
+        <p14:creationId xmlns:p14="http://schemas.microsoft.com/office/powerpoint/2010/main" val="1345653466"/>
+      </p:ext>
+    </p:extLst>
+  </p:cSld>
+  <p:clrMapOvr>
+    <a:masterClrMapping/>
+  </p:clrMapOvr>
+  <p:timing>
+    <p:tnLst>
+      <p:par>
+        <p:cTn id="1" dur="indefinite" restart="never" nodeType="tmRoot"/>
+      </p:par>
+    </p:tnLst>
+  </p:timing>
+</p:sld>
+</file>
+
+<file path=ppt/slides/slide2.xml><?xml version="1.0" encoding="utf-8"?>
+<p:sld xmlns:a="http://schemas.openxmlformats.org/drawingml/2006/main" xmlns:r="http://schemas.openxmlformats.org/officeDocument/2006/relationships" xmlns:p="http://schemas.openxmlformats.org/presentationml/2006/main">
+  <p:cSld>
+    <p:bg>
+      <p:bgPr>
+        <a:blipFill dpi="0" rotWithShape="1">
+          <a:blip r:embed="rId2">
+            <a:lum/>
+          </a:blip>
+          <a:srcRect/>
+          <a:stretch>
+            <a:fillRect/>
+          </a:stretch>
+        </a:blipFill>
+        <a:effectLst/>
+      </p:bgPr>
+    </p:bg>
+    <p:spTree>
+      <p:nvGrpSpPr>
+        <p:cNvPr id="1" name=""/>
+        <p:cNvGrpSpPr/>
+        <p:nvPr/>
+      </p:nvGrpSpPr>
+      <p:grpSpPr>
+        <a:xfrm>
+          <a:off x="0" y="0"/>
+          <a:ext cx="0" cy="0"/>
+          <a:chOff x="0" y="0"/>
+          <a:chExt cx="0" cy="0"/>
+        </a:xfrm>
+      </p:grpSpPr>
+      <p:sp>
+        <p:nvSpPr>
+          <p:cNvPr id="3" name="Título 1"/>
+          <p:cNvSpPr txBox="1">
+            <a:spLocks/>
+          </p:cNvSpPr>
+          <p:nvPr/>
+        </p:nvSpPr>
+        <p:spPr>
+          <a:xfrm>
+            <a:off x="933450" y="438149"/>
+            <a:ext cx="8143875" cy="723901"/>
+          </a:xfrm>
+          <a:prstGeom prst="rect">
+            <a:avLst/>
+          </a:prstGeom>
+        </p:spPr>
+        <p:txBody>
+          <a:bodyPr vert="horz" lIns="91440" tIns="45720" rIns="91440" bIns="45720" rtlCol="0" anchor="t">
+            <a:normAutofit/>
+          </a:bodyPr>
+          <a:lstStyle>
+            <a:lvl1pPr algn="ctr" defTabSz="914400" rtl="0" eaLnBrk="1" latinLnBrk="0" hangingPunct="1">
+              <a:lnSpc>
+                <a:spcPct val="90000"/>
+              </a:lnSpc>
+              <a:spcBef>
+                <a:spcPct val="0"/>
+              </a:spcBef>
+              <a:buNone/>
+              <a:defRPr sz="6000" kern="1200">
+                <a:solidFill>
+                  <a:schemeClr val="tx1"/>
+                </a:solidFill>
+                <a:latin typeface="+mj-lt"/>
+                <a:ea typeface="+mj-ea"/>
+                <a:cs typeface="+mj-cs"/>
+              </a:defRPr>
+            </a:lvl1pPr>
+          </a:lstStyle>
+          <a:p>
+            <a:pPr algn="l"/>
+            <a:r>
+              <a:rPr lang="pt-BR" sz="2800" b="1" dirty="0">
+                <a:solidFill>
+                  <a:schemeClr val="bg1"/>
+                </a:solidFill>
+                <a:latin typeface="+mn-lt"/>
+              </a:rPr>
+              <a:t>Conteúdo da Apresentação</a:t>
+            </a:r>
+          </a:p>
+        </p:txBody>
+      </p:sp>
+      <p:sp>
+        <p:nvSpPr>
+          <p:cNvPr id="4" name="Espaço Reservado para Número de Slide 3"/>
+          <p:cNvSpPr>
+            <a:spLocks noGrp="1"/>
+          </p:cNvSpPr>
+          <p:nvPr>
+            <p:ph type="sldNum" sz="quarter" idx="12"/>
+          </p:nvPr>
+        </p:nvSpPr>
+        <p:spPr/>
+        <p:txBody>
+          <a:bodyPr/>
+          <a:lstStyle/>
+          <a:p>
+            <a:fld id="{8FF781A6-F80B-4B0C-B3D7-F58C07AF8613}" type="slidenum">
+              <a:rPr lang="pt-BR" sz="2400" smtClean="0"/>
+              <a:t>2</a:t>
+            </a:fld>
+            <a:endParaRPr lang="pt-BR" sz="2400" dirty="0"/>
+          </a:p>
+        </p:txBody>
+      </p:sp>
+      <p:sp>
+        <p:nvSpPr>
+          <p:cNvPr id="5" name="CaixaDeTexto 4"/>
+          <p:cNvSpPr txBox="1"/>
+          <p:nvPr/>
+        </p:nvSpPr>
+        <p:spPr>
+          <a:xfrm>
+            <a:off x="933450" y="1735569"/>
+            <a:ext cx="10420350" cy="3688189"/>
+          </a:xfrm>
+          <a:prstGeom prst="rect">
+            <a:avLst/>
+          </a:prstGeom>
+          <a:noFill/>
+        </p:spPr>
+        <p:txBody>
+          <a:bodyPr wrap="square" rtlCol="0">
+            <a:spAutoFit/>
+          </a:bodyPr>
+          <a:lstStyle/>
+          <a:p>
+            <a:pPr marL="342900" indent="-342900">
+              <a:spcAft>
+                <a:spcPts val="1000"/>
+              </a:spcAft>
+              <a:buFont typeface="Arial" panose="020B0604020202020204" pitchFamily="34" charset="0"/>
+              <a:buChar char="•"/>
+            </a:pPr>
+            <a:r>
+              <a:rPr lang="pt-BR" sz="2400" dirty="0" smtClean="0"/>
+              <a:t>Introdução</a:t>
+            </a:r>
+          </a:p>
+          <a:p>
+            <a:pPr marL="342900" indent="-342900">
+              <a:spcAft>
+                <a:spcPts val="1000"/>
+              </a:spcAft>
+              <a:buFont typeface="Arial" panose="020B0604020202020204" pitchFamily="34" charset="0"/>
+              <a:buChar char="•"/>
+            </a:pPr>
+            <a:endParaRPr lang="pt-BR" sz="2400" dirty="0" smtClean="0"/>
+          </a:p>
+          <a:p>
+            <a:pPr marL="342900" indent="-342900">
+              <a:spcAft>
+                <a:spcPts val="1000"/>
+              </a:spcAft>
+              <a:buFont typeface="Arial" panose="020B0604020202020204" pitchFamily="34" charset="0"/>
+              <a:buChar char="•"/>
+            </a:pPr>
+            <a:r>
+              <a:rPr lang="pt-BR" sz="2400" dirty="0" smtClean="0"/>
+              <a:t>Problematização</a:t>
+            </a:r>
+          </a:p>
+          <a:p>
+            <a:pPr marL="342900" indent="-342900">
+              <a:spcAft>
+                <a:spcPts val="1000"/>
+              </a:spcAft>
+              <a:buFont typeface="Arial" panose="020B0604020202020204" pitchFamily="34" charset="0"/>
+              <a:buChar char="•"/>
+            </a:pPr>
+            <a:endParaRPr lang="pt-BR" sz="2400" dirty="0" smtClean="0"/>
+          </a:p>
+          <a:p>
+            <a:pPr marL="342900" indent="-342900">
+              <a:spcAft>
+                <a:spcPts val="1000"/>
+              </a:spcAft>
+              <a:buFont typeface="Arial" panose="020B0604020202020204" pitchFamily="34" charset="0"/>
+              <a:buChar char="•"/>
+            </a:pPr>
+            <a:r>
+              <a:rPr lang="pt-BR" sz="2400" dirty="0" smtClean="0"/>
+              <a:t>O ChronoSchool</a:t>
+            </a:r>
+          </a:p>
+          <a:p>
+            <a:pPr marL="800100" lvl="1" indent="-342900">
+              <a:buFont typeface="Arial" panose="020B0604020202020204" pitchFamily="34" charset="0"/>
+              <a:buChar char="•"/>
+            </a:pPr>
+            <a:r>
+              <a:rPr lang="pt-BR" sz="2400" dirty="0" smtClean="0"/>
+              <a:t>Objetivos do Projeto</a:t>
+            </a:r>
+          </a:p>
+          <a:p>
+            <a:pPr marL="342900" indent="-342900">
+              <a:buFont typeface="Arial" panose="020B0604020202020204" pitchFamily="34" charset="0"/>
+              <a:buChar char="•"/>
+            </a:pPr>
+            <a:endParaRPr lang="pt-BR" sz="2400" dirty="0"/>
+          </a:p>
+          <a:p>
+            <a:pPr marL="342900" indent="-342900">
+              <a:buFont typeface="Arial" panose="020B0604020202020204" pitchFamily="34" charset="0"/>
+              <a:buChar char="•"/>
+            </a:pPr>
+            <a:r>
+              <a:rPr lang="pt-BR" sz="2400" dirty="0" smtClean="0"/>
+              <a:t>Projeções futuras</a:t>
+            </a:r>
+          </a:p>
+        </p:txBody>
+      </p:sp>
+    </p:spTree>
+    <p:extLst>
+      <p:ext uri="{BB962C8B-B14F-4D97-AF65-F5344CB8AC3E}">
+        <p14:creationId xmlns:p14="http://schemas.microsoft.com/office/powerpoint/2010/main" val="3022400208"/>
+      </p:ext>
+    </p:extLst>
+  </p:cSld>
+  <p:clrMapOvr>
+    <a:masterClrMapping/>
+  </p:clrMapOvr>
+  <p:timing>
+    <p:tnLst>
+      <p:par>
+        <p:cTn id="1" dur="indefinite" restart="never" nodeType="tmRoot"/>
+      </p:par>
+    </p:tnLst>
+  </p:timing>
+</p:sld>
+</file>
+
+<file path=ppt/slides/slide3.xml><?xml version="1.0" encoding="utf-8"?>
+<p:sld xmlns:a="http://schemas.openxmlformats.org/drawingml/2006/main" xmlns:r="http://schemas.openxmlformats.org/officeDocument/2006/relationships" xmlns:p="http://schemas.openxmlformats.org/presentationml/2006/main">
+  <p:cSld>
+    <p:bg>
+      <p:bgPr>
+        <a:blipFill dpi="0" rotWithShape="1">
+          <a:blip r:embed="rId2">
+            <a:lum/>
+          </a:blip>
+          <a:srcRect/>
+          <a:stretch>
+            <a:fillRect/>
+          </a:stretch>
+        </a:blipFill>
+        <a:effectLst/>
+      </p:bgPr>
+    </p:bg>
+    <p:spTree>
+      <p:nvGrpSpPr>
+        <p:cNvPr id="1" name=""/>
+        <p:cNvGrpSpPr/>
+        <p:nvPr/>
+      </p:nvGrpSpPr>
+      <p:grpSpPr>
+        <a:xfrm>
+          <a:off x="0" y="0"/>
+          <a:ext cx="0" cy="0"/>
+          <a:chOff x="0" y="0"/>
+          <a:chExt cx="0" cy="0"/>
+        </a:xfrm>
+      </p:grpSpPr>
+      <p:sp>
+        <p:nvSpPr>
+          <p:cNvPr id="2" name="CaixaDeTexto 1"/>
+          <p:cNvSpPr txBox="1"/>
+          <p:nvPr/>
+        </p:nvSpPr>
+        <p:spPr>
+          <a:xfrm>
+            <a:off x="933450" y="1497042"/>
+            <a:ext cx="10420350" cy="4524315"/>
+          </a:xfrm>
+          <a:prstGeom prst="rect">
+            <a:avLst/>
+          </a:prstGeom>
+          <a:noFill/>
+        </p:spPr>
+        <p:txBody>
+          <a:bodyPr wrap="square" rtlCol="0">
+            <a:spAutoFit/>
+          </a:bodyPr>
+          <a:lstStyle/>
+          <a:p>
+            <a:pPr marL="342900" indent="-342900">
+              <a:lnSpc>
+                <a:spcPct val="150000"/>
+              </a:lnSpc>
+              <a:buFont typeface="Arial" panose="020B0604020202020204" pitchFamily="34" charset="0"/>
+              <a:buChar char="•"/>
+            </a:pPr>
+            <a:r>
+              <a:rPr lang="pt-BR" sz="2400" dirty="0" smtClean="0"/>
+              <a:t>Dificuldade em organizar e relacionar horários</a:t>
+            </a:r>
+            <a:br>
+              <a:rPr lang="pt-BR" sz="2400" dirty="0" smtClean="0"/>
+            </a:br>
+            <a:endParaRPr lang="pt-BR" sz="2400" dirty="0" smtClean="0"/>
+          </a:p>
+          <a:p>
+            <a:pPr marL="342900" indent="-342900">
+              <a:lnSpc>
+                <a:spcPct val="150000"/>
+              </a:lnSpc>
+              <a:buFont typeface="Arial" panose="020B0604020202020204" pitchFamily="34" charset="0"/>
+              <a:buChar char="•"/>
+            </a:pPr>
+            <a:r>
+              <a:rPr lang="pt-BR" sz="2400" dirty="0" smtClean="0"/>
+              <a:t>Trabalho </a:t>
+            </a:r>
+            <a:r>
+              <a:rPr lang="pt-BR" sz="2400" dirty="0" smtClean="0"/>
+              <a:t>manual</a:t>
+            </a:r>
+            <a:endParaRPr lang="pt-BR" sz="2400" dirty="0"/>
+          </a:p>
+          <a:p>
+            <a:pPr marL="800100" lvl="1" indent="-342900">
+              <a:lnSpc>
+                <a:spcPct val="150000"/>
+              </a:lnSpc>
+              <a:buFont typeface="Arial" panose="020B0604020202020204" pitchFamily="34" charset="0"/>
+              <a:buChar char="•"/>
+            </a:pPr>
+            <a:r>
+              <a:rPr lang="pt-BR" sz="2400" dirty="0" smtClean="0"/>
+              <a:t>Gestão </a:t>
+            </a:r>
+            <a:r>
+              <a:rPr lang="pt-BR" sz="2400" dirty="0" smtClean="0"/>
+              <a:t>de </a:t>
+            </a:r>
+            <a:r>
+              <a:rPr lang="pt-BR" sz="2400" dirty="0" smtClean="0"/>
+              <a:t>cronogramas</a:t>
+            </a:r>
+            <a:endParaRPr lang="pt-BR" sz="2400" dirty="0"/>
+          </a:p>
+          <a:p>
+            <a:pPr marL="800100" lvl="1" indent="-342900">
+              <a:lnSpc>
+                <a:spcPct val="150000"/>
+              </a:lnSpc>
+              <a:buFont typeface="Arial" panose="020B0604020202020204" pitchFamily="34" charset="0"/>
+              <a:buChar char="•"/>
+            </a:pPr>
+            <a:r>
+              <a:rPr lang="pt-BR" sz="2400" dirty="0" smtClean="0"/>
+              <a:t>Correções</a:t>
+            </a:r>
+          </a:p>
+          <a:p>
+            <a:pPr marL="800100" lvl="1" indent="-342900">
+              <a:lnSpc>
+                <a:spcPct val="150000"/>
+              </a:lnSpc>
+              <a:buFont typeface="Arial" panose="020B0604020202020204" pitchFamily="34" charset="0"/>
+              <a:buChar char="•"/>
+            </a:pPr>
+            <a:endParaRPr lang="pt-BR" sz="2400" dirty="0" smtClean="0"/>
+          </a:p>
+          <a:p>
+            <a:pPr marL="342900" indent="-342900">
+              <a:lnSpc>
+                <a:spcPct val="150000"/>
+              </a:lnSpc>
+              <a:buFont typeface="Arial" panose="020B0604020202020204" pitchFamily="34" charset="0"/>
+              <a:buChar char="•"/>
+            </a:pPr>
+            <a:r>
+              <a:rPr lang="pt-BR" sz="2400" dirty="0" smtClean="0"/>
+              <a:t>Perda de tempo e controle sobre os cronogramas</a:t>
+            </a:r>
+          </a:p>
+          <a:p>
+            <a:pPr marL="342900" indent="-342900">
+              <a:lnSpc>
+                <a:spcPct val="150000"/>
+              </a:lnSpc>
+              <a:buFont typeface="Arial" panose="020B0604020202020204" pitchFamily="34" charset="0"/>
+              <a:buChar char="•"/>
+            </a:pPr>
+            <a:endParaRPr lang="pt-BR" sz="2400" dirty="0"/>
+          </a:p>
+        </p:txBody>
+      </p:sp>
+      <p:sp>
+        <p:nvSpPr>
+          <p:cNvPr id="3" name="Título 1"/>
+          <p:cNvSpPr txBox="1">
+            <a:spLocks/>
+          </p:cNvSpPr>
+          <p:nvPr/>
+        </p:nvSpPr>
+        <p:spPr>
+          <a:xfrm>
+            <a:off x="933450" y="438149"/>
+            <a:ext cx="8143875" cy="723901"/>
+          </a:xfrm>
+          <a:prstGeom prst="rect">
+            <a:avLst/>
+          </a:prstGeom>
+        </p:spPr>
+        <p:txBody>
+          <a:bodyPr vert="horz" lIns="91440" tIns="45720" rIns="91440" bIns="45720" rtlCol="0" anchor="t">
+            <a:normAutofit/>
+          </a:bodyPr>
+          <a:lstStyle>
+            <a:lvl1pPr algn="ctr" defTabSz="914400" rtl="0" eaLnBrk="1" latinLnBrk="0" hangingPunct="1">
+              <a:lnSpc>
+                <a:spcPct val="90000"/>
+              </a:lnSpc>
+              <a:spcBef>
+                <a:spcPct val="0"/>
+              </a:spcBef>
+              <a:buNone/>
+              <a:defRPr sz="6000" kern="1200">
+                <a:solidFill>
+                  <a:schemeClr val="tx1"/>
+                </a:solidFill>
+                <a:latin typeface="+mj-lt"/>
+                <a:ea typeface="+mj-ea"/>
+                <a:cs typeface="+mj-cs"/>
+              </a:defRPr>
+            </a:lvl1pPr>
+          </a:lstStyle>
+          <a:p>
+            <a:pPr algn="l"/>
+            <a:r>
+              <a:rPr lang="pt-BR" sz="2800" b="1" dirty="0" smtClean="0">
+                <a:solidFill>
+                  <a:schemeClr val="bg1"/>
+                </a:solidFill>
+                <a:latin typeface="+mn-lt"/>
+              </a:rPr>
+              <a:t>Problematização</a:t>
+            </a:r>
+            <a:endParaRPr lang="pt-BR" sz="2800" b="1" dirty="0">
+              <a:solidFill>
+                <a:schemeClr val="bg1"/>
+              </a:solidFill>
+              <a:latin typeface="+mn-lt"/>
+            </a:endParaRPr>
+          </a:p>
+        </p:txBody>
+      </p:sp>
+      <p:sp>
+        <p:nvSpPr>
+          <p:cNvPr id="4" name="Espaço Reservado para Número de Slide 3"/>
+          <p:cNvSpPr>
+            <a:spLocks noGrp="1"/>
+          </p:cNvSpPr>
+          <p:nvPr>
+            <p:ph type="sldNum" sz="quarter" idx="12"/>
+          </p:nvPr>
+        </p:nvSpPr>
+        <p:spPr/>
+        <p:txBody>
+          <a:bodyPr/>
+          <a:lstStyle/>
+          <a:p>
+            <a:fld id="{8FF781A6-F80B-4B0C-B3D7-F58C07AF8613}" type="slidenum">
+              <a:rPr lang="pt-BR" sz="2400" smtClean="0"/>
+              <a:t>3</a:t>
+            </a:fld>
+            <a:endParaRPr lang="pt-BR" sz="2400" dirty="0"/>
+          </a:p>
+        </p:txBody>
+      </p:sp>
+    </p:spTree>
+    <p:extLst>
+      <p:ext uri="{BB962C8B-B14F-4D97-AF65-F5344CB8AC3E}">
+        <p14:creationId xmlns:p14="http://schemas.microsoft.com/office/powerpoint/2010/main" val="1294116911"/>
+      </p:ext>
+    </p:extLst>
+  </p:cSld>
+  <p:clrMapOvr>
+    <a:masterClrMapping/>
+  </p:clrMapOvr>
+  <p:timing>
+    <p:tnLst>
+      <p:par>
+        <p:cTn id="1" dur="indefinite" restart="never" nodeType="tmRoot"/>
+      </p:par>
+    </p:tnLst>
+  </p:timing>
+</p:sld>
+</file>
+
+<file path=ppt/slides/slide4.xml><?xml version="1.0" encoding="utf-8"?>
+<p:sld xmlns:a="http://schemas.openxmlformats.org/drawingml/2006/main" xmlns:r="http://schemas.openxmlformats.org/officeDocument/2006/relationships" xmlns:p="http://schemas.openxmlformats.org/presentationml/2006/main">
+  <p:cSld>
+    <p:bg>
+      <p:bgPr>
+        <a:blipFill dpi="0" rotWithShape="1">
+          <a:blip r:embed="rId2">
+            <a:lum/>
+          </a:blip>
+          <a:srcRect/>
+          <a:stretch>
+            <a:fillRect/>
+          </a:stretch>
+        </a:blipFill>
+        <a:effectLst/>
+      </p:bgPr>
+    </p:bg>
+    <p:spTree>
+      <p:nvGrpSpPr>
+        <p:cNvPr id="1" name=""/>
+        <p:cNvGrpSpPr/>
+        <p:nvPr/>
+      </p:nvGrpSpPr>
+      <p:grpSpPr>
+        <a:xfrm>
+          <a:off x="0" y="0"/>
+          <a:ext cx="0" cy="0"/>
+          <a:chOff x="0" y="0"/>
+          <a:chExt cx="0" cy="0"/>
+        </a:xfrm>
+      </p:grpSpPr>
+      <p:sp>
+        <p:nvSpPr>
+          <p:cNvPr id="5" name="Título 1"/>
+          <p:cNvSpPr txBox="1">
+            <a:spLocks/>
+          </p:cNvSpPr>
+          <p:nvPr/>
+        </p:nvSpPr>
+        <p:spPr>
+          <a:xfrm>
+            <a:off x="933450" y="438149"/>
+            <a:ext cx="8143875" cy="723901"/>
+          </a:xfrm>
+          <a:prstGeom prst="rect">
+            <a:avLst/>
+          </a:prstGeom>
+        </p:spPr>
+        <p:txBody>
+          <a:bodyPr vert="horz" lIns="91440" tIns="45720" rIns="91440" bIns="45720" rtlCol="0" anchor="t">
+            <a:normAutofit/>
+          </a:bodyPr>
+          <a:lstStyle>
+            <a:lvl1pPr algn="ctr" defTabSz="914400" rtl="0" eaLnBrk="1" latinLnBrk="0" hangingPunct="1">
+              <a:lnSpc>
+                <a:spcPct val="90000"/>
+              </a:lnSpc>
+              <a:spcBef>
+                <a:spcPct val="0"/>
+              </a:spcBef>
+              <a:buNone/>
+              <a:defRPr sz="6000" kern="1200">
+                <a:solidFill>
+                  <a:schemeClr val="tx1"/>
+                </a:solidFill>
+                <a:latin typeface="+mj-lt"/>
+                <a:ea typeface="+mj-ea"/>
+                <a:cs typeface="+mj-cs"/>
+              </a:defRPr>
+            </a:lvl1pPr>
+          </a:lstStyle>
+          <a:p>
+            <a:pPr algn="l"/>
+            <a:r>
+              <a:rPr lang="pt-BR" sz="2800" b="1" dirty="0" smtClean="0">
+                <a:solidFill>
+                  <a:schemeClr val="bg1"/>
+                </a:solidFill>
+                <a:latin typeface="+mn-lt"/>
+              </a:rPr>
+              <a:t>ChronoSchool</a:t>
+            </a:r>
+            <a:endParaRPr lang="pt-BR" sz="2800" b="1" dirty="0">
+              <a:solidFill>
+                <a:schemeClr val="bg1"/>
+              </a:solidFill>
+              <a:latin typeface="+mn-lt"/>
+            </a:endParaRPr>
+          </a:p>
+        </p:txBody>
+      </p:sp>
+      <p:sp>
+        <p:nvSpPr>
+          <p:cNvPr id="3" name="Espaço Reservado para Número de Slide 2"/>
+          <p:cNvSpPr>
+            <a:spLocks noGrp="1"/>
+          </p:cNvSpPr>
+          <p:nvPr>
+            <p:ph type="sldNum" sz="quarter" idx="12"/>
+          </p:nvPr>
+        </p:nvSpPr>
+        <p:spPr/>
+        <p:txBody>
+          <a:bodyPr/>
+          <a:lstStyle/>
+          <a:p>
+            <a:fld id="{8FF781A6-F80B-4B0C-B3D7-F58C07AF8613}" type="slidenum">
+              <a:rPr lang="pt-BR" sz="2400" smtClean="0"/>
+              <a:t>4</a:t>
+            </a:fld>
+            <a:endParaRPr lang="pt-BR" sz="2400" dirty="0"/>
+          </a:p>
+        </p:txBody>
+      </p:sp>
+      <p:sp>
+        <p:nvSpPr>
+          <p:cNvPr id="6" name="CaixaDeTexto 5"/>
+          <p:cNvSpPr txBox="1"/>
+          <p:nvPr/>
+        </p:nvSpPr>
+        <p:spPr>
+          <a:xfrm>
+            <a:off x="933450" y="1674463"/>
+            <a:ext cx="10420350" cy="4524315"/>
+          </a:xfrm>
+          <a:prstGeom prst="rect">
+            <a:avLst/>
+          </a:prstGeom>
+          <a:noFill/>
+        </p:spPr>
+        <p:txBody>
+          <a:bodyPr wrap="square" rtlCol="0">
+            <a:spAutoFit/>
+          </a:bodyPr>
+          <a:lstStyle/>
+          <a:p>
+            <a:pPr marL="342900" indent="-342900">
+              <a:lnSpc>
+                <a:spcPct val="150000"/>
+              </a:lnSpc>
+              <a:buFont typeface="Arial" panose="020B0604020202020204" pitchFamily="34" charset="0"/>
+              <a:buChar char="•"/>
+            </a:pPr>
+            <a:r>
+              <a:rPr lang="pt-BR" sz="2400" dirty="0" smtClean="0"/>
+              <a:t>Ferramenta simples</a:t>
+            </a:r>
+          </a:p>
+          <a:p>
+            <a:pPr marL="342900" indent="-342900">
+              <a:lnSpc>
+                <a:spcPct val="150000"/>
+              </a:lnSpc>
+              <a:buFont typeface="Arial" panose="020B0604020202020204" pitchFamily="34" charset="0"/>
+              <a:buChar char="•"/>
+            </a:pPr>
+            <a:endParaRPr lang="pt-BR" sz="2400" dirty="0" smtClean="0"/>
+          </a:p>
+          <a:p>
+            <a:pPr marL="342900" indent="-342900">
+              <a:lnSpc>
+                <a:spcPct val="150000"/>
+              </a:lnSpc>
+              <a:buFont typeface="Arial" panose="020B0604020202020204" pitchFamily="34" charset="0"/>
+              <a:buChar char="•"/>
+            </a:pPr>
+            <a:r>
+              <a:rPr lang="pt-BR" sz="2400" dirty="0" smtClean="0"/>
+              <a:t>Auxilia na criação e atualização de cronogramas</a:t>
+            </a:r>
+          </a:p>
+          <a:p>
+            <a:pPr marL="342900" indent="-342900">
+              <a:lnSpc>
+                <a:spcPct val="150000"/>
+              </a:lnSpc>
+              <a:buFont typeface="Arial" panose="020B0604020202020204" pitchFamily="34" charset="0"/>
+              <a:buChar char="•"/>
+            </a:pPr>
+            <a:endParaRPr lang="pt-BR" sz="2400" dirty="0"/>
+          </a:p>
+          <a:p>
+            <a:pPr marL="342900" indent="-342900">
+              <a:lnSpc>
+                <a:spcPct val="150000"/>
+              </a:lnSpc>
+              <a:buFont typeface="Arial" panose="020B0604020202020204" pitchFamily="34" charset="0"/>
+              <a:buChar char="•"/>
+            </a:pPr>
+            <a:r>
+              <a:rPr lang="pt-BR" sz="2400" dirty="0" smtClean="0"/>
+              <a:t>Atuação do sistema</a:t>
+            </a:r>
+          </a:p>
+          <a:p>
+            <a:pPr marL="342900" indent="-342900">
+              <a:lnSpc>
+                <a:spcPct val="150000"/>
+              </a:lnSpc>
+              <a:buFont typeface="Arial" panose="020B0604020202020204" pitchFamily="34" charset="0"/>
+              <a:buChar char="•"/>
+            </a:pPr>
+            <a:endParaRPr lang="pt-BR" sz="2400" dirty="0"/>
+          </a:p>
+          <a:p>
+            <a:pPr marL="342900" indent="-342900">
+              <a:lnSpc>
+                <a:spcPct val="150000"/>
+              </a:lnSpc>
+              <a:buFont typeface="Arial" panose="020B0604020202020204" pitchFamily="34" charset="0"/>
+              <a:buChar char="•"/>
+            </a:pPr>
+            <a:r>
+              <a:rPr lang="pt-BR" sz="2400" dirty="0" smtClean="0"/>
+              <a:t>Imagens:</a:t>
+            </a:r>
+          </a:p>
+          <a:p>
+            <a:pPr marL="342900" indent="-342900">
+              <a:lnSpc>
+                <a:spcPct val="150000"/>
+              </a:lnSpc>
+              <a:buFont typeface="Arial" panose="020B0604020202020204" pitchFamily="34" charset="0"/>
+              <a:buChar char="•"/>
+            </a:pPr>
+            <a:endParaRPr lang="pt-BR" sz="2400" dirty="0"/>
+          </a:p>
+        </p:txBody>
+      </p:sp>
+    </p:spTree>
+    <p:extLst>
+      <p:ext uri="{BB962C8B-B14F-4D97-AF65-F5344CB8AC3E}">
+        <p14:creationId xmlns:p14="http://schemas.microsoft.com/office/powerpoint/2010/main" val="3178741376"/>
+      </p:ext>
+    </p:extLst>
+  </p:cSld>
+  <p:clrMapOvr>
+    <a:masterClrMapping/>
+  </p:clrMapOvr>
+  <p:timing>
+    <p:tnLst>
+      <p:par>
+        <p:cTn id="1" dur="indefinite" restart="never" nodeType="tmRoot"/>
+      </p:par>
+    </p:tnLst>
+  </p:timing>
+</p:sld>
+</file>
+
+<file path=ppt/slides/slide5.xml><?xml version="1.0" encoding="utf-8"?>
+<p:sld xmlns:a="http://schemas.openxmlformats.org/drawingml/2006/main" xmlns:r="http://schemas.openxmlformats.org/officeDocument/2006/relationships" xmlns:p="http://schemas.openxmlformats.org/presentationml/2006/main">
+  <p:cSld>
+    <p:bg>
+      <p:bgPr>
+        <a:blipFill dpi="0" rotWithShape="1">
+          <a:blip r:embed="rId2">
+            <a:lum/>
+          </a:blip>
+          <a:srcRect/>
+          <a:stretch>
+            <a:fillRect/>
+          </a:stretch>
+        </a:blipFill>
+        <a:effectLst/>
+      </p:bgPr>
+    </p:bg>
+    <p:spTree>
+      <p:nvGrpSpPr>
+        <p:cNvPr id="1" name=""/>
+        <p:cNvGrpSpPr/>
+        <p:nvPr/>
+      </p:nvGrpSpPr>
+      <p:grpSpPr>
+        <a:xfrm>
+          <a:off x="0" y="0"/>
+          <a:ext cx="0" cy="0"/>
+          <a:chOff x="0" y="0"/>
+          <a:chExt cx="0" cy="0"/>
+        </a:xfrm>
+      </p:grpSpPr>
+      <p:sp>
+        <p:nvSpPr>
+          <p:cNvPr id="5" name="Título 1"/>
+          <p:cNvSpPr txBox="1">
+            <a:spLocks/>
+          </p:cNvSpPr>
+          <p:nvPr/>
+        </p:nvSpPr>
+        <p:spPr>
+          <a:xfrm>
+            <a:off x="933450" y="438149"/>
+            <a:ext cx="8143875" cy="723901"/>
+          </a:xfrm>
+          <a:prstGeom prst="rect">
+            <a:avLst/>
+          </a:prstGeom>
+        </p:spPr>
+        <p:txBody>
+          <a:bodyPr vert="horz" lIns="91440" tIns="45720" rIns="91440" bIns="45720" rtlCol="0" anchor="t">
+            <a:normAutofit/>
+          </a:bodyPr>
+          <a:lstStyle>
+            <a:lvl1pPr algn="ctr" defTabSz="914400" rtl="0" eaLnBrk="1" latinLnBrk="0" hangingPunct="1">
+              <a:lnSpc>
+                <a:spcPct val="90000"/>
+              </a:lnSpc>
+              <a:spcBef>
+                <a:spcPct val="0"/>
+              </a:spcBef>
+              <a:buNone/>
+              <a:defRPr sz="6000" kern="1200">
+                <a:solidFill>
+                  <a:schemeClr val="tx1"/>
+                </a:solidFill>
+                <a:latin typeface="+mj-lt"/>
+                <a:ea typeface="+mj-ea"/>
+                <a:cs typeface="+mj-cs"/>
+              </a:defRPr>
+            </a:lvl1pPr>
+          </a:lstStyle>
+          <a:p>
+            <a:pPr algn="l"/>
+            <a:r>
+              <a:rPr lang="pt-BR" sz="2800" b="1" dirty="0" smtClean="0">
+                <a:solidFill>
+                  <a:schemeClr val="bg1"/>
+                </a:solidFill>
+                <a:latin typeface="+mn-lt"/>
+              </a:rPr>
+              <a:t>IEEE 829– Uso do padrão </a:t>
+            </a:r>
+            <a:endParaRPr lang="pt-BR" sz="2800" b="1" dirty="0">
+              <a:solidFill>
+                <a:schemeClr val="bg1"/>
+              </a:solidFill>
+              <a:latin typeface="+mn-lt"/>
+            </a:endParaRPr>
+          </a:p>
+        </p:txBody>
+      </p:sp>
+      <p:sp>
+        <p:nvSpPr>
+          <p:cNvPr id="3" name="Espaço Reservado para Número de Slide 2"/>
+          <p:cNvSpPr>
+            <a:spLocks noGrp="1"/>
+          </p:cNvSpPr>
+          <p:nvPr>
+            <p:ph type="sldNum" sz="quarter" idx="12"/>
+          </p:nvPr>
+        </p:nvSpPr>
+        <p:spPr/>
+        <p:txBody>
+          <a:bodyPr/>
+          <a:lstStyle/>
+          <a:p>
+            <a:fld id="{8FF781A6-F80B-4B0C-B3D7-F58C07AF8613}" type="slidenum">
+              <a:rPr lang="pt-BR" sz="2400" smtClean="0"/>
+              <a:t>5</a:t>
+            </a:fld>
+            <a:endParaRPr lang="pt-BR" sz="2400" dirty="0"/>
+          </a:p>
+        </p:txBody>
+      </p:sp>
+    </p:spTree>
+    <p:extLst>
+      <p:ext uri="{BB962C8B-B14F-4D97-AF65-F5344CB8AC3E}">
+        <p14:creationId xmlns:p14="http://schemas.microsoft.com/office/powerpoint/2010/main" val="2241284451"/>
+      </p:ext>
+    </p:extLst>
+  </p:cSld>
+  <p:clrMapOvr>
+    <a:masterClrMapping/>
+  </p:clrMapOvr>
+  <p:timing>
+    <p:tnLst>
+      <p:par>
+        <p:cTn id="1" dur="indefinite" restart="never" nodeType="tmRoot"/>
+      </p:par>
+    </p:tnLst>
+  </p:timing>
+</p:sld>
+</file>
+
+<file path=ppt/slides/slide6.xml><?xml version="1.0" encoding="utf-8"?>
+<p:sld xmlns:a="http://schemas.openxmlformats.org/drawingml/2006/main" xmlns:r="http://schemas.openxmlformats.org/officeDocument/2006/relationships" xmlns:p="http://schemas.openxmlformats.org/presentationml/2006/main">
+  <p:cSld>
+    <p:bg>
+      <p:bgPr>
+        <a:blipFill dpi="0" rotWithShape="1">
+          <a:blip r:embed="rId2">
+            <a:lum/>
+          </a:blip>
+          <a:srcRect/>
+          <a:stretch>
+            <a:fillRect/>
+          </a:stretch>
+        </a:blipFill>
+        <a:effectLst/>
+      </p:bgPr>
+    </p:bg>
+    <p:spTree>
+      <p:nvGrpSpPr>
+        <p:cNvPr id="1" name=""/>
+        <p:cNvGrpSpPr/>
+        <p:nvPr/>
+      </p:nvGrpSpPr>
+      <p:grpSpPr>
+        <a:xfrm>
+          <a:off x="0" y="0"/>
+          <a:ext cx="0" cy="0"/>
+          <a:chOff x="0" y="0"/>
+          <a:chExt cx="0" cy="0"/>
+        </a:xfrm>
+      </p:grpSpPr>
+      <p:sp>
+        <p:nvSpPr>
+          <p:cNvPr id="5" name="Título 1"/>
+          <p:cNvSpPr txBox="1">
+            <a:spLocks/>
+          </p:cNvSpPr>
+          <p:nvPr/>
+        </p:nvSpPr>
+        <p:spPr>
+          <a:xfrm>
+            <a:off x="933450" y="438149"/>
+            <a:ext cx="8143875" cy="723901"/>
+          </a:xfrm>
+          <a:prstGeom prst="rect">
+            <a:avLst/>
+          </a:prstGeom>
+        </p:spPr>
+        <p:txBody>
+          <a:bodyPr vert="horz" lIns="91440" tIns="45720" rIns="91440" bIns="45720" rtlCol="0" anchor="t">
+            <a:normAutofit/>
+          </a:bodyPr>
+          <a:lstStyle>
+            <a:lvl1pPr algn="ctr" defTabSz="914400" rtl="0" eaLnBrk="1" latinLnBrk="0" hangingPunct="1">
+              <a:lnSpc>
+                <a:spcPct val="90000"/>
+              </a:lnSpc>
+              <a:spcBef>
+                <a:spcPct val="0"/>
+              </a:spcBef>
+              <a:buNone/>
+              <a:defRPr sz="6000" kern="1200">
+                <a:solidFill>
+                  <a:schemeClr val="tx1"/>
+                </a:solidFill>
+                <a:latin typeface="+mj-lt"/>
+                <a:ea typeface="+mj-ea"/>
+                <a:cs typeface="+mj-cs"/>
+              </a:defRPr>
+            </a:lvl1pPr>
+          </a:lstStyle>
+          <a:p>
+            <a:pPr algn="l"/>
+            <a:r>
+              <a:rPr lang="pt-BR" sz="2800" b="1" dirty="0" smtClean="0">
+                <a:solidFill>
+                  <a:schemeClr val="bg1"/>
+                </a:solidFill>
+                <a:latin typeface="+mn-lt"/>
+              </a:rPr>
+              <a:t>IEEE 829– Uso do padrão </a:t>
+            </a:r>
+            <a:endParaRPr lang="pt-BR" sz="2800" b="1" dirty="0">
+              <a:solidFill>
+                <a:schemeClr val="bg1"/>
+              </a:solidFill>
+              <a:latin typeface="+mn-lt"/>
+            </a:endParaRPr>
+          </a:p>
+        </p:txBody>
+      </p:sp>
+      <p:sp>
+        <p:nvSpPr>
+          <p:cNvPr id="3" name="Espaço Reservado para Número de Slide 2"/>
+          <p:cNvSpPr>
+            <a:spLocks noGrp="1"/>
+          </p:cNvSpPr>
+          <p:nvPr>
+            <p:ph type="sldNum" sz="quarter" idx="12"/>
+          </p:nvPr>
+        </p:nvSpPr>
+        <p:spPr/>
+        <p:txBody>
+          <a:bodyPr/>
+          <a:lstStyle/>
+          <a:p>
+            <a:r>
+              <a:rPr lang="pt-BR" sz="2400" dirty="0" smtClean="0"/>
+              <a:t>6</a:t>
+            </a:r>
+            <a:endParaRPr lang="pt-BR" sz="2400" dirty="0"/>
+          </a:p>
+        </p:txBody>
+      </p:sp>
+    </p:spTree>
+    <p:extLst>
+      <p:ext uri="{BB962C8B-B14F-4D97-AF65-F5344CB8AC3E}">
+        <p14:creationId xmlns:p14="http://schemas.microsoft.com/office/powerpoint/2010/main" val="3317656757"/>
+      </p:ext>
+    </p:extLst>
+  </p:cSld>
+  <p:clrMapOvr>
+    <a:masterClrMapping/>
+  </p:clrMapOvr>
+  <p:timing>
+    <p:tnLst>
+      <p:par>
+        <p:cTn id="1" dur="indefinite" restart="never" nodeType="tmRoot"/>
+      </p:par>
+    </p:tnLst>
+  </p:timing>
+</p:sld>
+</file>
+
+<file path=ppt/slides/slide7.xml><?xml version="1.0" encoding="utf-8"?>
+<p:sld xmlns:a="http://schemas.openxmlformats.org/drawingml/2006/main" xmlns:r="http://schemas.openxmlformats.org/officeDocument/2006/relationships" xmlns:p="http://schemas.openxmlformats.org/presentationml/2006/main">
+  <p:cSld>
+    <p:bg>
+      <p:bgPr>
+        <a:blipFill dpi="0" rotWithShape="1">
+          <a:blip r:embed="rId2">
+            <a:lum/>
+          </a:blip>
+          <a:srcRect/>
+          <a:stretch>
+            <a:fillRect/>
+          </a:stretch>
+        </a:blipFill>
+        <a:effectLst/>
+      </p:bgPr>
+    </p:bg>
+    <p:spTree>
+      <p:nvGrpSpPr>
+        <p:cNvPr id="1" name=""/>
+        <p:cNvGrpSpPr/>
+        <p:nvPr/>
+      </p:nvGrpSpPr>
+      <p:grpSpPr>
+        <a:xfrm>
+          <a:off x="0" y="0"/>
+          <a:ext cx="0" cy="0"/>
+          <a:chOff x="0" y="0"/>
+          <a:chExt cx="0" cy="0"/>
+        </a:xfrm>
+      </p:grpSpPr>
+      <p:sp>
+        <p:nvSpPr>
+          <p:cNvPr id="5" name="Título 1"/>
+          <p:cNvSpPr txBox="1">
+            <a:spLocks/>
+          </p:cNvSpPr>
+          <p:nvPr/>
+        </p:nvSpPr>
+        <p:spPr>
+          <a:xfrm>
+            <a:off x="933450" y="438149"/>
+            <a:ext cx="8143875" cy="723901"/>
+          </a:xfrm>
+          <a:prstGeom prst="rect">
+            <a:avLst/>
+          </a:prstGeom>
+        </p:spPr>
+        <p:txBody>
+          <a:bodyPr vert="horz" lIns="91440" tIns="45720" rIns="91440" bIns="45720" rtlCol="0" anchor="t">
+            <a:normAutofit/>
+          </a:bodyPr>
+          <a:lstStyle>
+            <a:lvl1pPr algn="ctr" defTabSz="914400" rtl="0" eaLnBrk="1" latinLnBrk="0" hangingPunct="1">
+              <a:lnSpc>
+                <a:spcPct val="90000"/>
+              </a:lnSpc>
+              <a:spcBef>
+                <a:spcPct val="0"/>
+              </a:spcBef>
+              <a:buNone/>
+              <a:defRPr sz="6000" kern="1200">
+                <a:solidFill>
+                  <a:schemeClr val="tx1"/>
+                </a:solidFill>
+                <a:latin typeface="+mj-lt"/>
+                <a:ea typeface="+mj-ea"/>
+                <a:cs typeface="+mj-cs"/>
+              </a:defRPr>
+            </a:lvl1pPr>
+          </a:lstStyle>
+          <a:p>
+            <a:pPr algn="l"/>
+            <a:r>
+              <a:rPr lang="pt-BR" sz="2800" b="1" dirty="0" smtClean="0">
+                <a:solidFill>
+                  <a:schemeClr val="bg1"/>
+                </a:solidFill>
+                <a:latin typeface="+mn-lt"/>
+              </a:rPr>
+              <a:t>Objetivos</a:t>
+            </a:r>
+            <a:endParaRPr lang="pt-BR" sz="2800" b="1" dirty="0">
+              <a:solidFill>
+                <a:schemeClr val="bg1"/>
+              </a:solidFill>
+              <a:latin typeface="+mn-lt"/>
+            </a:endParaRPr>
+          </a:p>
+        </p:txBody>
+      </p:sp>
+      <p:sp>
+        <p:nvSpPr>
+          <p:cNvPr id="3" name="Espaço Reservado para Número de Slide 2"/>
+          <p:cNvSpPr>
+            <a:spLocks noGrp="1"/>
+          </p:cNvSpPr>
+          <p:nvPr>
+            <p:ph type="sldNum" sz="quarter" idx="12"/>
+          </p:nvPr>
+        </p:nvSpPr>
+        <p:spPr/>
+        <p:txBody>
+          <a:bodyPr/>
+          <a:lstStyle/>
+          <a:p>
+            <a:r>
+              <a:rPr lang="pt-BR" sz="2400" dirty="0" smtClean="0"/>
+              <a:t>6</a:t>
+            </a:r>
+            <a:endParaRPr lang="pt-BR" sz="2400" dirty="0"/>
+          </a:p>
+        </p:txBody>
+      </p:sp>
+      <p:sp>
+        <p:nvSpPr>
+          <p:cNvPr id="4" name="CaixaDeTexto 3"/>
+          <p:cNvSpPr txBox="1"/>
+          <p:nvPr/>
+        </p:nvSpPr>
+        <p:spPr>
+          <a:xfrm>
+            <a:off x="933450" y="1674463"/>
+            <a:ext cx="10420350" cy="3970318"/>
+          </a:xfrm>
+          <a:prstGeom prst="rect">
+            <a:avLst/>
+          </a:prstGeom>
+          <a:noFill/>
+        </p:spPr>
+        <p:txBody>
+          <a:bodyPr wrap="square" rtlCol="0">
+            <a:spAutoFit/>
+          </a:bodyPr>
+          <a:lstStyle/>
+          <a:p>
+            <a:pPr marL="342900" indent="-342900">
+              <a:lnSpc>
+                <a:spcPct val="150000"/>
+              </a:lnSpc>
+              <a:buFont typeface="Arial" panose="020B0604020202020204" pitchFamily="34" charset="0"/>
+              <a:buChar char="•"/>
+            </a:pPr>
+            <a:r>
+              <a:rPr lang="pt-BR" sz="2400" dirty="0" smtClean="0"/>
+              <a:t>Objetivo Geral:</a:t>
+            </a:r>
+          </a:p>
+          <a:p>
+            <a:pPr marL="800100" lvl="1" indent="-342900">
+              <a:lnSpc>
+                <a:spcPct val="150000"/>
+              </a:lnSpc>
+              <a:buFont typeface="Arial" panose="020B0604020202020204" pitchFamily="34" charset="0"/>
+              <a:buChar char="•"/>
+            </a:pPr>
+            <a:r>
+              <a:rPr lang="pt-BR" sz="2400" dirty="0" smtClean="0"/>
+              <a:t>Sistema WEB que crie e edite cronogramas</a:t>
+            </a:r>
+            <a:endParaRPr lang="pt-BR" sz="2400" dirty="0" smtClean="0"/>
+          </a:p>
+          <a:p>
+            <a:pPr marL="800100" lvl="1" indent="-342900">
+              <a:lnSpc>
+                <a:spcPct val="150000"/>
+              </a:lnSpc>
+              <a:buFont typeface="Arial" panose="020B0604020202020204" pitchFamily="34" charset="0"/>
+              <a:buChar char="•"/>
+            </a:pPr>
+            <a:r>
+              <a:rPr lang="pt-BR" sz="2400" dirty="0" smtClean="0"/>
+              <a:t>Evitar contratempos em horários de professores</a:t>
+            </a:r>
+            <a:endParaRPr lang="pt-BR" sz="2400" dirty="0"/>
+          </a:p>
+          <a:p>
+            <a:pPr marL="342900" indent="-342900">
+              <a:lnSpc>
+                <a:spcPct val="150000"/>
+              </a:lnSpc>
+              <a:buFont typeface="Arial" panose="020B0604020202020204" pitchFamily="34" charset="0"/>
+              <a:buChar char="•"/>
+            </a:pPr>
+            <a:endParaRPr lang="pt-BR" sz="2400" dirty="0" smtClean="0"/>
+          </a:p>
+          <a:p>
+            <a:pPr marL="342900" indent="-342900">
+              <a:lnSpc>
+                <a:spcPct val="150000"/>
+              </a:lnSpc>
+              <a:buFont typeface="Arial" panose="020B0604020202020204" pitchFamily="34" charset="0"/>
+              <a:buChar char="•"/>
+            </a:pPr>
+            <a:r>
+              <a:rPr lang="pt-BR" sz="2400" dirty="0" smtClean="0"/>
+              <a:t>Objetivos específicos:</a:t>
+            </a:r>
+          </a:p>
+          <a:p>
+            <a:pPr marL="800100" lvl="1" indent="-342900">
+              <a:lnSpc>
+                <a:spcPct val="150000"/>
+              </a:lnSpc>
+              <a:buFont typeface="Arial" panose="020B0604020202020204" pitchFamily="34" charset="0"/>
+              <a:buChar char="•"/>
+            </a:pPr>
+            <a:r>
+              <a:rPr lang="pt-BR" sz="2400" dirty="0" smtClean="0"/>
+              <a:t>Facilitar a criação, edição e o gerenciamento de cronogramas</a:t>
+            </a:r>
+          </a:p>
+          <a:p>
+            <a:pPr marL="800100" lvl="1" indent="-342900">
+              <a:lnSpc>
+                <a:spcPct val="150000"/>
+              </a:lnSpc>
+              <a:buFont typeface="Arial" panose="020B0604020202020204" pitchFamily="34" charset="0"/>
+              <a:buChar char="•"/>
+            </a:pPr>
+            <a:r>
+              <a:rPr lang="pt-BR" sz="2400" dirty="0" smtClean="0"/>
+              <a:t>Notificar alunos em caso de mudanças</a:t>
+            </a:r>
+          </a:p>
+        </p:txBody>
+      </p:sp>
+    </p:spTree>
+    <p:extLst>
+      <p:ext uri="{BB962C8B-B14F-4D97-AF65-F5344CB8AC3E}">
+        <p14:creationId xmlns:p14="http://schemas.microsoft.com/office/powerpoint/2010/main" val="3038609390"/>
+      </p:ext>
+    </p:extLst>
+  </p:cSld>
+  <p:clrMapOvr>
+    <a:masterClrMapping/>
+  </p:clrMapOvr>
+  <p:timing>
+    <p:tnLst>
+      <p:par>
+        <p:cTn id="1" dur="indefinite" restart="never" nodeType="tmRoot"/>
+      </p:par>
+    </p:tnLst>
+  </p:timing>
+</p:sld>
+</file>
+
+<file path=ppt/slides/slide8.xml><?xml version="1.0" encoding="utf-8"?>
+<p:sld xmlns:a="http://schemas.openxmlformats.org/drawingml/2006/main" xmlns:r="http://schemas.openxmlformats.org/officeDocument/2006/relationships" xmlns:p="http://schemas.openxmlformats.org/presentationml/2006/main">
+  <p:cSld>
+    <p:bg>
+      <p:bgPr>
+        <a:blipFill dpi="0" rotWithShape="1">
+          <a:blip r:embed="rId2">
+            <a:lum/>
+          </a:blip>
+          <a:srcRect/>
+          <a:stretch>
+            <a:fillRect/>
+          </a:stretch>
+        </a:blipFill>
+        <a:effectLst/>
+      </p:bgPr>
+    </p:bg>
+    <p:spTree>
+      <p:nvGrpSpPr>
+        <p:cNvPr id="1" name=""/>
+        <p:cNvGrpSpPr/>
+        <p:nvPr/>
+      </p:nvGrpSpPr>
+      <p:grpSpPr>
+        <a:xfrm>
+          <a:off x="0" y="0"/>
+          <a:ext cx="0" cy="0"/>
+          <a:chOff x="0" y="0"/>
+          <a:chExt cx="0" cy="0"/>
+        </a:xfrm>
+      </p:grpSpPr>
+      <p:sp>
+        <p:nvSpPr>
+          <p:cNvPr id="3" name="Título 1"/>
+          <p:cNvSpPr txBox="1">
+            <a:spLocks/>
+          </p:cNvSpPr>
+          <p:nvPr/>
+        </p:nvSpPr>
+        <p:spPr>
+          <a:xfrm>
+            <a:off x="933450" y="438149"/>
+            <a:ext cx="8143875" cy="723901"/>
+          </a:xfrm>
+          <a:prstGeom prst="rect">
+            <a:avLst/>
+          </a:prstGeom>
+        </p:spPr>
+        <p:txBody>
+          <a:bodyPr vert="horz" lIns="91440" tIns="45720" rIns="91440" bIns="45720" rtlCol="0" anchor="t">
+            <a:normAutofit/>
+          </a:bodyPr>
+          <a:lstStyle>
+            <a:lvl1pPr algn="ctr" defTabSz="914400" rtl="0" eaLnBrk="1" latinLnBrk="0" hangingPunct="1">
+              <a:lnSpc>
+                <a:spcPct val="90000"/>
+              </a:lnSpc>
+              <a:spcBef>
+                <a:spcPct val="0"/>
+              </a:spcBef>
+              <a:buNone/>
+              <a:defRPr sz="6000" kern="1200">
+                <a:solidFill>
+                  <a:schemeClr val="tx1"/>
+                </a:solidFill>
+                <a:latin typeface="+mj-lt"/>
+                <a:ea typeface="+mj-ea"/>
+                <a:cs typeface="+mj-cs"/>
+              </a:defRPr>
+            </a:lvl1pPr>
+          </a:lstStyle>
+          <a:p>
+            <a:pPr algn="l"/>
+            <a:r>
+              <a:rPr lang="pt-BR" sz="2800" b="1" dirty="0" smtClean="0">
+                <a:solidFill>
+                  <a:schemeClr val="bg1"/>
+                </a:solidFill>
+                <a:latin typeface="+mn-lt"/>
+              </a:rPr>
+              <a:t>Justificativa</a:t>
+            </a:r>
+          </a:p>
+          <a:p>
+            <a:pPr algn="l"/>
+            <a:endParaRPr lang="pt-BR" sz="2800" b="1" dirty="0">
+              <a:solidFill>
+                <a:schemeClr val="bg1"/>
+              </a:solidFill>
+              <a:latin typeface="+mn-lt"/>
+            </a:endParaRPr>
+          </a:p>
+        </p:txBody>
+      </p:sp>
+      <p:sp>
+        <p:nvSpPr>
+          <p:cNvPr id="4" name="Espaço Reservado para Número de Slide 3"/>
+          <p:cNvSpPr>
+            <a:spLocks noGrp="1"/>
+          </p:cNvSpPr>
+          <p:nvPr>
+            <p:ph type="sldNum" sz="quarter" idx="12"/>
+          </p:nvPr>
+        </p:nvSpPr>
+        <p:spPr/>
+        <p:txBody>
+          <a:bodyPr/>
+          <a:lstStyle/>
+          <a:p>
+            <a:fld id="{8FF781A6-F80B-4B0C-B3D7-F58C07AF8613}" type="slidenum">
+              <a:rPr lang="pt-BR" sz="2400" smtClean="0"/>
+              <a:t>8</a:t>
+            </a:fld>
+            <a:endParaRPr lang="pt-BR" sz="2400" dirty="0"/>
+          </a:p>
+        </p:txBody>
+      </p:sp>
+      <p:sp>
+        <p:nvSpPr>
+          <p:cNvPr id="5" name="CaixaDeTexto 4"/>
+          <p:cNvSpPr txBox="1"/>
+          <p:nvPr/>
+        </p:nvSpPr>
+        <p:spPr>
+          <a:xfrm>
+            <a:off x="933450" y="1674463"/>
+            <a:ext cx="10420350" cy="2862322"/>
+          </a:xfrm>
+          <a:prstGeom prst="rect">
+            <a:avLst/>
+          </a:prstGeom>
+          <a:noFill/>
+        </p:spPr>
+        <p:txBody>
+          <a:bodyPr wrap="square" rtlCol="0">
+            <a:spAutoFit/>
+          </a:bodyPr>
+          <a:lstStyle/>
+          <a:p>
+            <a:pPr marL="342900" indent="-342900">
+              <a:lnSpc>
+                <a:spcPct val="150000"/>
+              </a:lnSpc>
+              <a:buFont typeface="Arial" panose="020B0604020202020204" pitchFamily="34" charset="0"/>
+              <a:buChar char="•"/>
+            </a:pPr>
+            <a:r>
+              <a:rPr lang="pt-BR" sz="2400" dirty="0" smtClean="0"/>
+              <a:t>Auxilio diário no serviço do corpo docente</a:t>
+            </a:r>
+          </a:p>
+          <a:p>
+            <a:pPr marL="342900" indent="-342900">
+              <a:lnSpc>
+                <a:spcPct val="150000"/>
+              </a:lnSpc>
+              <a:buFont typeface="Arial" panose="020B0604020202020204" pitchFamily="34" charset="0"/>
+              <a:buChar char="•"/>
+            </a:pPr>
+            <a:r>
+              <a:rPr lang="pt-BR" sz="2400" dirty="0" smtClean="0"/>
+              <a:t>Necessidade baseada em problemas recorrentes</a:t>
+            </a:r>
+          </a:p>
+          <a:p>
+            <a:pPr marL="342900" indent="-342900">
+              <a:lnSpc>
+                <a:spcPct val="150000"/>
+              </a:lnSpc>
+              <a:buFont typeface="Arial" panose="020B0604020202020204" pitchFamily="34" charset="0"/>
+              <a:buChar char="•"/>
+            </a:pPr>
+            <a:r>
+              <a:rPr lang="pt-BR" sz="2400" dirty="0" smtClean="0"/>
+              <a:t>Diminuição de error na carga horária de estudantes</a:t>
+            </a:r>
+          </a:p>
+          <a:p>
+            <a:pPr marL="342900" indent="-342900">
+              <a:lnSpc>
+                <a:spcPct val="150000"/>
+              </a:lnSpc>
+              <a:buFont typeface="Arial" panose="020B0604020202020204" pitchFamily="34" charset="0"/>
+              <a:buChar char="•"/>
+            </a:pPr>
+            <a:endParaRPr lang="pt-BR" sz="2400" dirty="0"/>
+          </a:p>
+          <a:p>
+            <a:pPr marL="342900" indent="-342900">
+              <a:lnSpc>
+                <a:spcPct val="150000"/>
+              </a:lnSpc>
+              <a:buFont typeface="Arial" panose="020B0604020202020204" pitchFamily="34" charset="0"/>
+              <a:buChar char="•"/>
+            </a:pPr>
+            <a:endParaRPr lang="pt-BR" sz="2400" dirty="0"/>
+          </a:p>
+        </p:txBody>
+      </p:sp>
+    </p:spTree>
+    <p:extLst>
+      <p:ext uri="{BB962C8B-B14F-4D97-AF65-F5344CB8AC3E}">
+        <p14:creationId xmlns:p14="http://schemas.microsoft.com/office/powerpoint/2010/main" val="911816313"/>
+      </p:ext>
+    </p:extLst>
+  </p:cSld>
+  <p:clrMapOvr>
+    <a:masterClrMapping/>
+  </p:clrMapOvr>
+  <p:timing>
+    <p:tnLst>
+      <p:par>
+        <p:cTn id="1" dur="indefinite" restart="never" nodeType="tmRoot"/>
+      </p:par>
+    </p:tnLst>
+  </p:timing>
+</p:sld>
+</file>
+
 <file path=ppt/slides/slide9.xml><?xml version="1.0" encoding="utf-8"?>
 <p:sld xmlns:a="http://schemas.openxmlformats.org/drawingml/2006/main" xmlns:r="http://schemas.openxmlformats.org/officeDocument/2006/relationships" xmlns:p="http://schemas.openxmlformats.org/presentationml/2006/main">
   <p:cSld>
@@ -6292,8 +5817,11 @@
                 </a:solidFill>
                 <a:latin typeface="+mn-lt"/>
               </a:rPr>
-              <a:t>Teste Integrado – Objetivos </a:t>
-            </a:r>
+              <a:t>Benefícios e Vantagens</a:t>
+            </a:r>
+          </a:p>
+          <a:p>
+            <a:pPr algn="l"/>
             <a:endParaRPr lang="pt-BR" sz="2800" b="1" dirty="0">
               <a:solidFill>
                 <a:schemeClr val="bg1"/>
@@ -6334,8 +5862,8 @@
         </p:nvSpPr>
         <p:spPr>
           <a:xfrm>
-            <a:off x="805779" y="1676504"/>
-            <a:ext cx="11095069" cy="5044971"/>
+            <a:off x="933450" y="1674463"/>
+            <a:ext cx="10420350" cy="1754326"/>
           </a:xfrm>
           <a:prstGeom prst="rect">
             <a:avLst/>
@@ -6348,110 +5876,48 @@
           </a:bodyPr>
           <a:lstStyle/>
           <a:p>
-            <a:pPr marL="342900" indent="-342900" algn="just">
-              <a:spcAft>
-                <a:spcPts val="1000"/>
-              </a:spcAft>
+            <a:pPr marL="342900" indent="-342900">
+              <a:lnSpc>
+                <a:spcPct val="150000"/>
+              </a:lnSpc>
               <a:buFont typeface="Arial" panose="020B0604020202020204" pitchFamily="34" charset="0"/>
               <a:buChar char="•"/>
             </a:pPr>
             <a:r>
               <a:rPr lang="pt-BR" sz="2400" dirty="0" smtClean="0"/>
-              <a:t>É observado a interação entre unidades diferentes;</a:t>
-            </a:r>
-          </a:p>
-          <a:p>
-            <a:pPr marL="342900" indent="-342900" algn="just">
-              <a:spcAft>
-                <a:spcPts val="500"/>
-              </a:spcAft>
+              <a:t>Resolução de imprevistos</a:t>
+            </a:r>
+          </a:p>
+          <a:p>
+            <a:pPr marL="800100" lvl="1" indent="-342900">
+              <a:lnSpc>
+                <a:spcPct val="150000"/>
+              </a:lnSpc>
               <a:buFont typeface="Arial" panose="020B0604020202020204" pitchFamily="34" charset="0"/>
               <a:buChar char="•"/>
             </a:pPr>
             <a:r>
               <a:rPr lang="pt-BR" sz="2400" dirty="0" smtClean="0"/>
-              <a:t>Tem o objetivo de encontrar falhas na interação entre unidades diferentes, como:</a:t>
-            </a:r>
-          </a:p>
-          <a:p>
-            <a:pPr marL="800100" lvl="1" indent="-342900" algn="just">
-              <a:spcAft>
-                <a:spcPts val="1000"/>
-              </a:spcAft>
-              <a:buFont typeface="Wingdings" panose="05000000000000000000" pitchFamily="2" charset="2"/>
-              <a:buChar char="§"/>
-            </a:pPr>
-            <a:r>
-              <a:rPr lang="pt-BR" sz="2400" dirty="0" smtClean="0"/>
-              <a:t>Uma classe X pode não conter erros, mas possa ocorrer algo inesperado ao interagir com a classe Y;</a:t>
-            </a:r>
-          </a:p>
-          <a:p>
-            <a:pPr marL="800100" lvl="1" indent="-342900" algn="just">
-              <a:spcAft>
-                <a:spcPts val="1000"/>
-              </a:spcAft>
-              <a:buFont typeface="Wingdings" panose="05000000000000000000" pitchFamily="2" charset="2"/>
-              <a:buChar char="§"/>
-            </a:pPr>
-            <a:r>
-              <a:rPr lang="pt-BR" sz="2400" dirty="0" smtClean="0"/>
-              <a:t>Por exemplo, a interação entre uma função de validação de dados dentro de um menu para cadastro;</a:t>
-            </a:r>
-          </a:p>
-          <a:p>
-            <a:pPr marL="342900" indent="-342900" algn="just">
-              <a:spcAft>
-                <a:spcPts val="1000"/>
-              </a:spcAft>
+              <a:t>Mudanças</a:t>
+            </a:r>
+            <a:endParaRPr lang="pt-BR" sz="2400" dirty="0"/>
+          </a:p>
+          <a:p>
+            <a:pPr marL="342900" indent="-342900">
+              <a:lnSpc>
+                <a:spcPct val="150000"/>
+              </a:lnSpc>
               <a:buFont typeface="Arial" panose="020B0604020202020204" pitchFamily="34" charset="0"/>
               <a:buChar char="•"/>
             </a:pPr>
-            <a:r>
-              <a:rPr lang="pt-BR" sz="2400" dirty="0" smtClean="0"/>
-              <a:t>Os testes integrados ajudam na performance e na confiabilidade do sistema, fazendo com que o trabalho de um desenvolvedor não afete o trabalho do outro;</a:t>
-            </a:r>
-          </a:p>
-          <a:p>
-            <a:pPr marL="342900" indent="-342900" algn="just">
-              <a:spcAft>
-                <a:spcPts val="1000"/>
-              </a:spcAft>
-              <a:buFont typeface="Arial" panose="020B0604020202020204" pitchFamily="34" charset="0"/>
-              <a:buChar char="•"/>
-            </a:pPr>
-            <a:r>
-              <a:rPr lang="pt-BR" sz="2400" dirty="0" smtClean="0"/>
-              <a:t>Testes unitários deverão ser realizados antes dos testes de integração;</a:t>
-            </a:r>
-          </a:p>
-          <a:p>
-            <a:pPr marL="342900" indent="-342900" algn="just">
-              <a:buFont typeface="Arial" panose="020B0604020202020204" pitchFamily="34" charset="0"/>
-              <a:buChar char="•"/>
-            </a:pPr>
-            <a:endParaRPr lang="pt-BR" sz="2000" dirty="0" smtClean="0"/>
-          </a:p>
-          <a:p>
-            <a:pPr marL="800100" lvl="1" indent="-342900" algn="just">
-              <a:buFont typeface="Arial" panose="020B0604020202020204" pitchFamily="34" charset="0"/>
-              <a:buChar char="•"/>
-            </a:pPr>
-            <a:endParaRPr lang="pt-BR" sz="2000" dirty="0" smtClean="0"/>
-          </a:p>
-          <a:p>
-            <a:pPr marL="800100" lvl="1" indent="-342900" algn="just">
-              <a:buFont typeface="Arial" panose="020B0604020202020204" pitchFamily="34" charset="0"/>
-              <a:buChar char="•"/>
-            </a:pPr>
-            <a:endParaRPr lang="pt-BR" sz="2000" dirty="0"/>
+            <a:endParaRPr lang="pt-BR" sz="2400" dirty="0"/>
           </a:p>
         </p:txBody>
       </p:sp>
     </p:spTree>
     <p:extLst>
       <p:ext uri="{BB962C8B-B14F-4D97-AF65-F5344CB8AC3E}">
-        <p14:creationId xmlns:p14="http://schemas.microsoft.com/office/powerpoint/2010/main" val="1574569212"/>
+        <p14:creationId xmlns:p14="http://schemas.microsoft.com/office/powerpoint/2010/main" val="2847209366"/>
       </p:ext>
     </p:extLst>
   </p:cSld>
@@ -7000,6 +6466,12 @@
 </file>
 
 <file path=customXml/item2.xml><?xml version="1.0" encoding="utf-8"?>
+<p:properties xmlns:p="http://schemas.microsoft.com/office/2006/metadata/properties" xmlns:xsi="http://www.w3.org/2001/XMLSchema-instance" xmlns:pc="http://schemas.microsoft.com/office/infopath/2007/PartnerControls">
+  <documentManagement/>
+</p:properties>
+</file>
+
+<file path=customXml/item3.xml><?xml version="1.0" encoding="utf-8"?>
 <ct:contentTypeSchema xmlns:ct="http://schemas.microsoft.com/office/2006/metadata/contentType" xmlns:ma="http://schemas.microsoft.com/office/2006/metadata/properties/metaAttributes" ct:_="" ma:_="" ma:contentTypeName="Documento" ma:contentTypeID="0x0101003014CAD5C0D95047AD87A6CEF9A0ED6F" ma:contentTypeVersion="2" ma:contentTypeDescription="Crie um novo documento." ma:contentTypeScope="" ma:versionID="30796d12847f100eb7778ef921f4ac23">
   <xsd:schema xmlns:xsd="http://www.w3.org/2001/XMLSchema" xmlns:xs="http://www.w3.org/2001/XMLSchema" xmlns:p="http://schemas.microsoft.com/office/2006/metadata/properties" xmlns:ns2="230e2427-5d80-4bd2-a9ba-53805cfde8a4" targetNamespace="http://schemas.microsoft.com/office/2006/metadata/properties" ma:root="true" ma:fieldsID="76ae15939fbd4f964c732f5640b80379" ns2:_="">
     <xsd:import namespace="230e2427-5d80-4bd2-a9ba-53805cfde8a4"/>
@@ -7131,12 +6603,6 @@
 </ct:contentTypeSchema>
 </file>
 
-<file path=customXml/item3.xml><?xml version="1.0" encoding="utf-8"?>
-<p:properties xmlns:p="http://schemas.microsoft.com/office/2006/metadata/properties" xmlns:xsi="http://www.w3.org/2001/XMLSchema-instance" xmlns:pc="http://schemas.microsoft.com/office/infopath/2007/PartnerControls">
-  <documentManagement/>
-</p:properties>
-</file>
-
 <file path=customXml/itemProps1.xml><?xml version="1.0" encoding="utf-8"?>
 <ds:datastoreItem xmlns:ds="http://schemas.openxmlformats.org/officeDocument/2006/customXml" ds:itemID="{5CA30206-0C22-4035-B0E9-1C372A9E5A44}">
   <ds:schemaRefs>
@@ -7146,6 +6612,22 @@
 </file>
 
 <file path=customXml/itemProps2.xml><?xml version="1.0" encoding="utf-8"?>
+<ds:datastoreItem xmlns:ds="http://schemas.openxmlformats.org/officeDocument/2006/customXml" ds:itemID="{FB086AC8-A3A1-4C6A-AFC1-F05CB90420EB}">
+  <ds:schemaRefs>
+    <ds:schemaRef ds:uri="http://purl.org/dc/terms/"/>
+    <ds:schemaRef ds:uri="http://schemas.openxmlformats.org/package/2006/metadata/core-properties"/>
+    <ds:schemaRef ds:uri="http://schemas.microsoft.com/office/2006/documentManagement/types"/>
+    <ds:schemaRef ds:uri="http://schemas.microsoft.com/office/infopath/2007/PartnerControls"/>
+    <ds:schemaRef ds:uri="http://purl.org/dc/elements/1.1/"/>
+    <ds:schemaRef ds:uri="http://schemas.microsoft.com/office/2006/metadata/properties"/>
+    <ds:schemaRef ds:uri="230e2427-5d80-4bd2-a9ba-53805cfde8a4"/>
+    <ds:schemaRef ds:uri="http://www.w3.org/XML/1998/namespace"/>
+    <ds:schemaRef ds:uri="http://purl.org/dc/dcmitype/"/>
+  </ds:schemaRefs>
+</ds:datastoreItem>
+</file>
+
+<file path=customXml/itemProps3.xml><?xml version="1.0" encoding="utf-8"?>
 <ds:datastoreItem xmlns:ds="http://schemas.openxmlformats.org/officeDocument/2006/customXml" ds:itemID="{33B0A14B-294C-44E8-888D-8DC855B9A1EF}">
   <ds:schemaRefs>
     <ds:schemaRef ds:uri="http://schemas.microsoft.com/office/2006/metadata/contentType"/>
@@ -7161,20 +6643,4 @@
     <ds:schemaRef ds:uri="http://schemas.microsoft.com/internal/obd"/>
   </ds:schemaRefs>
 </ds:datastoreItem>
-</file>
-
-<file path=customXml/itemProps3.xml><?xml version="1.0" encoding="utf-8"?>
-<ds:datastoreItem xmlns:ds="http://schemas.openxmlformats.org/officeDocument/2006/customXml" ds:itemID="{FB086AC8-A3A1-4C6A-AFC1-F05CB90420EB}">
-  <ds:schemaRefs>
-    <ds:schemaRef ds:uri="http://purl.org/dc/terms/"/>
-    <ds:schemaRef ds:uri="http://schemas.openxmlformats.org/package/2006/metadata/core-properties"/>
-    <ds:schemaRef ds:uri="http://schemas.microsoft.com/office/2006/documentManagement/types"/>
-    <ds:schemaRef ds:uri="http://schemas.microsoft.com/office/infopath/2007/PartnerControls"/>
-    <ds:schemaRef ds:uri="http://purl.org/dc/elements/1.1/"/>
-    <ds:schemaRef ds:uri="http://schemas.microsoft.com/office/2006/metadata/properties"/>
-    <ds:schemaRef ds:uri="230e2427-5d80-4bd2-a9ba-53805cfde8a4"/>
-    <ds:schemaRef ds:uri="http://www.w3.org/XML/1998/namespace"/>
-    <ds:schemaRef ds:uri="http://purl.org/dc/dcmitype/"/>
-  </ds:schemaRefs>
-</ds:datastoreItem>
 </file>
--- a/doc/ChronoSchool.pptx
+++ b/doc/ChronoSchool.pptx
@@ -5,7 +5,7 @@
     <p:sldMasterId id="2147483648" r:id="rId4"/>
   </p:sldMasterIdLst>
   <p:notesMasterIdLst>
-    <p:notesMasterId r:id="rId16"/>
+    <p:notesMasterId r:id="rId21"/>
   </p:notesMasterIdLst>
   <p:sldIdLst>
     <p:sldId id="256" r:id="rId5"/>
@@ -13,12 +13,17 @@
     <p:sldId id="257" r:id="rId7"/>
     <p:sldId id="258" r:id="rId8"/>
     <p:sldId id="263" r:id="rId9"/>
-    <p:sldId id="264" r:id="rId10"/>
+    <p:sldId id="269" r:id="rId10"/>
     <p:sldId id="267" r:id="rId11"/>
     <p:sldId id="268" r:id="rId12"/>
     <p:sldId id="265" r:id="rId13"/>
-    <p:sldId id="266" r:id="rId14"/>
-    <p:sldId id="261" r:id="rId15"/>
+    <p:sldId id="271" r:id="rId14"/>
+    <p:sldId id="272" r:id="rId15"/>
+    <p:sldId id="273" r:id="rId16"/>
+    <p:sldId id="274" r:id="rId17"/>
+    <p:sldId id="275" r:id="rId18"/>
+    <p:sldId id="276" r:id="rId19"/>
+    <p:sldId id="261" r:id="rId20"/>
   </p:sldIdLst>
   <p:sldSz cx="12192000" cy="6858000"/>
   <p:notesSz cx="9144000" cy="6858000"/>
@@ -3631,8 +3636,11 @@
                 </a:solidFill>
                 <a:latin typeface="+mn-lt"/>
               </a:rPr>
-              <a:t>Teste Unitário – Exemplo</a:t>
-            </a:r>
+              <a:t>Material</a:t>
+            </a:r>
+          </a:p>
+          <a:p>
+            <a:pPr algn="l"/>
             <a:endParaRPr lang="pt-BR" sz="2800" b="1" dirty="0">
               <a:solidFill>
                 <a:schemeClr val="bg1"/>
@@ -3665,484 +3673,16 @@
           </a:p>
         </p:txBody>
       </p:sp>
-      <p:pic>
-        <p:nvPicPr>
-          <p:cNvPr id="5" name="Imagem 4"/>
-          <p:cNvPicPr>
-            <a:picLocks noChangeAspect="1"/>
-          </p:cNvPicPr>
+      <p:sp>
+        <p:nvSpPr>
+          <p:cNvPr id="5" name="CaixaDeTexto 4"/>
+          <p:cNvSpPr txBox="1"/>
           <p:nvPr/>
-        </p:nvPicPr>
-        <p:blipFill>
-          <a:blip r:embed="rId3">
-            <a:extLst>
-              <a:ext uri="{28A0092B-C50C-407E-A947-70E740481C1C}">
-                <a14:useLocalDpi xmlns:a14="http://schemas.microsoft.com/office/drawing/2010/main" val="0"/>
-              </a:ext>
-            </a:extLst>
-          </a:blip>
-          <a:stretch>
-            <a:fillRect/>
-          </a:stretch>
-        </p:blipFill>
+        </p:nvSpPr>
         <p:spPr>
           <a:xfrm>
-            <a:off x="668921" y="1698538"/>
-            <a:ext cx="7142142" cy="4188770"/>
-          </a:xfrm>
-          <a:prstGeom prst="rect">
-            <a:avLst/>
-          </a:prstGeom>
-        </p:spPr>
-      </p:pic>
-      <p:sp>
-        <p:nvSpPr>
-          <p:cNvPr id="6" name="Espaço Reservado para Texto 8"/>
-          <p:cNvSpPr txBox="1">
-            <a:spLocks/>
-          </p:cNvSpPr>
-          <p:nvPr/>
-        </p:nvSpPr>
-        <p:spPr>
-          <a:xfrm>
-            <a:off x="7964654" y="1698538"/>
-            <a:ext cx="4035091" cy="823912"/>
-          </a:xfrm>
-          <a:prstGeom prst="rect">
-            <a:avLst/>
-          </a:prstGeom>
-        </p:spPr>
-        <p:txBody>
-          <a:bodyPr>
-            <a:normAutofit lnSpcReduction="10000"/>
-          </a:bodyPr>
-          <a:lstStyle>
-            <a:lvl1pPr marL="228600" indent="-228600" algn="l" defTabSz="914400" rtl="0" eaLnBrk="1" latinLnBrk="0" hangingPunct="1">
-              <a:lnSpc>
-                <a:spcPct val="90000"/>
-              </a:lnSpc>
-              <a:spcBef>
-                <a:spcPts val="1000"/>
-              </a:spcBef>
-              <a:buFont typeface="Arial" panose="020B0604020202020204" pitchFamily="34" charset="0"/>
-              <a:buChar char="•"/>
-              <a:defRPr sz="2800" kern="1200">
-                <a:solidFill>
-                  <a:schemeClr val="tx1"/>
-                </a:solidFill>
-                <a:latin typeface="+mn-lt"/>
-                <a:ea typeface="+mn-ea"/>
-                <a:cs typeface="+mn-cs"/>
-              </a:defRPr>
-            </a:lvl1pPr>
-            <a:lvl2pPr marL="685800" indent="-228600" algn="l" defTabSz="914400" rtl="0" eaLnBrk="1" latinLnBrk="0" hangingPunct="1">
-              <a:lnSpc>
-                <a:spcPct val="90000"/>
-              </a:lnSpc>
-              <a:spcBef>
-                <a:spcPts val="500"/>
-              </a:spcBef>
-              <a:buFont typeface="Arial" panose="020B0604020202020204" pitchFamily="34" charset="0"/>
-              <a:buChar char="•"/>
-              <a:defRPr sz="2400" kern="1200">
-                <a:solidFill>
-                  <a:schemeClr val="tx1"/>
-                </a:solidFill>
-                <a:latin typeface="+mn-lt"/>
-                <a:ea typeface="+mn-ea"/>
-                <a:cs typeface="+mn-cs"/>
-              </a:defRPr>
-            </a:lvl2pPr>
-            <a:lvl3pPr marL="1143000" indent="-228600" algn="l" defTabSz="914400" rtl="0" eaLnBrk="1" latinLnBrk="0" hangingPunct="1">
-              <a:lnSpc>
-                <a:spcPct val="90000"/>
-              </a:lnSpc>
-              <a:spcBef>
-                <a:spcPts val="500"/>
-              </a:spcBef>
-              <a:buFont typeface="Arial" panose="020B0604020202020204" pitchFamily="34" charset="0"/>
-              <a:buChar char="•"/>
-              <a:defRPr sz="2000" kern="1200">
-                <a:solidFill>
-                  <a:schemeClr val="tx1"/>
-                </a:solidFill>
-                <a:latin typeface="+mn-lt"/>
-                <a:ea typeface="+mn-ea"/>
-                <a:cs typeface="+mn-cs"/>
-              </a:defRPr>
-            </a:lvl3pPr>
-            <a:lvl4pPr marL="1600200" indent="-228600" algn="l" defTabSz="914400" rtl="0" eaLnBrk="1" latinLnBrk="0" hangingPunct="1">
-              <a:lnSpc>
-                <a:spcPct val="90000"/>
-              </a:lnSpc>
-              <a:spcBef>
-                <a:spcPts val="500"/>
-              </a:spcBef>
-              <a:buFont typeface="Arial" panose="020B0604020202020204" pitchFamily="34" charset="0"/>
-              <a:buChar char="•"/>
-              <a:defRPr sz="1800" kern="1200">
-                <a:solidFill>
-                  <a:schemeClr val="tx1"/>
-                </a:solidFill>
-                <a:latin typeface="+mn-lt"/>
-                <a:ea typeface="+mn-ea"/>
-                <a:cs typeface="+mn-cs"/>
-              </a:defRPr>
-            </a:lvl4pPr>
-            <a:lvl5pPr marL="2057400" indent="-228600" algn="l" defTabSz="914400" rtl="0" eaLnBrk="1" latinLnBrk="0" hangingPunct="1">
-              <a:lnSpc>
-                <a:spcPct val="90000"/>
-              </a:lnSpc>
-              <a:spcBef>
-                <a:spcPts val="500"/>
-              </a:spcBef>
-              <a:buFont typeface="Arial" panose="020B0604020202020204" pitchFamily="34" charset="0"/>
-              <a:buChar char="•"/>
-              <a:defRPr sz="1800" kern="1200">
-                <a:solidFill>
-                  <a:schemeClr val="tx1"/>
-                </a:solidFill>
-                <a:latin typeface="+mn-lt"/>
-                <a:ea typeface="+mn-ea"/>
-                <a:cs typeface="+mn-cs"/>
-              </a:defRPr>
-            </a:lvl5pPr>
-            <a:lvl6pPr marL="2514600" indent="-228600" algn="l" defTabSz="914400" rtl="0" eaLnBrk="1" latinLnBrk="0" hangingPunct="1">
-              <a:lnSpc>
-                <a:spcPct val="90000"/>
-              </a:lnSpc>
-              <a:spcBef>
-                <a:spcPts val="500"/>
-              </a:spcBef>
-              <a:buFont typeface="Arial" panose="020B0604020202020204" pitchFamily="34" charset="0"/>
-              <a:buChar char="•"/>
-              <a:defRPr sz="1800" kern="1200">
-                <a:solidFill>
-                  <a:schemeClr val="tx1"/>
-                </a:solidFill>
-                <a:latin typeface="+mn-lt"/>
-                <a:ea typeface="+mn-ea"/>
-                <a:cs typeface="+mn-cs"/>
-              </a:defRPr>
-            </a:lvl6pPr>
-            <a:lvl7pPr marL="2971800" indent="-228600" algn="l" defTabSz="914400" rtl="0" eaLnBrk="1" latinLnBrk="0" hangingPunct="1">
-              <a:lnSpc>
-                <a:spcPct val="90000"/>
-              </a:lnSpc>
-              <a:spcBef>
-                <a:spcPts val="500"/>
-              </a:spcBef>
-              <a:buFont typeface="Arial" panose="020B0604020202020204" pitchFamily="34" charset="0"/>
-              <a:buChar char="•"/>
-              <a:defRPr sz="1800" kern="1200">
-                <a:solidFill>
-                  <a:schemeClr val="tx1"/>
-                </a:solidFill>
-                <a:latin typeface="+mn-lt"/>
-                <a:ea typeface="+mn-ea"/>
-                <a:cs typeface="+mn-cs"/>
-              </a:defRPr>
-            </a:lvl7pPr>
-            <a:lvl8pPr marL="3429000" indent="-228600" algn="l" defTabSz="914400" rtl="0" eaLnBrk="1" latinLnBrk="0" hangingPunct="1">
-              <a:lnSpc>
-                <a:spcPct val="90000"/>
-              </a:lnSpc>
-              <a:spcBef>
-                <a:spcPts val="500"/>
-              </a:spcBef>
-              <a:buFont typeface="Arial" panose="020B0604020202020204" pitchFamily="34" charset="0"/>
-              <a:buChar char="•"/>
-              <a:defRPr sz="1800" kern="1200">
-                <a:solidFill>
-                  <a:schemeClr val="tx1"/>
-                </a:solidFill>
-                <a:latin typeface="+mn-lt"/>
-                <a:ea typeface="+mn-ea"/>
-                <a:cs typeface="+mn-cs"/>
-              </a:defRPr>
-            </a:lvl8pPr>
-            <a:lvl9pPr marL="3886200" indent="-228600" algn="l" defTabSz="914400" rtl="0" eaLnBrk="1" latinLnBrk="0" hangingPunct="1">
-              <a:lnSpc>
-                <a:spcPct val="90000"/>
-              </a:lnSpc>
-              <a:spcBef>
-                <a:spcPts val="500"/>
-              </a:spcBef>
-              <a:buFont typeface="Arial" panose="020B0604020202020204" pitchFamily="34" charset="0"/>
-              <a:buChar char="•"/>
-              <a:defRPr sz="1800" kern="1200">
-                <a:solidFill>
-                  <a:schemeClr val="tx1"/>
-                </a:solidFill>
-                <a:latin typeface="+mn-lt"/>
-                <a:ea typeface="+mn-ea"/>
-                <a:cs typeface="+mn-cs"/>
-              </a:defRPr>
-            </a:lvl9pPr>
-          </a:lstStyle>
-          <a:p>
-            <a:r>
-              <a:rPr lang="pt-BR" dirty="0" smtClean="0"/>
-              <a:t>Possíveis valores para este teste:</a:t>
-            </a:r>
-            <a:endParaRPr lang="pt-BR" dirty="0"/>
-          </a:p>
-        </p:txBody>
-      </p:sp>
-      <p:sp>
-        <p:nvSpPr>
-          <p:cNvPr id="7" name="Espaço Reservado para Conteúdo 9"/>
-          <p:cNvSpPr txBox="1">
-            <a:spLocks/>
-          </p:cNvSpPr>
-          <p:nvPr/>
-        </p:nvSpPr>
-        <p:spPr>
-          <a:xfrm>
-            <a:off x="7992568" y="2522450"/>
-            <a:ext cx="2799869" cy="3540677"/>
-          </a:xfrm>
-          <a:prstGeom prst="rect">
-            <a:avLst/>
-          </a:prstGeom>
-        </p:spPr>
-        <p:txBody>
-          <a:bodyPr>
-            <a:normAutofit lnSpcReduction="10000"/>
-          </a:bodyPr>
-          <a:lstStyle>
-            <a:lvl1pPr marL="228600" indent="-228600" algn="l" defTabSz="914400" rtl="0" eaLnBrk="1" latinLnBrk="0" hangingPunct="1">
-              <a:lnSpc>
-                <a:spcPct val="90000"/>
-              </a:lnSpc>
-              <a:spcBef>
-                <a:spcPts val="1000"/>
-              </a:spcBef>
-              <a:buFont typeface="Arial" panose="020B0604020202020204" pitchFamily="34" charset="0"/>
-              <a:buChar char="•"/>
-              <a:defRPr sz="2800" kern="1200">
-                <a:solidFill>
-                  <a:schemeClr val="tx1"/>
-                </a:solidFill>
-                <a:latin typeface="+mn-lt"/>
-                <a:ea typeface="+mn-ea"/>
-                <a:cs typeface="+mn-cs"/>
-              </a:defRPr>
-            </a:lvl1pPr>
-            <a:lvl2pPr marL="685800" indent="-228600" algn="l" defTabSz="914400" rtl="0" eaLnBrk="1" latinLnBrk="0" hangingPunct="1">
-              <a:lnSpc>
-                <a:spcPct val="90000"/>
-              </a:lnSpc>
-              <a:spcBef>
-                <a:spcPts val="500"/>
-              </a:spcBef>
-              <a:buFont typeface="Arial" panose="020B0604020202020204" pitchFamily="34" charset="0"/>
-              <a:buChar char="•"/>
-              <a:defRPr sz="2400" kern="1200">
-                <a:solidFill>
-                  <a:schemeClr val="tx1"/>
-                </a:solidFill>
-                <a:latin typeface="+mn-lt"/>
-                <a:ea typeface="+mn-ea"/>
-                <a:cs typeface="+mn-cs"/>
-              </a:defRPr>
-            </a:lvl2pPr>
-            <a:lvl3pPr marL="1143000" indent="-228600" algn="l" defTabSz="914400" rtl="0" eaLnBrk="1" latinLnBrk="0" hangingPunct="1">
-              <a:lnSpc>
-                <a:spcPct val="90000"/>
-              </a:lnSpc>
-              <a:spcBef>
-                <a:spcPts val="500"/>
-              </a:spcBef>
-              <a:buFont typeface="Arial" panose="020B0604020202020204" pitchFamily="34" charset="0"/>
-              <a:buChar char="•"/>
-              <a:defRPr sz="2000" kern="1200">
-                <a:solidFill>
-                  <a:schemeClr val="tx1"/>
-                </a:solidFill>
-                <a:latin typeface="+mn-lt"/>
-                <a:ea typeface="+mn-ea"/>
-                <a:cs typeface="+mn-cs"/>
-              </a:defRPr>
-            </a:lvl3pPr>
-            <a:lvl4pPr marL="1600200" indent="-228600" algn="l" defTabSz="914400" rtl="0" eaLnBrk="1" latinLnBrk="0" hangingPunct="1">
-              <a:lnSpc>
-                <a:spcPct val="90000"/>
-              </a:lnSpc>
-              <a:spcBef>
-                <a:spcPts val="500"/>
-              </a:spcBef>
-              <a:buFont typeface="Arial" panose="020B0604020202020204" pitchFamily="34" charset="0"/>
-              <a:buChar char="•"/>
-              <a:defRPr sz="1800" kern="1200">
-                <a:solidFill>
-                  <a:schemeClr val="tx1"/>
-                </a:solidFill>
-                <a:latin typeface="+mn-lt"/>
-                <a:ea typeface="+mn-ea"/>
-                <a:cs typeface="+mn-cs"/>
-              </a:defRPr>
-            </a:lvl4pPr>
-            <a:lvl5pPr marL="2057400" indent="-228600" algn="l" defTabSz="914400" rtl="0" eaLnBrk="1" latinLnBrk="0" hangingPunct="1">
-              <a:lnSpc>
-                <a:spcPct val="90000"/>
-              </a:lnSpc>
-              <a:spcBef>
-                <a:spcPts val="500"/>
-              </a:spcBef>
-              <a:buFont typeface="Arial" panose="020B0604020202020204" pitchFamily="34" charset="0"/>
-              <a:buChar char="•"/>
-              <a:defRPr sz="1800" kern="1200">
-                <a:solidFill>
-                  <a:schemeClr val="tx1"/>
-                </a:solidFill>
-                <a:latin typeface="+mn-lt"/>
-                <a:ea typeface="+mn-ea"/>
-                <a:cs typeface="+mn-cs"/>
-              </a:defRPr>
-            </a:lvl5pPr>
-            <a:lvl6pPr marL="2514600" indent="-228600" algn="l" defTabSz="914400" rtl="0" eaLnBrk="1" latinLnBrk="0" hangingPunct="1">
-              <a:lnSpc>
-                <a:spcPct val="90000"/>
-              </a:lnSpc>
-              <a:spcBef>
-                <a:spcPts val="500"/>
-              </a:spcBef>
-              <a:buFont typeface="Arial" panose="020B0604020202020204" pitchFamily="34" charset="0"/>
-              <a:buChar char="•"/>
-              <a:defRPr sz="1800" kern="1200">
-                <a:solidFill>
-                  <a:schemeClr val="tx1"/>
-                </a:solidFill>
-                <a:latin typeface="+mn-lt"/>
-                <a:ea typeface="+mn-ea"/>
-                <a:cs typeface="+mn-cs"/>
-              </a:defRPr>
-            </a:lvl6pPr>
-            <a:lvl7pPr marL="2971800" indent="-228600" algn="l" defTabSz="914400" rtl="0" eaLnBrk="1" latinLnBrk="0" hangingPunct="1">
-              <a:lnSpc>
-                <a:spcPct val="90000"/>
-              </a:lnSpc>
-              <a:spcBef>
-                <a:spcPts val="500"/>
-              </a:spcBef>
-              <a:buFont typeface="Arial" panose="020B0604020202020204" pitchFamily="34" charset="0"/>
-              <a:buChar char="•"/>
-              <a:defRPr sz="1800" kern="1200">
-                <a:solidFill>
-                  <a:schemeClr val="tx1"/>
-                </a:solidFill>
-                <a:latin typeface="+mn-lt"/>
-                <a:ea typeface="+mn-ea"/>
-                <a:cs typeface="+mn-cs"/>
-              </a:defRPr>
-            </a:lvl7pPr>
-            <a:lvl8pPr marL="3429000" indent="-228600" algn="l" defTabSz="914400" rtl="0" eaLnBrk="1" latinLnBrk="0" hangingPunct="1">
-              <a:lnSpc>
-                <a:spcPct val="90000"/>
-              </a:lnSpc>
-              <a:spcBef>
-                <a:spcPts val="500"/>
-              </a:spcBef>
-              <a:buFont typeface="Arial" panose="020B0604020202020204" pitchFamily="34" charset="0"/>
-              <a:buChar char="•"/>
-              <a:defRPr sz="1800" kern="1200">
-                <a:solidFill>
-                  <a:schemeClr val="tx1"/>
-                </a:solidFill>
-                <a:latin typeface="+mn-lt"/>
-                <a:ea typeface="+mn-ea"/>
-                <a:cs typeface="+mn-cs"/>
-              </a:defRPr>
-            </a:lvl8pPr>
-            <a:lvl9pPr marL="3886200" indent="-228600" algn="l" defTabSz="914400" rtl="0" eaLnBrk="1" latinLnBrk="0" hangingPunct="1">
-              <a:lnSpc>
-                <a:spcPct val="90000"/>
-              </a:lnSpc>
-              <a:spcBef>
-                <a:spcPts val="500"/>
-              </a:spcBef>
-              <a:buFont typeface="Arial" panose="020B0604020202020204" pitchFamily="34" charset="0"/>
-              <a:buChar char="•"/>
-              <a:defRPr sz="1800" kern="1200">
-                <a:solidFill>
-                  <a:schemeClr val="tx1"/>
-                </a:solidFill>
-                <a:latin typeface="+mn-lt"/>
-                <a:ea typeface="+mn-ea"/>
-                <a:cs typeface="+mn-cs"/>
-              </a:defRPr>
-            </a:lvl9pPr>
-          </a:lstStyle>
-          <a:p>
-            <a:r>
-              <a:rPr lang="pt-BR" dirty="0" smtClean="0"/>
-              <a:t> 2, 2;</a:t>
-            </a:r>
-          </a:p>
-          <a:p>
-            <a:r>
-              <a:rPr lang="pt-BR" dirty="0" smtClean="0"/>
-              <a:t> 1, 2;</a:t>
-            </a:r>
-          </a:p>
-          <a:p>
-            <a:r>
-              <a:rPr lang="pt-BR" dirty="0" smtClean="0"/>
-              <a:t> 0, 5;</a:t>
-            </a:r>
-          </a:p>
-          <a:p>
-            <a:r>
-              <a:rPr lang="pt-BR" dirty="0" smtClean="0"/>
-              <a:t> -5, 1;</a:t>
-            </a:r>
-          </a:p>
-          <a:p>
-            <a:r>
-              <a:rPr lang="pt-BR" dirty="0" smtClean="0"/>
-              <a:t> 9000000000, 1;</a:t>
-            </a:r>
-          </a:p>
-          <a:p>
-            <a:r>
-              <a:rPr lang="pt-BR" dirty="0" smtClean="0"/>
-              <a:t> A, 5;</a:t>
-            </a:r>
-          </a:p>
-          <a:p>
-            <a:r>
-              <a:rPr lang="pt-BR" b="1" dirty="0" smtClean="0"/>
-              <a:t> □</a:t>
-            </a:r>
-            <a:r>
-              <a:rPr lang="pt-BR" sz="2400" dirty="0" smtClean="0"/>
-              <a:t>�</a:t>
-            </a:r>
-            <a:r>
-              <a:rPr lang="pt-BR" sz="2400" b="1" dirty="0" smtClean="0"/>
-              <a:t>◊</a:t>
-            </a:r>
-            <a:r>
-              <a:rPr lang="pt-BR" dirty="0" smtClean="0"/>
-              <a:t>, 2;</a:t>
-            </a:r>
-          </a:p>
-          <a:p>
-            <a:endParaRPr lang="pt-BR" dirty="0"/>
-          </a:p>
-        </p:txBody>
-      </p:sp>
-      <p:sp>
-        <p:nvSpPr>
-          <p:cNvPr id="8" name="CaixaDeTexto 7"/>
-          <p:cNvSpPr txBox="1"/>
-          <p:nvPr/>
-        </p:nvSpPr>
-        <p:spPr>
-          <a:xfrm>
-            <a:off x="837916" y="5887308"/>
-            <a:ext cx="4612929" cy="400110"/>
+            <a:off x="933450" y="1674463"/>
+            <a:ext cx="10420350" cy="4339650"/>
           </a:xfrm>
           <a:prstGeom prst="rect">
             <a:avLst/>
@@ -4150,23 +3690,91 @@
           <a:noFill/>
         </p:spPr>
         <p:txBody>
-          <a:bodyPr wrap="none" rtlCol="0">
+          <a:bodyPr wrap="square" rtlCol="0">
             <a:spAutoFit/>
           </a:bodyPr>
           <a:lstStyle/>
           <a:p>
-            <a:r>
-              <a:rPr lang="pt-BR" sz="2000" i="1" dirty="0" smtClean="0"/>
-              <a:t>Imagem 4 - Exemplo de unidade para teste</a:t>
-            </a:r>
-            <a:endParaRPr lang="pt-BR" sz="2000" i="1" dirty="0"/>
+            <a:pPr marL="342900" indent="-342900">
+              <a:lnSpc>
+                <a:spcPct val="200000"/>
+              </a:lnSpc>
+              <a:buFont typeface="Arial" panose="020B0604020202020204" pitchFamily="34" charset="0"/>
+              <a:buChar char="•"/>
+            </a:pPr>
+            <a:r>
+              <a:rPr lang="pt-BR" sz="2400" dirty="0" smtClean="0"/>
+              <a:t>Documentação</a:t>
+            </a:r>
+          </a:p>
+          <a:p>
+            <a:pPr marL="800100" lvl="1" indent="-342900">
+              <a:lnSpc>
+                <a:spcPct val="200000"/>
+              </a:lnSpc>
+              <a:buFont typeface="Arial" panose="020B0604020202020204" pitchFamily="34" charset="0"/>
+              <a:buChar char="•"/>
+            </a:pPr>
+            <a:r>
+              <a:rPr lang="pt-BR" sz="2400" dirty="0" smtClean="0"/>
+              <a:t>Word</a:t>
+            </a:r>
+          </a:p>
+          <a:p>
+            <a:pPr marL="800100" lvl="1" indent="-342900">
+              <a:lnSpc>
+                <a:spcPct val="200000"/>
+              </a:lnSpc>
+              <a:buFont typeface="Arial" panose="020B0604020202020204" pitchFamily="34" charset="0"/>
+              <a:buChar char="•"/>
+            </a:pPr>
+            <a:r>
+              <a:rPr lang="pt-BR" sz="2400" dirty="0" smtClean="0"/>
+              <a:t>Astah, Axure </a:t>
+            </a:r>
+          </a:p>
+          <a:p>
+            <a:pPr marL="342900" indent="-342900">
+              <a:lnSpc>
+                <a:spcPct val="200000"/>
+              </a:lnSpc>
+              <a:buFont typeface="Arial" panose="020B0604020202020204" pitchFamily="34" charset="0"/>
+              <a:buChar char="•"/>
+            </a:pPr>
+            <a:r>
+              <a:rPr lang="pt-BR" sz="2400" dirty="0" smtClean="0"/>
+              <a:t>Outras ferramentas</a:t>
+            </a:r>
+          </a:p>
+          <a:p>
+            <a:pPr marL="800100" lvl="1" indent="-342900">
+              <a:lnSpc>
+                <a:spcPct val="200000"/>
+              </a:lnSpc>
+              <a:buFont typeface="Arial" panose="020B0604020202020204" pitchFamily="34" charset="0"/>
+              <a:buChar char="•"/>
+            </a:pPr>
+            <a:r>
+              <a:rPr lang="pt-BR" sz="2400" dirty="0" smtClean="0"/>
+              <a:t>Photoshop</a:t>
+            </a:r>
+          </a:p>
+          <a:p>
+            <a:pPr marL="342900" indent="-342900">
+              <a:lnSpc>
+                <a:spcPct val="150000"/>
+              </a:lnSpc>
+              <a:buFont typeface="Arial" panose="020B0604020202020204" pitchFamily="34" charset="0"/>
+              <a:buChar char="•"/>
+            </a:pPr>
+            <a:endParaRPr lang="pt-BR" sz="2400" dirty="0" smtClean="0"/>
           </a:p>
         </p:txBody>
       </p:sp>
     </p:spTree>
     <p:extLst>
       <p:ext uri="{BB962C8B-B14F-4D97-AF65-F5344CB8AC3E}">
-        <p14:creationId xmlns:p14="http://schemas.microsoft.com/office/powerpoint/2010/main" val="3350571508"/>
+        <p14:creationId xmlns:p14="http://schemas.microsoft.com/office/powerpoint/2010/main" val="2341977287"/>
       </p:ext>
     </p:extLst>
   </p:cSld>
@@ -4216,6 +3824,1122 @@
       </p:grpSpPr>
       <p:sp>
         <p:nvSpPr>
+          <p:cNvPr id="3" name="Título 1"/>
+          <p:cNvSpPr txBox="1">
+            <a:spLocks/>
+          </p:cNvSpPr>
+          <p:nvPr/>
+        </p:nvSpPr>
+        <p:spPr>
+          <a:xfrm>
+            <a:off x="933450" y="438149"/>
+            <a:ext cx="8143875" cy="723901"/>
+          </a:xfrm>
+          <a:prstGeom prst="rect">
+            <a:avLst/>
+          </a:prstGeom>
+        </p:spPr>
+        <p:txBody>
+          <a:bodyPr vert="horz" lIns="91440" tIns="45720" rIns="91440" bIns="45720" rtlCol="0" anchor="t">
+            <a:normAutofit/>
+          </a:bodyPr>
+          <a:lstStyle>
+            <a:lvl1pPr algn="ctr" defTabSz="914400" rtl="0" eaLnBrk="1" latinLnBrk="0" hangingPunct="1">
+              <a:lnSpc>
+                <a:spcPct val="90000"/>
+              </a:lnSpc>
+              <a:spcBef>
+                <a:spcPct val="0"/>
+              </a:spcBef>
+              <a:buNone/>
+              <a:defRPr sz="6000" kern="1200">
+                <a:solidFill>
+                  <a:schemeClr val="tx1"/>
+                </a:solidFill>
+                <a:latin typeface="+mj-lt"/>
+                <a:ea typeface="+mj-ea"/>
+                <a:cs typeface="+mj-cs"/>
+              </a:defRPr>
+            </a:lvl1pPr>
+          </a:lstStyle>
+          <a:p>
+            <a:pPr algn="l"/>
+            <a:r>
+              <a:rPr lang="pt-BR" sz="2800" b="1" dirty="0" smtClean="0">
+                <a:solidFill>
+                  <a:schemeClr val="bg1"/>
+                </a:solidFill>
+                <a:latin typeface="+mn-lt"/>
+              </a:rPr>
+              <a:t>Diagrama de Atividade</a:t>
+            </a:r>
+          </a:p>
+          <a:p>
+            <a:pPr algn="l"/>
+            <a:endParaRPr lang="pt-BR" sz="2800" b="1" dirty="0" smtClean="0">
+              <a:solidFill>
+                <a:schemeClr val="bg1"/>
+              </a:solidFill>
+              <a:latin typeface="+mn-lt"/>
+            </a:endParaRPr>
+          </a:p>
+          <a:p>
+            <a:pPr algn="l"/>
+            <a:endParaRPr lang="pt-BR" sz="2800" b="1" dirty="0">
+              <a:solidFill>
+                <a:schemeClr val="bg1"/>
+              </a:solidFill>
+              <a:latin typeface="+mn-lt"/>
+            </a:endParaRPr>
+          </a:p>
+        </p:txBody>
+      </p:sp>
+      <p:sp>
+        <p:nvSpPr>
+          <p:cNvPr id="4" name="Espaço Reservado para Número de Slide 3"/>
+          <p:cNvSpPr>
+            <a:spLocks noGrp="1"/>
+          </p:cNvSpPr>
+          <p:nvPr>
+            <p:ph type="sldNum" sz="quarter" idx="12"/>
+          </p:nvPr>
+        </p:nvSpPr>
+        <p:spPr/>
+        <p:txBody>
+          <a:bodyPr/>
+          <a:lstStyle/>
+          <a:p>
+            <a:fld id="{8FF781A6-F80B-4B0C-B3D7-F58C07AF8613}" type="slidenum">
+              <a:rPr lang="pt-BR" sz="2400" smtClean="0"/>
+              <a:t>11</a:t>
+            </a:fld>
+            <a:endParaRPr lang="pt-BR" sz="2400" dirty="0"/>
+          </a:p>
+        </p:txBody>
+      </p:sp>
+      <p:pic>
+        <p:nvPicPr>
+          <p:cNvPr id="7" name="Imagem 6"/>
+          <p:cNvPicPr>
+            <a:picLocks noChangeAspect="1"/>
+          </p:cNvPicPr>
+          <p:nvPr/>
+        </p:nvPicPr>
+        <p:blipFill>
+          <a:blip r:embed="rId3">
+            <a:extLst>
+              <a:ext uri="{28A0092B-C50C-407E-A947-70E740481C1C}">
+                <a14:useLocalDpi xmlns:a14="http://schemas.microsoft.com/office/drawing/2010/main" val="0"/>
+              </a:ext>
+            </a:extLst>
+          </a:blip>
+          <a:stretch>
+            <a:fillRect/>
+          </a:stretch>
+        </p:blipFill>
+        <p:spPr>
+          <a:xfrm>
+            <a:off x="0" y="1162050"/>
+            <a:ext cx="12192136" cy="5695950"/>
+          </a:xfrm>
+          <a:prstGeom prst="rect">
+            <a:avLst/>
+          </a:prstGeom>
+        </p:spPr>
+      </p:pic>
+    </p:spTree>
+    <p:extLst>
+      <p:ext uri="{BB962C8B-B14F-4D97-AF65-F5344CB8AC3E}">
+        <p14:creationId xmlns:p14="http://schemas.microsoft.com/office/powerpoint/2010/main" val="2854061116"/>
+      </p:ext>
+    </p:extLst>
+  </p:cSld>
+  <p:clrMapOvr>
+    <a:masterClrMapping/>
+  </p:clrMapOvr>
+  <p:timing>
+    <p:tnLst>
+      <p:par>
+        <p:cTn id="1" dur="indefinite" restart="never" nodeType="tmRoot"/>
+      </p:par>
+    </p:tnLst>
+  </p:timing>
+</p:sld>
+</file>
+
+<file path=ppt/slides/slide12.xml><?xml version="1.0" encoding="utf-8"?>
+<p:sld xmlns:a="http://schemas.openxmlformats.org/drawingml/2006/main" xmlns:r="http://schemas.openxmlformats.org/officeDocument/2006/relationships" xmlns:p="http://schemas.openxmlformats.org/presentationml/2006/main">
+  <p:cSld>
+    <p:bg>
+      <p:bgPr>
+        <a:blipFill dpi="0" rotWithShape="1">
+          <a:blip r:embed="rId2">
+            <a:lum/>
+          </a:blip>
+          <a:srcRect/>
+          <a:stretch>
+            <a:fillRect/>
+          </a:stretch>
+        </a:blipFill>
+        <a:effectLst/>
+      </p:bgPr>
+    </p:bg>
+    <p:spTree>
+      <p:nvGrpSpPr>
+        <p:cNvPr id="1" name=""/>
+        <p:cNvGrpSpPr/>
+        <p:nvPr/>
+      </p:nvGrpSpPr>
+      <p:grpSpPr>
+        <a:xfrm>
+          <a:off x="0" y="0"/>
+          <a:ext cx="0" cy="0"/>
+          <a:chOff x="0" y="0"/>
+          <a:chExt cx="0" cy="0"/>
+        </a:xfrm>
+      </p:grpSpPr>
+      <p:sp>
+        <p:nvSpPr>
+          <p:cNvPr id="3" name="Título 1"/>
+          <p:cNvSpPr txBox="1">
+            <a:spLocks/>
+          </p:cNvSpPr>
+          <p:nvPr/>
+        </p:nvSpPr>
+        <p:spPr>
+          <a:xfrm>
+            <a:off x="933450" y="438149"/>
+            <a:ext cx="8143875" cy="723901"/>
+          </a:xfrm>
+          <a:prstGeom prst="rect">
+            <a:avLst/>
+          </a:prstGeom>
+        </p:spPr>
+        <p:txBody>
+          <a:bodyPr vert="horz" lIns="91440" tIns="45720" rIns="91440" bIns="45720" rtlCol="0" anchor="t">
+            <a:normAutofit/>
+          </a:bodyPr>
+          <a:lstStyle>
+            <a:lvl1pPr algn="ctr" defTabSz="914400" rtl="0" eaLnBrk="1" latinLnBrk="0" hangingPunct="1">
+              <a:lnSpc>
+                <a:spcPct val="90000"/>
+              </a:lnSpc>
+              <a:spcBef>
+                <a:spcPct val="0"/>
+              </a:spcBef>
+              <a:buNone/>
+              <a:defRPr sz="6000" kern="1200">
+                <a:solidFill>
+                  <a:schemeClr val="tx1"/>
+                </a:solidFill>
+                <a:latin typeface="+mj-lt"/>
+                <a:ea typeface="+mj-ea"/>
+                <a:cs typeface="+mj-cs"/>
+              </a:defRPr>
+            </a:lvl1pPr>
+          </a:lstStyle>
+          <a:p>
+            <a:pPr algn="l"/>
+            <a:r>
+              <a:rPr lang="pt-BR" sz="2800" b="1" dirty="0" smtClean="0">
+                <a:solidFill>
+                  <a:schemeClr val="bg1"/>
+                </a:solidFill>
+                <a:latin typeface="+mn-lt"/>
+              </a:rPr>
+              <a:t>Material</a:t>
+            </a:r>
+          </a:p>
+          <a:p>
+            <a:pPr algn="l"/>
+            <a:endParaRPr lang="pt-BR" sz="2800" b="1" dirty="0">
+              <a:solidFill>
+                <a:schemeClr val="bg1"/>
+              </a:solidFill>
+              <a:latin typeface="+mn-lt"/>
+            </a:endParaRPr>
+          </a:p>
+        </p:txBody>
+      </p:sp>
+      <p:sp>
+        <p:nvSpPr>
+          <p:cNvPr id="4" name="Espaço Reservado para Número de Slide 3"/>
+          <p:cNvSpPr>
+            <a:spLocks noGrp="1"/>
+          </p:cNvSpPr>
+          <p:nvPr>
+            <p:ph type="sldNum" sz="quarter" idx="12"/>
+          </p:nvPr>
+        </p:nvSpPr>
+        <p:spPr/>
+        <p:txBody>
+          <a:bodyPr/>
+          <a:lstStyle/>
+          <a:p>
+            <a:fld id="{8FF781A6-F80B-4B0C-B3D7-F58C07AF8613}" type="slidenum">
+              <a:rPr lang="pt-BR" sz="2400" smtClean="0"/>
+              <a:t>12</a:t>
+            </a:fld>
+            <a:endParaRPr lang="pt-BR" sz="2400" dirty="0"/>
+          </a:p>
+        </p:txBody>
+      </p:sp>
+      <p:sp>
+        <p:nvSpPr>
+          <p:cNvPr id="5" name="CaixaDeTexto 4"/>
+          <p:cNvSpPr txBox="1"/>
+          <p:nvPr/>
+        </p:nvSpPr>
+        <p:spPr>
+          <a:xfrm>
+            <a:off x="933450" y="1674463"/>
+            <a:ext cx="10420350" cy="4339650"/>
+          </a:xfrm>
+          <a:prstGeom prst="rect">
+            <a:avLst/>
+          </a:prstGeom>
+          <a:noFill/>
+        </p:spPr>
+        <p:txBody>
+          <a:bodyPr wrap="square" rtlCol="0">
+            <a:spAutoFit/>
+          </a:bodyPr>
+          <a:lstStyle/>
+          <a:p>
+            <a:pPr marL="342900" indent="-342900">
+              <a:lnSpc>
+                <a:spcPct val="200000"/>
+              </a:lnSpc>
+              <a:buFont typeface="Arial" panose="020B0604020202020204" pitchFamily="34" charset="0"/>
+              <a:buChar char="•"/>
+            </a:pPr>
+            <a:r>
+              <a:rPr lang="pt-BR" sz="2400" dirty="0" smtClean="0"/>
+              <a:t>Documentação</a:t>
+            </a:r>
+          </a:p>
+          <a:p>
+            <a:pPr marL="800100" lvl="1" indent="-342900">
+              <a:lnSpc>
+                <a:spcPct val="200000"/>
+              </a:lnSpc>
+              <a:buFont typeface="Arial" panose="020B0604020202020204" pitchFamily="34" charset="0"/>
+              <a:buChar char="•"/>
+            </a:pPr>
+            <a:r>
+              <a:rPr lang="pt-BR" sz="2400" dirty="0" smtClean="0"/>
+              <a:t>Word</a:t>
+            </a:r>
+          </a:p>
+          <a:p>
+            <a:pPr marL="800100" lvl="1" indent="-342900">
+              <a:lnSpc>
+                <a:spcPct val="200000"/>
+              </a:lnSpc>
+              <a:buFont typeface="Arial" panose="020B0604020202020204" pitchFamily="34" charset="0"/>
+              <a:buChar char="•"/>
+            </a:pPr>
+            <a:r>
+              <a:rPr lang="pt-BR" sz="2400" dirty="0" smtClean="0"/>
+              <a:t>Astah, Axure </a:t>
+            </a:r>
+          </a:p>
+          <a:p>
+            <a:pPr marL="342900" indent="-342900">
+              <a:lnSpc>
+                <a:spcPct val="200000"/>
+              </a:lnSpc>
+              <a:buFont typeface="Arial" panose="020B0604020202020204" pitchFamily="34" charset="0"/>
+              <a:buChar char="•"/>
+            </a:pPr>
+            <a:r>
+              <a:rPr lang="pt-BR" sz="2400" dirty="0" smtClean="0"/>
+              <a:t>Outras ferramentas</a:t>
+            </a:r>
+          </a:p>
+          <a:p>
+            <a:pPr marL="800100" lvl="1" indent="-342900">
+              <a:lnSpc>
+                <a:spcPct val="200000"/>
+              </a:lnSpc>
+              <a:buFont typeface="Arial" panose="020B0604020202020204" pitchFamily="34" charset="0"/>
+              <a:buChar char="•"/>
+            </a:pPr>
+            <a:r>
+              <a:rPr lang="pt-BR" sz="2400" dirty="0" smtClean="0"/>
+              <a:t>Photoshop</a:t>
+            </a:r>
+          </a:p>
+          <a:p>
+            <a:pPr marL="342900" indent="-342900">
+              <a:lnSpc>
+                <a:spcPct val="150000"/>
+              </a:lnSpc>
+              <a:buFont typeface="Arial" panose="020B0604020202020204" pitchFamily="34" charset="0"/>
+              <a:buChar char="•"/>
+            </a:pPr>
+            <a:endParaRPr lang="pt-BR" sz="2400" dirty="0" smtClean="0"/>
+          </a:p>
+        </p:txBody>
+      </p:sp>
+    </p:spTree>
+    <p:extLst>
+      <p:ext uri="{BB962C8B-B14F-4D97-AF65-F5344CB8AC3E}">
+        <p14:creationId xmlns:p14="http://schemas.microsoft.com/office/powerpoint/2010/main" val="2820680347"/>
+      </p:ext>
+    </p:extLst>
+  </p:cSld>
+  <p:clrMapOvr>
+    <a:masterClrMapping/>
+  </p:clrMapOvr>
+  <p:timing>
+    <p:tnLst>
+      <p:par>
+        <p:cTn id="1" dur="indefinite" restart="never" nodeType="tmRoot"/>
+      </p:par>
+    </p:tnLst>
+  </p:timing>
+</p:sld>
+</file>
+
+<file path=ppt/slides/slide13.xml><?xml version="1.0" encoding="utf-8"?>
+<p:sld xmlns:a="http://schemas.openxmlformats.org/drawingml/2006/main" xmlns:r="http://schemas.openxmlformats.org/officeDocument/2006/relationships" xmlns:p="http://schemas.openxmlformats.org/presentationml/2006/main">
+  <p:cSld>
+    <p:bg>
+      <p:bgPr>
+        <a:blipFill dpi="0" rotWithShape="1">
+          <a:blip r:embed="rId2">
+            <a:lum/>
+          </a:blip>
+          <a:srcRect/>
+          <a:stretch>
+            <a:fillRect/>
+          </a:stretch>
+        </a:blipFill>
+        <a:effectLst/>
+      </p:bgPr>
+    </p:bg>
+    <p:spTree>
+      <p:nvGrpSpPr>
+        <p:cNvPr id="1" name=""/>
+        <p:cNvGrpSpPr/>
+        <p:nvPr/>
+      </p:nvGrpSpPr>
+      <p:grpSpPr>
+        <a:xfrm>
+          <a:off x="0" y="0"/>
+          <a:ext cx="0" cy="0"/>
+          <a:chOff x="0" y="0"/>
+          <a:chExt cx="0" cy="0"/>
+        </a:xfrm>
+      </p:grpSpPr>
+      <p:sp>
+        <p:nvSpPr>
+          <p:cNvPr id="3" name="Título 1"/>
+          <p:cNvSpPr txBox="1">
+            <a:spLocks/>
+          </p:cNvSpPr>
+          <p:nvPr/>
+        </p:nvSpPr>
+        <p:spPr>
+          <a:xfrm>
+            <a:off x="933450" y="438149"/>
+            <a:ext cx="8143875" cy="723901"/>
+          </a:xfrm>
+          <a:prstGeom prst="rect">
+            <a:avLst/>
+          </a:prstGeom>
+        </p:spPr>
+        <p:txBody>
+          <a:bodyPr vert="horz" lIns="91440" tIns="45720" rIns="91440" bIns="45720" rtlCol="0" anchor="t">
+            <a:normAutofit/>
+          </a:bodyPr>
+          <a:lstStyle>
+            <a:lvl1pPr algn="ctr" defTabSz="914400" rtl="0" eaLnBrk="1" latinLnBrk="0" hangingPunct="1">
+              <a:lnSpc>
+                <a:spcPct val="90000"/>
+              </a:lnSpc>
+              <a:spcBef>
+                <a:spcPct val="0"/>
+              </a:spcBef>
+              <a:buNone/>
+              <a:defRPr sz="6000" kern="1200">
+                <a:solidFill>
+                  <a:schemeClr val="tx1"/>
+                </a:solidFill>
+                <a:latin typeface="+mj-lt"/>
+                <a:ea typeface="+mj-ea"/>
+                <a:cs typeface="+mj-cs"/>
+              </a:defRPr>
+            </a:lvl1pPr>
+          </a:lstStyle>
+          <a:p>
+            <a:pPr algn="l"/>
+            <a:r>
+              <a:rPr lang="pt-BR" sz="2800" b="1" dirty="0" smtClean="0">
+                <a:solidFill>
+                  <a:schemeClr val="bg1"/>
+                </a:solidFill>
+                <a:latin typeface="+mn-lt"/>
+              </a:rPr>
+              <a:t>Material</a:t>
+            </a:r>
+          </a:p>
+          <a:p>
+            <a:pPr algn="l"/>
+            <a:endParaRPr lang="pt-BR" sz="2800" b="1" dirty="0">
+              <a:solidFill>
+                <a:schemeClr val="bg1"/>
+              </a:solidFill>
+              <a:latin typeface="+mn-lt"/>
+            </a:endParaRPr>
+          </a:p>
+        </p:txBody>
+      </p:sp>
+      <p:sp>
+        <p:nvSpPr>
+          <p:cNvPr id="4" name="Espaço Reservado para Número de Slide 3"/>
+          <p:cNvSpPr>
+            <a:spLocks noGrp="1"/>
+          </p:cNvSpPr>
+          <p:nvPr>
+            <p:ph type="sldNum" sz="quarter" idx="12"/>
+          </p:nvPr>
+        </p:nvSpPr>
+        <p:spPr/>
+        <p:txBody>
+          <a:bodyPr/>
+          <a:lstStyle/>
+          <a:p>
+            <a:fld id="{8FF781A6-F80B-4B0C-B3D7-F58C07AF8613}" type="slidenum">
+              <a:rPr lang="pt-BR" sz="2400" smtClean="0"/>
+              <a:t>13</a:t>
+            </a:fld>
+            <a:endParaRPr lang="pt-BR" sz="2400" dirty="0"/>
+          </a:p>
+        </p:txBody>
+      </p:sp>
+      <p:sp>
+        <p:nvSpPr>
+          <p:cNvPr id="5" name="CaixaDeTexto 4"/>
+          <p:cNvSpPr txBox="1"/>
+          <p:nvPr/>
+        </p:nvSpPr>
+        <p:spPr>
+          <a:xfrm>
+            <a:off x="933450" y="1674463"/>
+            <a:ext cx="10420350" cy="4339650"/>
+          </a:xfrm>
+          <a:prstGeom prst="rect">
+            <a:avLst/>
+          </a:prstGeom>
+          <a:noFill/>
+        </p:spPr>
+        <p:txBody>
+          <a:bodyPr wrap="square" rtlCol="0">
+            <a:spAutoFit/>
+          </a:bodyPr>
+          <a:lstStyle/>
+          <a:p>
+            <a:pPr marL="342900" indent="-342900">
+              <a:lnSpc>
+                <a:spcPct val="200000"/>
+              </a:lnSpc>
+              <a:buFont typeface="Arial" panose="020B0604020202020204" pitchFamily="34" charset="0"/>
+              <a:buChar char="•"/>
+            </a:pPr>
+            <a:r>
+              <a:rPr lang="pt-BR" sz="2400" dirty="0" smtClean="0"/>
+              <a:t>Documentação</a:t>
+            </a:r>
+          </a:p>
+          <a:p>
+            <a:pPr marL="800100" lvl="1" indent="-342900">
+              <a:lnSpc>
+                <a:spcPct val="200000"/>
+              </a:lnSpc>
+              <a:buFont typeface="Arial" panose="020B0604020202020204" pitchFamily="34" charset="0"/>
+              <a:buChar char="•"/>
+            </a:pPr>
+            <a:r>
+              <a:rPr lang="pt-BR" sz="2400" dirty="0" smtClean="0"/>
+              <a:t>Word</a:t>
+            </a:r>
+          </a:p>
+          <a:p>
+            <a:pPr marL="800100" lvl="1" indent="-342900">
+              <a:lnSpc>
+                <a:spcPct val="200000"/>
+              </a:lnSpc>
+              <a:buFont typeface="Arial" panose="020B0604020202020204" pitchFamily="34" charset="0"/>
+              <a:buChar char="•"/>
+            </a:pPr>
+            <a:r>
+              <a:rPr lang="pt-BR" sz="2400" dirty="0" smtClean="0"/>
+              <a:t>Astah, Axure </a:t>
+            </a:r>
+          </a:p>
+          <a:p>
+            <a:pPr marL="342900" indent="-342900">
+              <a:lnSpc>
+                <a:spcPct val="200000"/>
+              </a:lnSpc>
+              <a:buFont typeface="Arial" panose="020B0604020202020204" pitchFamily="34" charset="0"/>
+              <a:buChar char="•"/>
+            </a:pPr>
+            <a:r>
+              <a:rPr lang="pt-BR" sz="2400" dirty="0" smtClean="0"/>
+              <a:t>Outras ferramentas</a:t>
+            </a:r>
+          </a:p>
+          <a:p>
+            <a:pPr marL="800100" lvl="1" indent="-342900">
+              <a:lnSpc>
+                <a:spcPct val="200000"/>
+              </a:lnSpc>
+              <a:buFont typeface="Arial" panose="020B0604020202020204" pitchFamily="34" charset="0"/>
+              <a:buChar char="•"/>
+            </a:pPr>
+            <a:r>
+              <a:rPr lang="pt-BR" sz="2400" dirty="0" smtClean="0"/>
+              <a:t>Photoshop</a:t>
+            </a:r>
+          </a:p>
+          <a:p>
+            <a:pPr marL="342900" indent="-342900">
+              <a:lnSpc>
+                <a:spcPct val="150000"/>
+              </a:lnSpc>
+              <a:buFont typeface="Arial" panose="020B0604020202020204" pitchFamily="34" charset="0"/>
+              <a:buChar char="•"/>
+            </a:pPr>
+            <a:endParaRPr lang="pt-BR" sz="2400" dirty="0" smtClean="0"/>
+          </a:p>
+        </p:txBody>
+      </p:sp>
+    </p:spTree>
+    <p:extLst>
+      <p:ext uri="{BB962C8B-B14F-4D97-AF65-F5344CB8AC3E}">
+        <p14:creationId xmlns:p14="http://schemas.microsoft.com/office/powerpoint/2010/main" val="3125425066"/>
+      </p:ext>
+    </p:extLst>
+  </p:cSld>
+  <p:clrMapOvr>
+    <a:masterClrMapping/>
+  </p:clrMapOvr>
+  <p:timing>
+    <p:tnLst>
+      <p:par>
+        <p:cTn id="1" dur="indefinite" restart="never" nodeType="tmRoot"/>
+      </p:par>
+    </p:tnLst>
+  </p:timing>
+</p:sld>
+</file>
+
+<file path=ppt/slides/slide14.xml><?xml version="1.0" encoding="utf-8"?>
+<p:sld xmlns:a="http://schemas.openxmlformats.org/drawingml/2006/main" xmlns:r="http://schemas.openxmlformats.org/officeDocument/2006/relationships" xmlns:p="http://schemas.openxmlformats.org/presentationml/2006/main">
+  <p:cSld>
+    <p:bg>
+      <p:bgPr>
+        <a:blipFill dpi="0" rotWithShape="1">
+          <a:blip r:embed="rId2">
+            <a:lum/>
+          </a:blip>
+          <a:srcRect/>
+          <a:stretch>
+            <a:fillRect/>
+          </a:stretch>
+        </a:blipFill>
+        <a:effectLst/>
+      </p:bgPr>
+    </p:bg>
+    <p:spTree>
+      <p:nvGrpSpPr>
+        <p:cNvPr id="1" name=""/>
+        <p:cNvGrpSpPr/>
+        <p:nvPr/>
+      </p:nvGrpSpPr>
+      <p:grpSpPr>
+        <a:xfrm>
+          <a:off x="0" y="0"/>
+          <a:ext cx="0" cy="0"/>
+          <a:chOff x="0" y="0"/>
+          <a:chExt cx="0" cy="0"/>
+        </a:xfrm>
+      </p:grpSpPr>
+      <p:sp>
+        <p:nvSpPr>
+          <p:cNvPr id="3" name="Título 1"/>
+          <p:cNvSpPr txBox="1">
+            <a:spLocks/>
+          </p:cNvSpPr>
+          <p:nvPr/>
+        </p:nvSpPr>
+        <p:spPr>
+          <a:xfrm>
+            <a:off x="933450" y="438149"/>
+            <a:ext cx="8143875" cy="723901"/>
+          </a:xfrm>
+          <a:prstGeom prst="rect">
+            <a:avLst/>
+          </a:prstGeom>
+        </p:spPr>
+        <p:txBody>
+          <a:bodyPr vert="horz" lIns="91440" tIns="45720" rIns="91440" bIns="45720" rtlCol="0" anchor="t">
+            <a:normAutofit/>
+          </a:bodyPr>
+          <a:lstStyle>
+            <a:lvl1pPr algn="ctr" defTabSz="914400" rtl="0" eaLnBrk="1" latinLnBrk="0" hangingPunct="1">
+              <a:lnSpc>
+                <a:spcPct val="90000"/>
+              </a:lnSpc>
+              <a:spcBef>
+                <a:spcPct val="0"/>
+              </a:spcBef>
+              <a:buNone/>
+              <a:defRPr sz="6000" kern="1200">
+                <a:solidFill>
+                  <a:schemeClr val="tx1"/>
+                </a:solidFill>
+                <a:latin typeface="+mj-lt"/>
+                <a:ea typeface="+mj-ea"/>
+                <a:cs typeface="+mj-cs"/>
+              </a:defRPr>
+            </a:lvl1pPr>
+          </a:lstStyle>
+          <a:p>
+            <a:pPr algn="l"/>
+            <a:r>
+              <a:rPr lang="pt-BR" sz="2800" b="1" dirty="0" smtClean="0">
+                <a:solidFill>
+                  <a:schemeClr val="bg1"/>
+                </a:solidFill>
+                <a:latin typeface="+mn-lt"/>
+              </a:rPr>
+              <a:t>Material</a:t>
+            </a:r>
+          </a:p>
+          <a:p>
+            <a:pPr algn="l"/>
+            <a:endParaRPr lang="pt-BR" sz="2800" b="1" dirty="0">
+              <a:solidFill>
+                <a:schemeClr val="bg1"/>
+              </a:solidFill>
+              <a:latin typeface="+mn-lt"/>
+            </a:endParaRPr>
+          </a:p>
+        </p:txBody>
+      </p:sp>
+      <p:sp>
+        <p:nvSpPr>
+          <p:cNvPr id="4" name="Espaço Reservado para Número de Slide 3"/>
+          <p:cNvSpPr>
+            <a:spLocks noGrp="1"/>
+          </p:cNvSpPr>
+          <p:nvPr>
+            <p:ph type="sldNum" sz="quarter" idx="12"/>
+          </p:nvPr>
+        </p:nvSpPr>
+        <p:spPr/>
+        <p:txBody>
+          <a:bodyPr/>
+          <a:lstStyle/>
+          <a:p>
+            <a:fld id="{8FF781A6-F80B-4B0C-B3D7-F58C07AF8613}" type="slidenum">
+              <a:rPr lang="pt-BR" sz="2400" smtClean="0"/>
+              <a:t>14</a:t>
+            </a:fld>
+            <a:endParaRPr lang="pt-BR" sz="2400" dirty="0"/>
+          </a:p>
+        </p:txBody>
+      </p:sp>
+      <p:sp>
+        <p:nvSpPr>
+          <p:cNvPr id="5" name="CaixaDeTexto 4"/>
+          <p:cNvSpPr txBox="1"/>
+          <p:nvPr/>
+        </p:nvSpPr>
+        <p:spPr>
+          <a:xfrm>
+            <a:off x="933450" y="1674463"/>
+            <a:ext cx="10420350" cy="4339650"/>
+          </a:xfrm>
+          <a:prstGeom prst="rect">
+            <a:avLst/>
+          </a:prstGeom>
+          <a:noFill/>
+        </p:spPr>
+        <p:txBody>
+          <a:bodyPr wrap="square" rtlCol="0">
+            <a:spAutoFit/>
+          </a:bodyPr>
+          <a:lstStyle/>
+          <a:p>
+            <a:pPr marL="342900" indent="-342900">
+              <a:lnSpc>
+                <a:spcPct val="200000"/>
+              </a:lnSpc>
+              <a:buFont typeface="Arial" panose="020B0604020202020204" pitchFamily="34" charset="0"/>
+              <a:buChar char="•"/>
+            </a:pPr>
+            <a:r>
+              <a:rPr lang="pt-BR" sz="2400" dirty="0" smtClean="0"/>
+              <a:t>Documentação</a:t>
+            </a:r>
+          </a:p>
+          <a:p>
+            <a:pPr marL="800100" lvl="1" indent="-342900">
+              <a:lnSpc>
+                <a:spcPct val="200000"/>
+              </a:lnSpc>
+              <a:buFont typeface="Arial" panose="020B0604020202020204" pitchFamily="34" charset="0"/>
+              <a:buChar char="•"/>
+            </a:pPr>
+            <a:r>
+              <a:rPr lang="pt-BR" sz="2400" dirty="0" smtClean="0"/>
+              <a:t>Word</a:t>
+            </a:r>
+          </a:p>
+          <a:p>
+            <a:pPr marL="800100" lvl="1" indent="-342900">
+              <a:lnSpc>
+                <a:spcPct val="200000"/>
+              </a:lnSpc>
+              <a:buFont typeface="Arial" panose="020B0604020202020204" pitchFamily="34" charset="0"/>
+              <a:buChar char="•"/>
+            </a:pPr>
+            <a:r>
+              <a:rPr lang="pt-BR" sz="2400" dirty="0" smtClean="0"/>
+              <a:t>Astah, Axure </a:t>
+            </a:r>
+          </a:p>
+          <a:p>
+            <a:pPr marL="342900" indent="-342900">
+              <a:lnSpc>
+                <a:spcPct val="200000"/>
+              </a:lnSpc>
+              <a:buFont typeface="Arial" panose="020B0604020202020204" pitchFamily="34" charset="0"/>
+              <a:buChar char="•"/>
+            </a:pPr>
+            <a:r>
+              <a:rPr lang="pt-BR" sz="2400" dirty="0" smtClean="0"/>
+              <a:t>Outras ferramentas</a:t>
+            </a:r>
+          </a:p>
+          <a:p>
+            <a:pPr marL="800100" lvl="1" indent="-342900">
+              <a:lnSpc>
+                <a:spcPct val="200000"/>
+              </a:lnSpc>
+              <a:buFont typeface="Arial" panose="020B0604020202020204" pitchFamily="34" charset="0"/>
+              <a:buChar char="•"/>
+            </a:pPr>
+            <a:r>
+              <a:rPr lang="pt-BR" sz="2400" dirty="0" smtClean="0"/>
+              <a:t>Photoshop</a:t>
+            </a:r>
+          </a:p>
+          <a:p>
+            <a:pPr marL="342900" indent="-342900">
+              <a:lnSpc>
+                <a:spcPct val="150000"/>
+              </a:lnSpc>
+              <a:buFont typeface="Arial" panose="020B0604020202020204" pitchFamily="34" charset="0"/>
+              <a:buChar char="•"/>
+            </a:pPr>
+            <a:endParaRPr lang="pt-BR" sz="2400" dirty="0" smtClean="0"/>
+          </a:p>
+        </p:txBody>
+      </p:sp>
+    </p:spTree>
+    <p:extLst>
+      <p:ext uri="{BB962C8B-B14F-4D97-AF65-F5344CB8AC3E}">
+        <p14:creationId xmlns:p14="http://schemas.microsoft.com/office/powerpoint/2010/main" val="1875074157"/>
+      </p:ext>
+    </p:extLst>
+  </p:cSld>
+  <p:clrMapOvr>
+    <a:masterClrMapping/>
+  </p:clrMapOvr>
+  <p:timing>
+    <p:tnLst>
+      <p:par>
+        <p:cTn id="1" dur="indefinite" restart="never" nodeType="tmRoot"/>
+      </p:par>
+    </p:tnLst>
+  </p:timing>
+</p:sld>
+</file>
+
+<file path=ppt/slides/slide15.xml><?xml version="1.0" encoding="utf-8"?>
+<p:sld xmlns:a="http://schemas.openxmlformats.org/drawingml/2006/main" xmlns:r="http://schemas.openxmlformats.org/officeDocument/2006/relationships" xmlns:p="http://schemas.openxmlformats.org/presentationml/2006/main">
+  <p:cSld>
+    <p:bg>
+      <p:bgPr>
+        <a:blipFill dpi="0" rotWithShape="1">
+          <a:blip r:embed="rId2">
+            <a:lum/>
+          </a:blip>
+          <a:srcRect/>
+          <a:stretch>
+            <a:fillRect/>
+          </a:stretch>
+        </a:blipFill>
+        <a:effectLst/>
+      </p:bgPr>
+    </p:bg>
+    <p:spTree>
+      <p:nvGrpSpPr>
+        <p:cNvPr id="1" name=""/>
+        <p:cNvGrpSpPr/>
+        <p:nvPr/>
+      </p:nvGrpSpPr>
+      <p:grpSpPr>
+        <a:xfrm>
+          <a:off x="0" y="0"/>
+          <a:ext cx="0" cy="0"/>
+          <a:chOff x="0" y="0"/>
+          <a:chExt cx="0" cy="0"/>
+        </a:xfrm>
+      </p:grpSpPr>
+      <p:sp>
+        <p:nvSpPr>
+          <p:cNvPr id="3" name="Título 1"/>
+          <p:cNvSpPr txBox="1">
+            <a:spLocks/>
+          </p:cNvSpPr>
+          <p:nvPr/>
+        </p:nvSpPr>
+        <p:spPr>
+          <a:xfrm>
+            <a:off x="933450" y="438149"/>
+            <a:ext cx="8143875" cy="723901"/>
+          </a:xfrm>
+          <a:prstGeom prst="rect">
+            <a:avLst/>
+          </a:prstGeom>
+        </p:spPr>
+        <p:txBody>
+          <a:bodyPr vert="horz" lIns="91440" tIns="45720" rIns="91440" bIns="45720" rtlCol="0" anchor="t">
+            <a:normAutofit/>
+          </a:bodyPr>
+          <a:lstStyle>
+            <a:lvl1pPr algn="ctr" defTabSz="914400" rtl="0" eaLnBrk="1" latinLnBrk="0" hangingPunct="1">
+              <a:lnSpc>
+                <a:spcPct val="90000"/>
+              </a:lnSpc>
+              <a:spcBef>
+                <a:spcPct val="0"/>
+              </a:spcBef>
+              <a:buNone/>
+              <a:defRPr sz="6000" kern="1200">
+                <a:solidFill>
+                  <a:schemeClr val="tx1"/>
+                </a:solidFill>
+                <a:latin typeface="+mj-lt"/>
+                <a:ea typeface="+mj-ea"/>
+                <a:cs typeface="+mj-cs"/>
+              </a:defRPr>
+            </a:lvl1pPr>
+          </a:lstStyle>
+          <a:p>
+            <a:pPr algn="l"/>
+            <a:r>
+              <a:rPr lang="pt-BR" sz="2800" b="1" dirty="0" smtClean="0">
+                <a:solidFill>
+                  <a:schemeClr val="bg1"/>
+                </a:solidFill>
+                <a:latin typeface="+mn-lt"/>
+              </a:rPr>
+              <a:t>Material</a:t>
+            </a:r>
+          </a:p>
+          <a:p>
+            <a:pPr algn="l"/>
+            <a:endParaRPr lang="pt-BR" sz="2800" b="1" dirty="0">
+              <a:solidFill>
+                <a:schemeClr val="bg1"/>
+              </a:solidFill>
+              <a:latin typeface="+mn-lt"/>
+            </a:endParaRPr>
+          </a:p>
+        </p:txBody>
+      </p:sp>
+      <p:sp>
+        <p:nvSpPr>
+          <p:cNvPr id="4" name="Espaço Reservado para Número de Slide 3"/>
+          <p:cNvSpPr>
+            <a:spLocks noGrp="1"/>
+          </p:cNvSpPr>
+          <p:nvPr>
+            <p:ph type="sldNum" sz="quarter" idx="12"/>
+          </p:nvPr>
+        </p:nvSpPr>
+        <p:spPr/>
+        <p:txBody>
+          <a:bodyPr/>
+          <a:lstStyle/>
+          <a:p>
+            <a:fld id="{8FF781A6-F80B-4B0C-B3D7-F58C07AF8613}" type="slidenum">
+              <a:rPr lang="pt-BR" sz="2400" smtClean="0"/>
+              <a:t>15</a:t>
+            </a:fld>
+            <a:endParaRPr lang="pt-BR" sz="2400" dirty="0"/>
+          </a:p>
+        </p:txBody>
+      </p:sp>
+      <p:sp>
+        <p:nvSpPr>
+          <p:cNvPr id="5" name="CaixaDeTexto 4"/>
+          <p:cNvSpPr txBox="1"/>
+          <p:nvPr/>
+        </p:nvSpPr>
+        <p:spPr>
+          <a:xfrm>
+            <a:off x="933450" y="1674463"/>
+            <a:ext cx="10420350" cy="4339650"/>
+          </a:xfrm>
+          <a:prstGeom prst="rect">
+            <a:avLst/>
+          </a:prstGeom>
+          <a:noFill/>
+        </p:spPr>
+        <p:txBody>
+          <a:bodyPr wrap="square" rtlCol="0">
+            <a:spAutoFit/>
+          </a:bodyPr>
+          <a:lstStyle/>
+          <a:p>
+            <a:pPr marL="342900" indent="-342900">
+              <a:lnSpc>
+                <a:spcPct val="200000"/>
+              </a:lnSpc>
+              <a:buFont typeface="Arial" panose="020B0604020202020204" pitchFamily="34" charset="0"/>
+              <a:buChar char="•"/>
+            </a:pPr>
+            <a:r>
+              <a:rPr lang="pt-BR" sz="2400" dirty="0" smtClean="0"/>
+              <a:t>Documentação</a:t>
+            </a:r>
+          </a:p>
+          <a:p>
+            <a:pPr marL="800100" lvl="1" indent="-342900">
+              <a:lnSpc>
+                <a:spcPct val="200000"/>
+              </a:lnSpc>
+              <a:buFont typeface="Arial" panose="020B0604020202020204" pitchFamily="34" charset="0"/>
+              <a:buChar char="•"/>
+            </a:pPr>
+            <a:r>
+              <a:rPr lang="pt-BR" sz="2400" dirty="0" smtClean="0"/>
+              <a:t>Word</a:t>
+            </a:r>
+          </a:p>
+          <a:p>
+            <a:pPr marL="800100" lvl="1" indent="-342900">
+              <a:lnSpc>
+                <a:spcPct val="200000"/>
+              </a:lnSpc>
+              <a:buFont typeface="Arial" panose="020B0604020202020204" pitchFamily="34" charset="0"/>
+              <a:buChar char="•"/>
+            </a:pPr>
+            <a:r>
+              <a:rPr lang="pt-BR" sz="2400" dirty="0" smtClean="0"/>
+              <a:t>Astah, Axure </a:t>
+            </a:r>
+          </a:p>
+          <a:p>
+            <a:pPr marL="342900" indent="-342900">
+              <a:lnSpc>
+                <a:spcPct val="200000"/>
+              </a:lnSpc>
+              <a:buFont typeface="Arial" panose="020B0604020202020204" pitchFamily="34" charset="0"/>
+              <a:buChar char="•"/>
+            </a:pPr>
+            <a:r>
+              <a:rPr lang="pt-BR" sz="2400" dirty="0" smtClean="0"/>
+              <a:t>Outras ferramentas</a:t>
+            </a:r>
+          </a:p>
+          <a:p>
+            <a:pPr marL="800100" lvl="1" indent="-342900">
+              <a:lnSpc>
+                <a:spcPct val="200000"/>
+              </a:lnSpc>
+              <a:buFont typeface="Arial" panose="020B0604020202020204" pitchFamily="34" charset="0"/>
+              <a:buChar char="•"/>
+            </a:pPr>
+            <a:r>
+              <a:rPr lang="pt-BR" sz="2400" dirty="0" smtClean="0"/>
+              <a:t>Photoshop</a:t>
+            </a:r>
+          </a:p>
+          <a:p>
+            <a:pPr marL="342900" indent="-342900">
+              <a:lnSpc>
+                <a:spcPct val="150000"/>
+              </a:lnSpc>
+              <a:buFont typeface="Arial" panose="020B0604020202020204" pitchFamily="34" charset="0"/>
+              <a:buChar char="•"/>
+            </a:pPr>
+            <a:endParaRPr lang="pt-BR" sz="2400" dirty="0" smtClean="0"/>
+          </a:p>
+        </p:txBody>
+      </p:sp>
+    </p:spTree>
+    <p:extLst>
+      <p:ext uri="{BB962C8B-B14F-4D97-AF65-F5344CB8AC3E}">
+        <p14:creationId xmlns:p14="http://schemas.microsoft.com/office/powerpoint/2010/main" val="260907411"/>
+      </p:ext>
+    </p:extLst>
+  </p:cSld>
+  <p:clrMapOvr>
+    <a:masterClrMapping/>
+  </p:clrMapOvr>
+  <p:timing>
+    <p:tnLst>
+      <p:par>
+        <p:cTn id="1" dur="indefinite" restart="never" nodeType="tmRoot"/>
+      </p:par>
+    </p:tnLst>
+  </p:timing>
+</p:sld>
+</file>
+
+<file path=ppt/slides/slide16.xml><?xml version="1.0" encoding="utf-8"?>
+<p:sld xmlns:a="http://schemas.openxmlformats.org/drawingml/2006/main" xmlns:r="http://schemas.openxmlformats.org/officeDocument/2006/relationships" xmlns:p="http://schemas.openxmlformats.org/presentationml/2006/main">
+  <p:cSld>
+    <p:bg>
+      <p:bgPr>
+        <a:blipFill dpi="0" rotWithShape="1">
+          <a:blip r:embed="rId2">
+            <a:lum/>
+          </a:blip>
+          <a:srcRect/>
+          <a:stretch>
+            <a:fillRect/>
+          </a:stretch>
+        </a:blipFill>
+        <a:effectLst/>
+      </p:bgPr>
+    </p:bg>
+    <p:spTree>
+      <p:nvGrpSpPr>
+        <p:cNvPr id="1" name=""/>
+        <p:cNvGrpSpPr/>
+        <p:nvPr/>
+      </p:nvGrpSpPr>
+      <p:grpSpPr>
+        <a:xfrm>
+          <a:off x="0" y="0"/>
+          <a:ext cx="0" cy="0"/>
+          <a:chOff x="0" y="0"/>
+          <a:chExt cx="0" cy="0"/>
+        </a:xfrm>
+      </p:grpSpPr>
+      <p:sp>
+        <p:nvSpPr>
           <p:cNvPr id="2" name="Espaço Reservado para Número de Slide 1"/>
           <p:cNvSpPr>
             <a:spLocks noGrp="1"/>
@@ -4231,7 +4955,7 @@
           <a:p>
             <a:fld id="{8FF781A6-F80B-4B0C-B3D7-F58C07AF8613}" type="slidenum">
               <a:rPr lang="pt-BR" smtClean="0"/>
-              <a:t>11</a:t>
+              <a:t>16</a:t>
             </a:fld>
             <a:endParaRPr lang="pt-BR"/>
           </a:p>
@@ -5083,7 +5807,7 @@
                 </a:solidFill>
                 <a:latin typeface="+mn-lt"/>
               </a:rPr>
-              <a:t>IEEE 829– Uso do padrão </a:t>
+              <a:t>ChronoSchool</a:t>
             </a:r>
             <a:endParaRPr lang="pt-BR" sz="2800" b="1" dirty="0">
               <a:solidFill>
@@ -5217,7 +5941,7 @@
                 </a:solidFill>
                 <a:latin typeface="+mn-lt"/>
               </a:rPr>
-              <a:t>IEEE 829– Uso do padrão </a:t>
+              <a:t>ChronoSchool</a:t>
             </a:r>
             <a:endParaRPr lang="pt-BR" sz="2800" b="1" dirty="0">
               <a:solidFill>
@@ -5243,10 +5967,10 @@
           <a:bodyPr/>
           <a:lstStyle/>
           <a:p>
-            <a:r>
-              <a:rPr lang="pt-BR" sz="2400" dirty="0" smtClean="0"/>
+            <a:fld id="{8FF781A6-F80B-4B0C-B3D7-F58C07AF8613}" type="slidenum">
+              <a:rPr lang="pt-BR" sz="2400" smtClean="0"/>
               <a:t>6</a:t>
-            </a:r>
+            </a:fld>
             <a:endParaRPr lang="pt-BR" sz="2400" dirty="0"/>
           </a:p>
         </p:txBody>
@@ -5254,7 +5978,7 @@
     </p:spTree>
     <p:extLst>
       <p:ext uri="{BB962C8B-B14F-4D97-AF65-F5344CB8AC3E}">
-        <p14:creationId xmlns:p14="http://schemas.microsoft.com/office/powerpoint/2010/main" val="3317656757"/>
+        <p14:creationId xmlns:p14="http://schemas.microsoft.com/office/powerpoint/2010/main" val="2385225633"/>
       </p:ext>
     </p:extLst>
   </p:cSld>
@@ -5644,7 +6368,7 @@
         <p:spPr>
           <a:xfrm>
             <a:off x="933450" y="1674463"/>
-            <a:ext cx="10420350" cy="2862322"/>
+            <a:ext cx="10420350" cy="4282391"/>
           </a:xfrm>
           <a:prstGeom prst="rect">
             <a:avLst/>
@@ -5659,7 +6383,7 @@
           <a:p>
             <a:pPr marL="342900" indent="-342900">
               <a:lnSpc>
-                <a:spcPct val="150000"/>
+                <a:spcPct val="250000"/>
               </a:lnSpc>
               <a:buFont typeface="Arial" panose="020B0604020202020204" pitchFamily="34" charset="0"/>
               <a:buChar char="•"/>
@@ -5672,7 +6396,7 @@
           <a:p>
             <a:pPr marL="342900" indent="-342900">
               <a:lnSpc>
-                <a:spcPct val="150000"/>
+                <a:spcPct val="250000"/>
               </a:lnSpc>
               <a:buFont typeface="Arial" panose="020B0604020202020204" pitchFamily="34" charset="0"/>
               <a:buChar char="•"/>
@@ -5685,7 +6409,7 @@
           <a:p>
             <a:pPr marL="342900" indent="-342900">
               <a:lnSpc>
-                <a:spcPct val="150000"/>
+                <a:spcPct val="250000"/>
               </a:lnSpc>
               <a:buFont typeface="Arial" panose="020B0604020202020204" pitchFamily="34" charset="0"/>
               <a:buChar char="•"/>
@@ -5698,12 +6422,15 @@
           <a:p>
             <a:pPr marL="342900" indent="-342900">
               <a:lnSpc>
-                <a:spcPct val="150000"/>
+                <a:spcPct val="250000"/>
               </a:lnSpc>
               <a:buFont typeface="Arial" panose="020B0604020202020204" pitchFamily="34" charset="0"/>
               <a:buChar char="•"/>
             </a:pPr>
-            <a:endParaRPr lang="pt-BR" sz="2400" dirty="0"/>
+            <a:r>
+              <a:rPr lang="pt-BR" sz="2400" dirty="0" smtClean="0"/>
+              <a:t>Evitar conflitos de horários entre professores</a:t>
+            </a:r>
           </a:p>
           <a:p>
             <a:pPr marL="342900" indent="-342900">
@@ -5817,7 +6544,7 @@
                 </a:solidFill>
                 <a:latin typeface="+mn-lt"/>
               </a:rPr>
-              <a:t>Benefícios e Vantagens</a:t>
+              <a:t>Material</a:t>
             </a:r>
           </a:p>
           <a:p>
@@ -5863,7 +6590,7 @@
         <p:spPr>
           <a:xfrm>
             <a:off x="933450" y="1674463"/>
-            <a:ext cx="10420350" cy="1754326"/>
+            <a:ext cx="10420350" cy="4282391"/>
           </a:xfrm>
           <a:prstGeom prst="rect">
             <a:avLst/>
@@ -5878,29 +6605,67 @@
           <a:p>
             <a:pPr marL="342900" indent="-342900">
               <a:lnSpc>
-                <a:spcPct val="150000"/>
+                <a:spcPct val="200000"/>
               </a:lnSpc>
               <a:buFont typeface="Arial" panose="020B0604020202020204" pitchFamily="34" charset="0"/>
               <a:buChar char="•"/>
             </a:pPr>
             <a:r>
               <a:rPr lang="pt-BR" sz="2400" dirty="0" smtClean="0"/>
-              <a:t>Resolução de imprevistos</a:t>
+              <a:t>Programação</a:t>
             </a:r>
           </a:p>
           <a:p>
             <a:pPr marL="800100" lvl="1" indent="-342900">
               <a:lnSpc>
-                <a:spcPct val="150000"/>
+                <a:spcPct val="200000"/>
               </a:lnSpc>
               <a:buFont typeface="Arial" panose="020B0604020202020204" pitchFamily="34" charset="0"/>
               <a:buChar char="•"/>
             </a:pPr>
             <a:r>
               <a:rPr lang="pt-BR" sz="2400" dirty="0" smtClean="0"/>
-              <a:t>Mudanças</a:t>
-            </a:r>
-            <a:endParaRPr lang="pt-BR" sz="2400" dirty="0"/>
+              <a:t>PHP, HTML, CSS</a:t>
+            </a:r>
+          </a:p>
+          <a:p>
+            <a:pPr marL="800100" lvl="1" indent="-342900">
+              <a:lnSpc>
+                <a:spcPct val="200000"/>
+              </a:lnSpc>
+              <a:buFont typeface="Arial" panose="020B0604020202020204" pitchFamily="34" charset="0"/>
+              <a:buChar char="•"/>
+            </a:pPr>
+            <a:r>
+              <a:rPr lang="pt-BR" sz="2400" dirty="0" smtClean="0"/>
+              <a:t>Notepad++ e Sublime Text</a:t>
+            </a:r>
+          </a:p>
+          <a:p>
+            <a:pPr marL="342900" indent="-342900">
+              <a:lnSpc>
+                <a:spcPct val="200000"/>
+              </a:lnSpc>
+              <a:buFont typeface="Arial" panose="020B0604020202020204" pitchFamily="34" charset="0"/>
+              <a:buChar char="•"/>
+            </a:pPr>
+            <a:r>
+              <a:rPr lang="pt-BR" sz="2400" dirty="0" smtClean="0"/>
+              <a:t>Ferramentas</a:t>
+            </a:r>
+          </a:p>
+          <a:p>
+            <a:pPr marL="800100" lvl="1" indent="-342900">
+              <a:lnSpc>
+                <a:spcPct val="200000"/>
+              </a:lnSpc>
+              <a:buFont typeface="Arial" panose="020B0604020202020204" pitchFamily="34" charset="0"/>
+              <a:buChar char="•"/>
+            </a:pPr>
+            <a:r>
+              <a:rPr lang="pt-BR" sz="2400" dirty="0" smtClean="0"/>
+              <a:t>XAMPP, MYSQL, Phpmyadmin e Apache</a:t>
+            </a:r>
           </a:p>
           <a:p>
             <a:pPr marL="342900" indent="-342900">
